--- a/PowerPointLabs/PowerPointLabs/PowerPointLabs Quick Tutorial.pptx
+++ b/PowerPointLabs/PowerPointLabs/PowerPointLabs Quick Tutorial.pptx
@@ -198,7 +198,7 @@
       </p14:sectionLst>
     </p:ext>
     <p:ext uri="{EFAFB233-063F-42B5-8137-9DF3F51BA10A}">
-      <p15:sldGuideLst xmlns="" xmlns:p15="http://schemas.microsoft.com/office/powerpoint/2012/main">
+      <p15:sldGuideLst xmlns:p15="http://schemas.microsoft.com/office/powerpoint/2012/main">
         <p15:guide id="1" orient="horz" pos="2160">
           <p15:clr>
             <a:srgbClr val="A4A3A4"/>
@@ -422,7 +422,7 @@
           <a:p>
             <a:fld id="{3E86CC0F-BBF3-4E07-94E0-0549B7D560A9}" type="datetimeFigureOut">
               <a:rPr lang="en-SG" smtClean="0"/>
-              <a:t>2/4/2014</a:t>
+              <a:t>3/6/2014</a:t>
             </a:fld>
             <a:endParaRPr lang="en-SG"/>
           </a:p>
@@ -1288,7 +1288,7 @@
             <a:fld id="{1D8BD707-D9CF-40AE-B4C6-C98DA3205C09}" type="datetimeFigureOut">
               <a:rPr lang="en-US" smtClean="0"/>
               <a:pPr/>
-              <a:t>4/2/2014</a:t>
+              <a:t>6/3/2014</a:t>
             </a:fld>
             <a:endParaRPr lang="en-US"/>
           </a:p>
@@ -1455,7 +1455,7 @@
             <a:fld id="{1D8BD707-D9CF-40AE-B4C6-C98DA3205C09}" type="datetimeFigureOut">
               <a:rPr lang="en-US" smtClean="0"/>
               <a:pPr/>
-              <a:t>4/2/2014</a:t>
+              <a:t>6/3/2014</a:t>
             </a:fld>
             <a:endParaRPr lang="en-US"/>
           </a:p>
@@ -1632,7 +1632,7 @@
             <a:fld id="{1D8BD707-D9CF-40AE-B4C6-C98DA3205C09}" type="datetimeFigureOut">
               <a:rPr lang="en-US" smtClean="0"/>
               <a:pPr/>
-              <a:t>4/2/2014</a:t>
+              <a:t>6/3/2014</a:t>
             </a:fld>
             <a:endParaRPr lang="en-US"/>
           </a:p>
@@ -1799,7 +1799,7 @@
             <a:fld id="{1D8BD707-D9CF-40AE-B4C6-C98DA3205C09}" type="datetimeFigureOut">
               <a:rPr lang="en-US" smtClean="0"/>
               <a:pPr/>
-              <a:t>4/2/2014</a:t>
+              <a:t>6/3/2014</a:t>
             </a:fld>
             <a:endParaRPr lang="en-US"/>
           </a:p>
@@ -2042,7 +2042,7 @@
             <a:fld id="{1D8BD707-D9CF-40AE-B4C6-C98DA3205C09}" type="datetimeFigureOut">
               <a:rPr lang="en-US" smtClean="0"/>
               <a:pPr/>
-              <a:t>4/2/2014</a:t>
+              <a:t>6/3/2014</a:t>
             </a:fld>
             <a:endParaRPr lang="en-US"/>
           </a:p>
@@ -2327,7 +2327,7 @@
             <a:fld id="{1D8BD707-D9CF-40AE-B4C6-C98DA3205C09}" type="datetimeFigureOut">
               <a:rPr lang="en-US" smtClean="0"/>
               <a:pPr/>
-              <a:t>4/2/2014</a:t>
+              <a:t>6/3/2014</a:t>
             </a:fld>
             <a:endParaRPr lang="en-US"/>
           </a:p>
@@ -2746,7 +2746,7 @@
             <a:fld id="{1D8BD707-D9CF-40AE-B4C6-C98DA3205C09}" type="datetimeFigureOut">
               <a:rPr lang="en-US" smtClean="0"/>
               <a:pPr/>
-              <a:t>4/2/2014</a:t>
+              <a:t>6/3/2014</a:t>
             </a:fld>
             <a:endParaRPr lang="en-US"/>
           </a:p>
@@ -2861,7 +2861,7 @@
             <a:fld id="{1D8BD707-D9CF-40AE-B4C6-C98DA3205C09}" type="datetimeFigureOut">
               <a:rPr lang="en-US" smtClean="0"/>
               <a:pPr/>
-              <a:t>4/2/2014</a:t>
+              <a:t>6/3/2014</a:t>
             </a:fld>
             <a:endParaRPr lang="en-US"/>
           </a:p>
@@ -2953,7 +2953,7 @@
             <a:fld id="{1D8BD707-D9CF-40AE-B4C6-C98DA3205C09}" type="datetimeFigureOut">
               <a:rPr lang="en-US" smtClean="0"/>
               <a:pPr/>
-              <a:t>4/2/2014</a:t>
+              <a:t>6/3/2014</a:t>
             </a:fld>
             <a:endParaRPr lang="en-US"/>
           </a:p>
@@ -3227,7 +3227,7 @@
             <a:fld id="{1D8BD707-D9CF-40AE-B4C6-C98DA3205C09}" type="datetimeFigureOut">
               <a:rPr lang="en-US" smtClean="0"/>
               <a:pPr/>
-              <a:t>4/2/2014</a:t>
+              <a:t>6/3/2014</a:t>
             </a:fld>
             <a:endParaRPr lang="en-US"/>
           </a:p>
@@ -3477,7 +3477,7 @@
             <a:fld id="{1D8BD707-D9CF-40AE-B4C6-C98DA3205C09}" type="datetimeFigureOut">
               <a:rPr lang="en-US" smtClean="0"/>
               <a:pPr/>
-              <a:t>4/2/2014</a:t>
+              <a:t>6/3/2014</a:t>
             </a:fld>
             <a:endParaRPr lang="en-US"/>
           </a:p>
@@ -3687,7 +3687,7 @@
             <a:fld id="{1D8BD707-D9CF-40AE-B4C6-C98DA3205C09}" type="datetimeFigureOut">
               <a:rPr lang="en-US" smtClean="0"/>
               <a:pPr/>
-              <a:t>4/2/2014</a:t>
+              <a:t>6/3/2014</a:t>
             </a:fld>
             <a:endParaRPr lang="en-US"/>
           </a:p>
@@ -7019,47 +7019,27 @@
                   </a:schemeClr>
                 </a:solidFill>
               </a:rPr>
-              <a:t> Select the four blue circles in any </a:t>
-            </a:r>
-            <a:r>
-              <a:rPr lang="en-US" dirty="0" smtClean="0">
+              <a:t> Select the four blue circles in any order (</a:t>
+            </a:r>
+            <a:r>
+              <a:rPr lang="en-US" dirty="0" err="1" smtClean="0">
                 <a:solidFill>
                   <a:schemeClr val="accent6">
                     <a:lumMod val="75000"/>
                   </a:schemeClr>
                 </a:solidFill>
               </a:rPr>
-              <a:t>order (</a:t>
-            </a:r>
-            <a:r>
-              <a:rPr lang="en-US" dirty="0" err="1" smtClean="0">
+              <a:t>Ctrl+click</a:t>
+            </a:r>
+            <a:r>
+              <a:rPr lang="en-US" dirty="0" smtClean="0">
                 <a:solidFill>
                   <a:schemeClr val="accent6">
                     <a:lumMod val="75000"/>
                   </a:schemeClr>
                 </a:solidFill>
               </a:rPr>
-              <a:t>Ctrl+click</a:t>
-            </a:r>
-            <a:r>
-              <a:rPr lang="en-US" dirty="0" smtClean="0">
-                <a:solidFill>
-                  <a:schemeClr val="accent6">
-                    <a:lumMod val="75000"/>
-                  </a:schemeClr>
-                </a:solidFill>
-              </a:rPr>
-              <a:t>) </a:t>
-            </a:r>
-            <a:r>
-              <a:rPr lang="en-US" dirty="0" smtClean="0">
-                <a:solidFill>
-                  <a:schemeClr val="accent6">
-                    <a:lumMod val="75000"/>
-                  </a:schemeClr>
-                </a:solidFill>
-              </a:rPr>
-              <a:t>and click  the            button.</a:t>
+              <a:t>) and click  the            button.</a:t>
             </a:r>
             <a:endParaRPr lang="en-SG" dirty="0">
               <a:solidFill>
@@ -12387,17 +12367,7 @@
                   </a:schemeClr>
                 </a:solidFill>
               </a:rPr>
-              <a:t>effect generated. This effect can be used to indicate that you are stepping back to take a look at where the details you have been discussing fit into the </a:t>
-            </a:r>
-            <a:r>
-              <a:rPr lang="en-US" dirty="0" smtClean="0">
-                <a:solidFill>
-                  <a:schemeClr val="accent6">
-                    <a:lumMod val="75000"/>
-                  </a:schemeClr>
-                </a:solidFill>
-              </a:rPr>
-              <a:t>‘big picture’.</a:t>
+              <a:t>effect generated. This effect can be used to indicate that you are stepping back to take a look at where the details you have been discussing fit into the ‘big picture’.</a:t>
             </a:r>
             <a:endParaRPr lang="en-SG" dirty="0">
               <a:solidFill>
@@ -15418,47 +15388,27 @@
                   </a:schemeClr>
                 </a:solidFill>
               </a:rPr>
-              <a:t>First up, let’s </a:t>
-            </a:r>
-            <a:r>
-              <a:rPr lang="en-US" dirty="0" smtClean="0">
+              <a:t>First up, let’s try the </a:t>
+            </a:r>
+            <a:r>
+              <a:rPr lang="en-US" b="1" dirty="0" smtClean="0">
                 <a:solidFill>
                   <a:schemeClr val="accent6">
                     <a:lumMod val="75000"/>
                   </a:schemeClr>
                 </a:solidFill>
               </a:rPr>
-              <a:t>try the </a:t>
-            </a:r>
-            <a:r>
-              <a:rPr lang="en-US" b="1" dirty="0" smtClean="0">
+              <a:t>Highlight bullet points</a:t>
+            </a:r>
+            <a:r>
+              <a:rPr lang="en-US" dirty="0" smtClean="0">
                 <a:solidFill>
                   <a:schemeClr val="accent6">
                     <a:lumMod val="75000"/>
                   </a:schemeClr>
                 </a:solidFill>
               </a:rPr>
-              <a:t>Highlight bullet points</a:t>
-            </a:r>
-            <a:r>
-              <a:rPr lang="en-US" dirty="0" smtClean="0">
-                <a:solidFill>
-                  <a:schemeClr val="accent6">
-                    <a:lumMod val="75000"/>
-                  </a:schemeClr>
-                </a:solidFill>
-              </a:rPr>
-              <a:t> </a:t>
-            </a:r>
-            <a:r>
-              <a:rPr lang="en-US" dirty="0" smtClean="0">
-                <a:solidFill>
-                  <a:schemeClr val="accent6">
-                    <a:lumMod val="75000"/>
-                  </a:schemeClr>
-                </a:solidFill>
-              </a:rPr>
-              <a:t>feature</a:t>
+              <a:t> feature</a:t>
             </a:r>
             <a:endParaRPr lang="en-SG" dirty="0">
               <a:solidFill>
@@ -16530,77 +16480,7 @@
                   </a:schemeClr>
                 </a:solidFill>
               </a:rPr>
-              <a:t> </a:t>
-            </a:r>
-            <a:r>
-              <a:rPr lang="en-US" dirty="0" smtClean="0">
-                <a:solidFill>
-                  <a:schemeClr val="accent6">
-                    <a:lumMod val="75000"/>
-                  </a:schemeClr>
-                </a:solidFill>
-              </a:rPr>
-              <a:t>While </a:t>
-            </a:r>
-            <a:r>
-              <a:rPr lang="en-US" dirty="0" smtClean="0">
-                <a:solidFill>
-                  <a:schemeClr val="accent6">
-                    <a:lumMod val="75000"/>
-                  </a:schemeClr>
-                </a:solidFill>
-              </a:rPr>
-              <a:t>this slide is </a:t>
-            </a:r>
-            <a:r>
-              <a:rPr lang="en-US" dirty="0" smtClean="0">
-                <a:solidFill>
-                  <a:schemeClr val="accent6">
-                    <a:lumMod val="75000"/>
-                  </a:schemeClr>
-                </a:solidFill>
-              </a:rPr>
-              <a:t>selected, </a:t>
-            </a:r>
-            <a:r>
-              <a:rPr lang="en-US" dirty="0" smtClean="0">
-                <a:solidFill>
-                  <a:schemeClr val="accent6">
-                    <a:lumMod val="75000"/>
-                  </a:schemeClr>
-                </a:solidFill>
-              </a:rPr>
-              <a:t>click </a:t>
-            </a:r>
-            <a:r>
-              <a:rPr lang="en-US" dirty="0" smtClean="0">
-                <a:solidFill>
-                  <a:schemeClr val="accent6">
-                    <a:lumMod val="75000"/>
-                  </a:schemeClr>
-                </a:solidFill>
-              </a:rPr>
-              <a:t>the              </a:t>
-            </a:r>
-            <a:r>
-              <a:rPr lang="en-US" dirty="0" smtClean="0">
-                <a:solidFill>
-                  <a:schemeClr val="accent6">
-                    <a:lumMod val="75000"/>
-                  </a:schemeClr>
-                </a:solidFill>
-              </a:rPr>
-              <a:t> button </a:t>
-            </a:r>
-            <a:r>
-              <a:rPr lang="en-US" dirty="0" smtClean="0">
-                <a:solidFill>
-                  <a:schemeClr val="accent6">
-                    <a:lumMod val="75000"/>
-                  </a:schemeClr>
-                </a:solidFill>
-              </a:rPr>
-              <a:t>in the                        ribbon</a:t>
+              <a:t> While this slide is selected, click the               button in the                        ribbon</a:t>
             </a:r>
             <a:endParaRPr lang="en-SG" dirty="0">
               <a:solidFill>
@@ -16711,16 +16591,6 @@
                   <a:schemeClr val="accent1"/>
                 </a:solidFill>
               </a14:hiddenFill>
-            </a:ext>
-            <a:ext uri="{91240B29-F687-4F45-9708-019B960494DF}">
-              <a14:hiddenLine xmlns:a14="http://schemas.microsoft.com/office/drawing/2010/main" w="9525">
-                <a:solidFill>
-                  <a:schemeClr val="tx1"/>
-                </a:solidFill>
-                <a:miter lim="800000"/>
-                <a:headEnd/>
-                <a:tailEnd/>
-              </a14:hiddenLine>
             </a:ext>
           </a:extLst>
         </p:spPr>
@@ -17069,67 +16939,7 @@
                   </a:schemeClr>
                 </a:solidFill>
               </a:rPr>
-              <a:t> </a:t>
-            </a:r>
-            <a:r>
-              <a:rPr lang="en-US" dirty="0" smtClean="0">
-                <a:solidFill>
-                  <a:schemeClr val="accent6">
-                    <a:lumMod val="75000"/>
-                  </a:schemeClr>
-                </a:solidFill>
-              </a:rPr>
-              <a:t>While </a:t>
-            </a:r>
-            <a:r>
-              <a:rPr lang="en-US" dirty="0" smtClean="0">
-                <a:solidFill>
-                  <a:schemeClr val="accent6">
-                    <a:lumMod val="75000"/>
-                  </a:schemeClr>
-                </a:solidFill>
-              </a:rPr>
-              <a:t>this slide is </a:t>
-            </a:r>
-            <a:r>
-              <a:rPr lang="en-US" dirty="0" smtClean="0">
-                <a:solidFill>
-                  <a:schemeClr val="accent6">
-                    <a:lumMod val="75000"/>
-                  </a:schemeClr>
-                </a:solidFill>
-              </a:rPr>
-              <a:t>selected, </a:t>
-            </a:r>
-            <a:r>
-              <a:rPr lang="en-US" dirty="0" smtClean="0">
-                <a:solidFill>
-                  <a:schemeClr val="accent6">
-                    <a:lumMod val="75000"/>
-                  </a:schemeClr>
-                </a:solidFill>
-              </a:rPr>
-              <a:t>click </a:t>
-            </a:r>
-            <a:r>
-              <a:rPr lang="en-US" dirty="0" smtClean="0">
-                <a:solidFill>
-                  <a:schemeClr val="accent6">
-                    <a:lumMod val="75000"/>
-                  </a:schemeClr>
-                </a:solidFill>
-              </a:rPr>
-              <a:t>the              </a:t>
-            </a:r>
-            <a:r>
-              <a:rPr lang="en-US" dirty="0" smtClean="0">
-                <a:solidFill>
-                  <a:schemeClr val="accent6">
-                    <a:lumMod val="75000"/>
-                  </a:schemeClr>
-                </a:solidFill>
-              </a:rPr>
-              <a:t>   button instead.</a:t>
+              <a:t> While this slide is selected, click the                 button instead.</a:t>
             </a:r>
             <a:endParaRPr lang="en-SG" dirty="0">
               <a:solidFill>
@@ -17186,16 +16996,6 @@
                   <a:schemeClr val="accent1"/>
                 </a:solidFill>
               </a14:hiddenFill>
-            </a:ext>
-            <a:ext uri="{91240B29-F687-4F45-9708-019B960494DF}">
-              <a14:hiddenLine xmlns:a14="http://schemas.microsoft.com/office/drawing/2010/main" w="9525">
-                <a:solidFill>
-                  <a:schemeClr val="tx1"/>
-                </a:solidFill>
-                <a:miter lim="800000"/>
-                <a:headEnd/>
-                <a:tailEnd/>
-              </a14:hiddenLine>
             </a:ext>
           </a:extLst>
         </p:spPr>
@@ -17489,17 +17289,7 @@
                   </a:schemeClr>
                 </a:solidFill>
               </a:rPr>
-              <a:t>Next, let’s </a:t>
-            </a:r>
-            <a:r>
-              <a:rPr lang="en-US" dirty="0" smtClean="0">
-                <a:solidFill>
-                  <a:schemeClr val="accent6">
-                    <a:lumMod val="75000"/>
-                  </a:schemeClr>
-                </a:solidFill>
-              </a:rPr>
-              <a:t>try the </a:t>
+              <a:t>Next, let’s try the </a:t>
             </a:r>
             <a:r>
               <a:rPr lang="en-US" b="1" dirty="0" smtClean="0">

--- a/PowerPointLabs/PowerPointLabs/PowerPointLabs Quick Tutorial.pptx
+++ b/PowerPointLabs/PowerPointLabs/PowerPointLabs Quick Tutorial.pptx
@@ -5,7 +5,7 @@
     <p:sldMasterId id="2147483648" r:id="rId1"/>
   </p:sldMasterIdLst>
   <p:notesMasterIdLst>
-    <p:notesMasterId r:id="rId29"/>
+    <p:notesMasterId r:id="rId30"/>
   </p:notesMasterIdLst>
   <p:sldIdLst>
     <p:sldId id="296" r:id="rId2"/>
@@ -33,8 +33,9 @@
     <p:sldId id="327" r:id="rId24"/>
     <p:sldId id="310" r:id="rId25"/>
     <p:sldId id="326" r:id="rId26"/>
-    <p:sldId id="305" r:id="rId27"/>
-    <p:sldId id="299" r:id="rId28"/>
+    <p:sldId id="331" r:id="rId27"/>
+    <p:sldId id="305" r:id="rId28"/>
+    <p:sldId id="299" r:id="rId29"/>
   </p:sldIdLst>
   <p:sldSz cx="9144000" cy="6858000" type="screen4x3"/>
   <p:notesSz cx="6858000" cy="9144000"/>
@@ -187,6 +188,7 @@
           <p14:sldIdLst>
             <p14:sldId id="310"/>
             <p14:sldId id="326"/>
+            <p14:sldId id="331"/>
           </p14:sldIdLst>
         </p14:section>
         <p14:section name="Wrap up" id="{5BBA1A93-B239-4917-BAC7-9CBE7A60C0BF}">
@@ -422,7 +424,7 @@
           <a:p>
             <a:fld id="{3E86CC0F-BBF3-4E07-94E0-0549B7D560A9}" type="datetimeFigureOut">
               <a:rPr lang="en-SG" smtClean="0"/>
-              <a:t>3/6/2014</a:t>
+              <a:t>16/6/2014</a:t>
             </a:fld>
             <a:endParaRPr lang="en-SG"/>
           </a:p>
@@ -1106,6 +1108,111 @@
 </p:notes>
 </file>
 
+<file path=ppt/notesSlides/notesSlide5.xml><?xml version="1.0" encoding="utf-8"?>
+<p:notes xmlns:a="http://schemas.openxmlformats.org/drawingml/2006/main" xmlns:r="http://schemas.openxmlformats.org/officeDocument/2006/relationships" xmlns:p="http://schemas.openxmlformats.org/presentationml/2006/main">
+  <p:cSld>
+    <p:spTree>
+      <p:nvGrpSpPr>
+        <p:cNvPr id="1" name=""/>
+        <p:cNvGrpSpPr/>
+        <p:nvPr/>
+      </p:nvGrpSpPr>
+      <p:grpSpPr>
+        <a:xfrm>
+          <a:off x="0" y="0"/>
+          <a:ext cx="0" cy="0"/>
+          <a:chOff x="0" y="0"/>
+          <a:chExt cx="0" cy="0"/>
+        </a:xfrm>
+      </p:grpSpPr>
+      <p:sp>
+        <p:nvSpPr>
+          <p:cNvPr id="2" name="Slide Image Placeholder 1"/>
+          <p:cNvSpPr>
+            <a:spLocks noGrp="1" noRot="1" noChangeAspect="1"/>
+          </p:cNvSpPr>
+          <p:nvPr>
+            <p:ph type="sldImg"/>
+          </p:nvPr>
+        </p:nvSpPr>
+        <p:spPr/>
+      </p:sp>
+      <p:sp>
+        <p:nvSpPr>
+          <p:cNvPr id="3" name="Notes Placeholder 2"/>
+          <p:cNvSpPr>
+            <a:spLocks noGrp="1"/>
+          </p:cNvSpPr>
+          <p:nvPr>
+            <p:ph type="body" idx="1"/>
+          </p:nvPr>
+        </p:nvSpPr>
+        <p:spPr/>
+        <p:txBody>
+          <a:bodyPr/>
+          <a:lstStyle/>
+          <a:p>
+            <a:r>
+              <a:rPr lang="en-US" altLang="zh-CN" dirty="0" smtClean="0"/>
+              <a:t>This will</a:t>
+            </a:r>
+            <a:r>
+              <a:rPr lang="en-US" altLang="zh-CN" baseline="0" dirty="0" smtClean="0"/>
+              <a:t> play at the beginning.</a:t>
+            </a:r>
+          </a:p>
+          <a:p>
+            <a:r>
+              <a:rPr lang="en-US" altLang="zh-CN" baseline="0" dirty="0" smtClean="0"/>
+              <a:t>[</a:t>
+            </a:r>
+            <a:r>
+              <a:rPr lang="en-US" altLang="zh-CN" baseline="0" dirty="0" err="1" smtClean="0"/>
+              <a:t>afterClick</a:t>
+            </a:r>
+            <a:r>
+              <a:rPr lang="en-US" altLang="zh-CN" baseline="0" dirty="0" smtClean="0"/>
+              <a:t>] This will play after you click.</a:t>
+            </a:r>
+          </a:p>
+        </p:txBody>
+      </p:sp>
+      <p:sp>
+        <p:nvSpPr>
+          <p:cNvPr id="4" name="Slide Number Placeholder 3"/>
+          <p:cNvSpPr>
+            <a:spLocks noGrp="1"/>
+          </p:cNvSpPr>
+          <p:nvPr>
+            <p:ph type="sldNum" sz="quarter" idx="10"/>
+          </p:nvPr>
+        </p:nvSpPr>
+        <p:spPr/>
+        <p:txBody>
+          <a:bodyPr/>
+          <a:lstStyle/>
+          <a:p>
+            <a:fld id="{0015B511-83B7-463E-ACD1-0C1C081EBBC4}" type="slidenum">
+              <a:rPr lang="en-SG" smtClean="0"/>
+              <a:t>26</a:t>
+            </a:fld>
+            <a:endParaRPr lang="en-SG"/>
+          </a:p>
+        </p:txBody>
+      </p:sp>
+    </p:spTree>
+    <p:extLst>
+      <p:ext uri="{BB962C8B-B14F-4D97-AF65-F5344CB8AC3E}">
+        <p14:creationId xmlns:p14="http://schemas.microsoft.com/office/powerpoint/2010/main" val="2911926025"/>
+      </p:ext>
+    </p:extLst>
+  </p:cSld>
+  <p:clrMapOvr>
+    <a:masterClrMapping/>
+  </p:clrMapOvr>
+</p:notes>
+</file>
+
 <file path=ppt/slideLayouts/slideLayout1.xml><?xml version="1.0" encoding="utf-8"?>
 <p:sldLayout xmlns:a="http://schemas.openxmlformats.org/drawingml/2006/main" xmlns:r="http://schemas.openxmlformats.org/officeDocument/2006/relationships" xmlns:p="http://schemas.openxmlformats.org/presentationml/2006/main" type="title" preserve="1">
   <p:cSld name="Title Slide">
@@ -1288,7 +1395,7 @@
             <a:fld id="{1D8BD707-D9CF-40AE-B4C6-C98DA3205C09}" type="datetimeFigureOut">
               <a:rPr lang="en-US" smtClean="0"/>
               <a:pPr/>
-              <a:t>6/3/2014</a:t>
+              <a:t>6/16/2014</a:t>
             </a:fld>
             <a:endParaRPr lang="en-US"/>
           </a:p>
@@ -1455,7 +1562,7 @@
             <a:fld id="{1D8BD707-D9CF-40AE-B4C6-C98DA3205C09}" type="datetimeFigureOut">
               <a:rPr lang="en-US" smtClean="0"/>
               <a:pPr/>
-              <a:t>6/3/2014</a:t>
+              <a:t>6/16/2014</a:t>
             </a:fld>
             <a:endParaRPr lang="en-US"/>
           </a:p>
@@ -1632,7 +1739,7 @@
             <a:fld id="{1D8BD707-D9CF-40AE-B4C6-C98DA3205C09}" type="datetimeFigureOut">
               <a:rPr lang="en-US" smtClean="0"/>
               <a:pPr/>
-              <a:t>6/3/2014</a:t>
+              <a:t>6/16/2014</a:t>
             </a:fld>
             <a:endParaRPr lang="en-US"/>
           </a:p>
@@ -1799,7 +1906,7 @@
             <a:fld id="{1D8BD707-D9CF-40AE-B4C6-C98DA3205C09}" type="datetimeFigureOut">
               <a:rPr lang="en-US" smtClean="0"/>
               <a:pPr/>
-              <a:t>6/3/2014</a:t>
+              <a:t>6/16/2014</a:t>
             </a:fld>
             <a:endParaRPr lang="en-US"/>
           </a:p>
@@ -2042,7 +2149,7 @@
             <a:fld id="{1D8BD707-D9CF-40AE-B4C6-C98DA3205C09}" type="datetimeFigureOut">
               <a:rPr lang="en-US" smtClean="0"/>
               <a:pPr/>
-              <a:t>6/3/2014</a:t>
+              <a:t>6/16/2014</a:t>
             </a:fld>
             <a:endParaRPr lang="en-US"/>
           </a:p>
@@ -2327,7 +2434,7 @@
             <a:fld id="{1D8BD707-D9CF-40AE-B4C6-C98DA3205C09}" type="datetimeFigureOut">
               <a:rPr lang="en-US" smtClean="0"/>
               <a:pPr/>
-              <a:t>6/3/2014</a:t>
+              <a:t>6/16/2014</a:t>
             </a:fld>
             <a:endParaRPr lang="en-US"/>
           </a:p>
@@ -2746,7 +2853,7 @@
             <a:fld id="{1D8BD707-D9CF-40AE-B4C6-C98DA3205C09}" type="datetimeFigureOut">
               <a:rPr lang="en-US" smtClean="0"/>
               <a:pPr/>
-              <a:t>6/3/2014</a:t>
+              <a:t>6/16/2014</a:t>
             </a:fld>
             <a:endParaRPr lang="en-US"/>
           </a:p>
@@ -2861,7 +2968,7 @@
             <a:fld id="{1D8BD707-D9CF-40AE-B4C6-C98DA3205C09}" type="datetimeFigureOut">
               <a:rPr lang="en-US" smtClean="0"/>
               <a:pPr/>
-              <a:t>6/3/2014</a:t>
+              <a:t>6/16/2014</a:t>
             </a:fld>
             <a:endParaRPr lang="en-US"/>
           </a:p>
@@ -2953,7 +3060,7 @@
             <a:fld id="{1D8BD707-D9CF-40AE-B4C6-C98DA3205C09}" type="datetimeFigureOut">
               <a:rPr lang="en-US" smtClean="0"/>
               <a:pPr/>
-              <a:t>6/3/2014</a:t>
+              <a:t>6/16/2014</a:t>
             </a:fld>
             <a:endParaRPr lang="en-US"/>
           </a:p>
@@ -3227,7 +3334,7 @@
             <a:fld id="{1D8BD707-D9CF-40AE-B4C6-C98DA3205C09}" type="datetimeFigureOut">
               <a:rPr lang="en-US" smtClean="0"/>
               <a:pPr/>
-              <a:t>6/3/2014</a:t>
+              <a:t>6/16/2014</a:t>
             </a:fld>
             <a:endParaRPr lang="en-US"/>
           </a:p>
@@ -3477,7 +3584,7 @@
             <a:fld id="{1D8BD707-D9CF-40AE-B4C6-C98DA3205C09}" type="datetimeFigureOut">
               <a:rPr lang="en-US" smtClean="0"/>
               <a:pPr/>
-              <a:t>6/3/2014</a:t>
+              <a:t>6/16/2014</a:t>
             </a:fld>
             <a:endParaRPr lang="en-US"/>
           </a:p>
@@ -3687,7 +3794,7 @@
             <a:fld id="{1D8BD707-D9CF-40AE-B4C6-C98DA3205C09}" type="datetimeFigureOut">
               <a:rPr lang="en-US" smtClean="0"/>
               <a:pPr/>
-              <a:t>6/3/2014</a:t>
+              <a:t>6/16/2014</a:t>
             </a:fld>
             <a:endParaRPr lang="en-US"/>
           </a:p>
@@ -14349,7 +14456,7 @@
       </p:grpSpPr>
       <p:sp>
         <p:nvSpPr>
-          <p:cNvPr id="7" name="TextBox 6"/>
+          <p:cNvPr id="7" name="[TextBox 6]"/>
           <p:cNvSpPr txBox="1"/>
           <p:nvPr/>
         </p:nvSpPr>
@@ -14458,7 +14565,7 @@
       </p:sp>
       <p:pic>
         <p:nvPicPr>
-          <p:cNvPr id="2050" name="Picture 2"/>
+          <p:cNvPr id="2050" name="[Picture 2]"/>
           <p:cNvPicPr>
             <a:picLocks noChangeAspect="1" noChangeArrowheads="1"/>
           </p:cNvPicPr>
@@ -14509,7 +14616,7 @@
       </p:pic>
       <p:pic>
         <p:nvPicPr>
-          <p:cNvPr id="2051" name="Picture 3"/>
+          <p:cNvPr id="2051" name="[Picture 3]"/>
           <p:cNvPicPr>
             <a:picLocks noChangeAspect="1" noChangeArrowheads="1"/>
           </p:cNvPicPr>
@@ -14563,7 +14670,7 @@
       </p:pic>
       <p:sp>
         <p:nvSpPr>
-          <p:cNvPr id="14" name="TextBox 13"/>
+          <p:cNvPr id="14" name="[TextBox 13]"/>
           <p:cNvSpPr txBox="1"/>
           <p:nvPr/>
         </p:nvSpPr>
@@ -14672,7 +14779,7 @@
       </p:sp>
       <p:pic>
         <p:nvPicPr>
-          <p:cNvPr id="2052" name="Picture 4"/>
+          <p:cNvPr id="2052" name="[Picture 4]"/>
           <p:cNvPicPr>
             <a:picLocks noChangeAspect="1" noChangeArrowheads="1"/>
           </p:cNvPicPr>
@@ -14760,6 +14867,766 @@
       </p:grpSpPr>
       <p:sp>
         <p:nvSpPr>
+          <p:cNvPr id="4" name="[TextBox 6]"/>
+          <p:cNvSpPr txBox="1"/>
+          <p:nvPr/>
+        </p:nvSpPr>
+        <p:spPr>
+          <a:xfrm>
+            <a:off x="685800" y="1044410"/>
+            <a:ext cx="5105400" cy="2462213"/>
+          </a:xfrm>
+          <a:prstGeom prst="rect">
+            <a:avLst/>
+          </a:prstGeom>
+          <a:noFill/>
+        </p:spPr>
+        <p:txBody>
+          <a:bodyPr wrap="square" rtlCol="0">
+            <a:spAutoFit/>
+          </a:bodyPr>
+          <a:lstStyle/>
+          <a:p>
+            <a:r>
+              <a:rPr lang="en-US" sz="2800" b="1" dirty="0" smtClean="0">
+                <a:solidFill>
+                  <a:schemeClr val="accent6">
+                    <a:lumMod val="75000"/>
+                  </a:schemeClr>
+                </a:solidFill>
+              </a:rPr>
+              <a:t>3.</a:t>
+            </a:r>
+            <a:r>
+              <a:rPr lang="en-US" dirty="0" smtClean="0">
+                <a:solidFill>
+                  <a:schemeClr val="accent6">
+                    <a:lumMod val="75000"/>
+                  </a:schemeClr>
+                </a:solidFill>
+              </a:rPr>
+              <a:t> To record an audio, click the drop down menu </a:t>
+            </a:r>
+          </a:p>
+          <a:p>
+            <a:endParaRPr lang="en-US" dirty="0">
+              <a:solidFill>
+                <a:schemeClr val="accent6">
+                  <a:lumMod val="75000"/>
+                </a:schemeClr>
+              </a:solidFill>
+            </a:endParaRPr>
+          </a:p>
+          <a:p>
+            <a:r>
+              <a:rPr lang="en-US" dirty="0" smtClean="0">
+                <a:solidFill>
+                  <a:schemeClr val="accent6">
+                    <a:lumMod val="75000"/>
+                  </a:schemeClr>
+                </a:solidFill>
+              </a:rPr>
+              <a:t>of                 </a:t>
+            </a:r>
+            <a:r>
+              <a:rPr lang="en-US" dirty="0" smtClean="0">
+                <a:solidFill>
+                  <a:schemeClr val="accent6">
+                    <a:lumMod val="75000"/>
+                  </a:schemeClr>
+                </a:solidFill>
+              </a:rPr>
+              <a:t>button. </a:t>
+            </a:r>
+            <a:endParaRPr lang="en-US" dirty="0" smtClean="0">
+              <a:solidFill>
+                <a:schemeClr val="accent6">
+                  <a:lumMod val="75000"/>
+                </a:schemeClr>
+              </a:solidFill>
+            </a:endParaRPr>
+          </a:p>
+          <a:p>
+            <a:r>
+              <a:rPr lang="en-US" dirty="0" smtClean="0">
+                <a:solidFill>
+                  <a:schemeClr val="accent6">
+                    <a:lumMod val="75000"/>
+                  </a:schemeClr>
+                </a:solidFill>
+              </a:rPr>
+              <a:t/>
+            </a:r>
+            <a:br>
+              <a:rPr lang="en-US" dirty="0" smtClean="0">
+                <a:solidFill>
+                  <a:schemeClr val="accent6">
+                    <a:lumMod val="75000"/>
+                  </a:schemeClr>
+                </a:solidFill>
+              </a:rPr>
+            </a:br>
+            <a:r>
+              <a:rPr lang="en-US" dirty="0" smtClean="0">
+                <a:solidFill>
+                  <a:schemeClr val="accent6">
+                    <a:lumMod val="75000"/>
+                  </a:schemeClr>
+                </a:solidFill>
+              </a:rPr>
+              <a:t/>
+            </a:r>
+            <a:br>
+              <a:rPr lang="en-US" dirty="0" smtClean="0">
+                <a:solidFill>
+                  <a:schemeClr val="accent6">
+                    <a:lumMod val="75000"/>
+                  </a:schemeClr>
+                </a:solidFill>
+              </a:rPr>
+            </a:br>
+            <a:r>
+              <a:rPr lang="en-US" dirty="0" smtClean="0">
+                <a:solidFill>
+                  <a:schemeClr val="accent6">
+                    <a:lumMod val="75000"/>
+                  </a:schemeClr>
+                </a:solidFill>
+              </a:rPr>
+              <a:t>It </a:t>
+            </a:r>
+            <a:r>
+              <a:rPr lang="en-US" dirty="0" smtClean="0">
+                <a:solidFill>
+                  <a:schemeClr val="accent6">
+                    <a:lumMod val="75000"/>
+                  </a:schemeClr>
+                </a:solidFill>
+              </a:rPr>
+              <a:t>will show Recorder Script Panel at right side of your screen, showing the recording status of the scripts of current slide.</a:t>
+            </a:r>
+            <a:endParaRPr lang="en-SG" dirty="0">
+              <a:solidFill>
+                <a:schemeClr val="accent6">
+                  <a:lumMod val="75000"/>
+                </a:schemeClr>
+              </a:solidFill>
+            </a:endParaRPr>
+          </a:p>
+        </p:txBody>
+      </p:sp>
+      <p:sp>
+        <p:nvSpPr>
+          <p:cNvPr id="7" name="[Picture 3]"/>
+          <p:cNvSpPr txBox="1"/>
+          <p:nvPr/>
+        </p:nvSpPr>
+        <p:spPr>
+          <a:xfrm>
+            <a:off x="685800" y="4038600"/>
+            <a:ext cx="4800600" cy="2462213"/>
+          </a:xfrm>
+          <a:prstGeom prst="rect">
+            <a:avLst/>
+          </a:prstGeom>
+          <a:noFill/>
+        </p:spPr>
+        <p:txBody>
+          <a:bodyPr wrap="square" rtlCol="0">
+            <a:spAutoFit/>
+          </a:bodyPr>
+          <a:lstStyle/>
+          <a:p>
+            <a:r>
+              <a:rPr lang="en-US" sz="2800" b="1" dirty="0" smtClean="0">
+                <a:solidFill>
+                  <a:schemeClr val="accent6">
+                    <a:lumMod val="75000"/>
+                  </a:schemeClr>
+                </a:solidFill>
+              </a:rPr>
+              <a:t>4.</a:t>
+            </a:r>
+            <a:r>
+              <a:rPr lang="en-US" dirty="0" smtClean="0">
+                <a:solidFill>
+                  <a:schemeClr val="accent6">
+                    <a:lumMod val="75000"/>
+                  </a:schemeClr>
+                </a:solidFill>
+              </a:rPr>
+              <a:t> </a:t>
+            </a:r>
+            <a:r>
+              <a:rPr lang="en-US" dirty="0" smtClean="0">
+                <a:solidFill>
+                  <a:schemeClr val="accent6">
+                    <a:lumMod val="75000"/>
+                  </a:schemeClr>
+                </a:solidFill>
+              </a:rPr>
+              <a:t>Click </a:t>
+            </a:r>
+            <a:r>
+              <a:rPr lang="en-US" dirty="0" smtClean="0">
+                <a:solidFill>
+                  <a:schemeClr val="accent6">
+                    <a:lumMod val="75000"/>
+                  </a:schemeClr>
+                </a:solidFill>
+              </a:rPr>
+              <a:t>on the script you want to record and </a:t>
+            </a:r>
+          </a:p>
+          <a:p>
+            <a:endParaRPr lang="en-US" dirty="0">
+              <a:solidFill>
+                <a:schemeClr val="accent6">
+                  <a:lumMod val="75000"/>
+                </a:schemeClr>
+              </a:solidFill>
+            </a:endParaRPr>
+          </a:p>
+          <a:p>
+            <a:r>
+              <a:rPr lang="en-US" dirty="0" smtClean="0">
+                <a:solidFill>
+                  <a:schemeClr val="accent6">
+                    <a:lumMod val="75000"/>
+                  </a:schemeClr>
+                </a:solidFill>
+              </a:rPr>
+              <a:t>click           button to start recording. When you </a:t>
+            </a:r>
+          </a:p>
+          <a:p>
+            <a:endParaRPr lang="en-US" dirty="0">
+              <a:solidFill>
+                <a:schemeClr val="accent6">
+                  <a:lumMod val="75000"/>
+                </a:schemeClr>
+              </a:solidFill>
+            </a:endParaRPr>
+          </a:p>
+          <a:p>
+            <a:r>
+              <a:rPr lang="en-US" dirty="0" smtClean="0">
+                <a:solidFill>
+                  <a:schemeClr val="accent6">
+                    <a:lumMod val="75000"/>
+                  </a:schemeClr>
+                </a:solidFill>
+              </a:rPr>
+              <a:t>click          button, the record will be auto-</a:t>
+            </a:r>
+          </a:p>
+          <a:p>
+            <a:endParaRPr lang="en-US" dirty="0">
+              <a:solidFill>
+                <a:schemeClr val="accent6">
+                  <a:lumMod val="75000"/>
+                </a:schemeClr>
+              </a:solidFill>
+            </a:endParaRPr>
+          </a:p>
+          <a:p>
+            <a:r>
+              <a:rPr lang="en-US" dirty="0" smtClean="0">
+                <a:solidFill>
+                  <a:schemeClr val="accent6">
+                    <a:lumMod val="75000"/>
+                  </a:schemeClr>
+                </a:solidFill>
+              </a:rPr>
+              <a:t>embedded on the slide, and you can check it in the panel.</a:t>
+            </a:r>
+            <a:endParaRPr lang="en-SG" dirty="0">
+              <a:solidFill>
+                <a:schemeClr val="accent6">
+                  <a:lumMod val="75000"/>
+                </a:schemeClr>
+              </a:solidFill>
+            </a:endParaRPr>
+          </a:p>
+        </p:txBody>
+      </p:sp>
+      <p:pic>
+        <p:nvPicPr>
+          <p:cNvPr id="9" name="Picture 8"/>
+          <p:cNvPicPr>
+            <a:picLocks noChangeAspect="1"/>
+          </p:cNvPicPr>
+          <p:nvPr/>
+        </p:nvPicPr>
+        <p:blipFill rotWithShape="1">
+          <a:blip r:embed="rId3"/>
+          <a:srcRect l="11111" t="7310"/>
+          <a:stretch/>
+        </p:blipFill>
+        <p:spPr>
+          <a:xfrm>
+            <a:off x="1143000" y="1447800"/>
+            <a:ext cx="609600" cy="966216"/>
+          </a:xfrm>
+          <a:prstGeom prst="rect">
+            <a:avLst/>
+          </a:prstGeom>
+        </p:spPr>
+      </p:pic>
+      <p:pic>
+        <p:nvPicPr>
+          <p:cNvPr id="14" name="Picture 13"/>
+          <p:cNvPicPr>
+            <a:picLocks noChangeAspect="1"/>
+          </p:cNvPicPr>
+          <p:nvPr/>
+        </p:nvPicPr>
+        <p:blipFill rotWithShape="1">
+          <a:blip r:embed="rId4"/>
+          <a:srcRect b="1229"/>
+          <a:stretch/>
+        </p:blipFill>
+        <p:spPr>
+          <a:xfrm>
+            <a:off x="5730854" y="252984"/>
+            <a:ext cx="3184546" cy="6376416"/>
+          </a:xfrm>
+          <a:prstGeom prst="rect">
+            <a:avLst/>
+          </a:prstGeom>
+        </p:spPr>
+      </p:pic>
+      <p:pic>
+        <p:nvPicPr>
+          <p:cNvPr id="16" name="Picture 15"/>
+          <p:cNvPicPr>
+            <a:picLocks noChangeAspect="1"/>
+          </p:cNvPicPr>
+          <p:nvPr/>
+        </p:nvPicPr>
+        <p:blipFill>
+          <a:blip r:embed="rId5">
+            <a:extLst>
+              <a:ext uri="{28A0092B-C50C-407E-A947-70E740481C1C}">
+                <a14:useLocalDpi xmlns:a14="http://schemas.microsoft.com/office/drawing/2010/main" val="0"/>
+              </a:ext>
+            </a:extLst>
+          </a:blip>
+          <a:stretch>
+            <a:fillRect/>
+          </a:stretch>
+        </p:blipFill>
+        <p:spPr>
+          <a:xfrm>
+            <a:off x="1244625" y="4724400"/>
+            <a:ext cx="406349" cy="406349"/>
+          </a:xfrm>
+          <a:prstGeom prst="rect">
+            <a:avLst/>
+          </a:prstGeom>
+        </p:spPr>
+      </p:pic>
+      <p:pic>
+        <p:nvPicPr>
+          <p:cNvPr id="17" name="Picture 16"/>
+          <p:cNvPicPr>
+            <a:picLocks noChangeAspect="1"/>
+          </p:cNvPicPr>
+          <p:nvPr/>
+        </p:nvPicPr>
+        <p:blipFill>
+          <a:blip r:embed="rId6">
+            <a:extLst>
+              <a:ext uri="{28A0092B-C50C-407E-A947-70E740481C1C}">
+                <a14:useLocalDpi xmlns:a14="http://schemas.microsoft.com/office/drawing/2010/main" val="0"/>
+              </a:ext>
+            </a:extLst>
+          </a:blip>
+          <a:stretch>
+            <a:fillRect/>
+          </a:stretch>
+        </p:blipFill>
+        <p:spPr>
+          <a:xfrm>
+            <a:off x="1244624" y="5289106"/>
+            <a:ext cx="406349" cy="406349"/>
+          </a:xfrm>
+          <a:prstGeom prst="rect">
+            <a:avLst/>
+          </a:prstGeom>
+        </p:spPr>
+      </p:pic>
+      <p:pic>
+        <p:nvPicPr>
+          <p:cNvPr id="20" name="Picture 19"/>
+          <p:cNvPicPr>
+            <a:picLocks noChangeAspect="1"/>
+          </p:cNvPicPr>
+          <p:nvPr/>
+        </p:nvPicPr>
+        <p:blipFill>
+          <a:blip r:embed="rId7"/>
+          <a:stretch>
+            <a:fillRect/>
+          </a:stretch>
+        </p:blipFill>
+        <p:spPr>
+          <a:xfrm>
+            <a:off x="5730854" y="252984"/>
+            <a:ext cx="3184546" cy="6445173"/>
+          </a:xfrm>
+          <a:prstGeom prst="rect">
+            <a:avLst/>
+          </a:prstGeom>
+        </p:spPr>
+      </p:pic>
+    </p:spTree>
+    <p:extLst>
+      <p:ext uri="{BB962C8B-B14F-4D97-AF65-F5344CB8AC3E}">
+        <p14:creationId xmlns:p14="http://schemas.microsoft.com/office/powerpoint/2010/main" val="1999255668"/>
+      </p:ext>
+    </p:extLst>
+  </p:cSld>
+  <p:clrMapOvr>
+    <a:masterClrMapping/>
+  </p:clrMapOvr>
+  <p:timing>
+    <p:tnLst>
+      <p:par>
+        <p:cTn id="1" dur="indefinite" restart="never" nodeType="tmRoot">
+          <p:childTnLst>
+            <p:seq concurrent="1" nextAc="seek">
+              <p:cTn id="2" dur="indefinite" nodeType="mainSeq">
+                <p:childTnLst>
+                  <p:par>
+                    <p:cTn id="3" fill="hold">
+                      <p:stCondLst>
+                        <p:cond delay="indefinite"/>
+                      </p:stCondLst>
+                      <p:childTnLst>
+                        <p:par>
+                          <p:cTn id="4" fill="hold">
+                            <p:stCondLst>
+                              <p:cond delay="0"/>
+                            </p:stCondLst>
+                            <p:childTnLst>
+                              <p:par>
+                                <p:cTn id="5" presetID="10" presetClass="entr" presetSubtype="0" fill="hold" nodeType="clickEffect">
+                                  <p:stCondLst>
+                                    <p:cond delay="0"/>
+                                  </p:stCondLst>
+                                  <p:childTnLst>
+                                    <p:set>
+                                      <p:cBhvr>
+                                        <p:cTn id="6" dur="1" fill="hold">
+                                          <p:stCondLst>
+                                            <p:cond delay="0"/>
+                                          </p:stCondLst>
+                                        </p:cTn>
+                                        <p:tgtEl>
+                                          <p:spTgt spid="9"/>
+                                        </p:tgtEl>
+                                        <p:attrNameLst>
+                                          <p:attrName>style.visibility</p:attrName>
+                                        </p:attrNameLst>
+                                      </p:cBhvr>
+                                      <p:to>
+                                        <p:strVal val="visible"/>
+                                      </p:to>
+                                    </p:set>
+                                    <p:animEffect transition="in" filter="fade">
+                                      <p:cBhvr>
+                                        <p:cTn id="7" dur="500"/>
+                                        <p:tgtEl>
+                                          <p:spTgt spid="9"/>
+                                        </p:tgtEl>
+                                      </p:cBhvr>
+                                    </p:animEffect>
+                                  </p:childTnLst>
+                                </p:cTn>
+                              </p:par>
+                              <p:par>
+                                <p:cTn id="8" presetID="10" presetClass="entr" presetSubtype="0" fill="hold" grpId="0" nodeType="withEffect">
+                                  <p:stCondLst>
+                                    <p:cond delay="0"/>
+                                  </p:stCondLst>
+                                  <p:childTnLst>
+                                    <p:set>
+                                      <p:cBhvr>
+                                        <p:cTn id="9" dur="1" fill="hold">
+                                          <p:stCondLst>
+                                            <p:cond delay="0"/>
+                                          </p:stCondLst>
+                                        </p:cTn>
+                                        <p:tgtEl>
+                                          <p:spTgt spid="4"/>
+                                        </p:tgtEl>
+                                        <p:attrNameLst>
+                                          <p:attrName>style.visibility</p:attrName>
+                                        </p:attrNameLst>
+                                      </p:cBhvr>
+                                      <p:to>
+                                        <p:strVal val="visible"/>
+                                      </p:to>
+                                    </p:set>
+                                    <p:animEffect transition="in" filter="fade">
+                                      <p:cBhvr>
+                                        <p:cTn id="10" dur="500"/>
+                                        <p:tgtEl>
+                                          <p:spTgt spid="4"/>
+                                        </p:tgtEl>
+                                      </p:cBhvr>
+                                    </p:animEffect>
+                                  </p:childTnLst>
+                                </p:cTn>
+                              </p:par>
+                              <p:par>
+                                <p:cTn id="11" presetID="10" presetClass="entr" presetSubtype="0" fill="hold" nodeType="withEffect">
+                                  <p:stCondLst>
+                                    <p:cond delay="0"/>
+                                  </p:stCondLst>
+                                  <p:childTnLst>
+                                    <p:set>
+                                      <p:cBhvr>
+                                        <p:cTn id="12" dur="1" fill="hold">
+                                          <p:stCondLst>
+                                            <p:cond delay="0"/>
+                                          </p:stCondLst>
+                                        </p:cTn>
+                                        <p:tgtEl>
+                                          <p:spTgt spid="14"/>
+                                        </p:tgtEl>
+                                        <p:attrNameLst>
+                                          <p:attrName>style.visibility</p:attrName>
+                                        </p:attrNameLst>
+                                      </p:cBhvr>
+                                      <p:to>
+                                        <p:strVal val="visible"/>
+                                      </p:to>
+                                    </p:set>
+                                    <p:animEffect transition="in" filter="fade">
+                                      <p:cBhvr>
+                                        <p:cTn id="13" dur="500"/>
+                                        <p:tgtEl>
+                                          <p:spTgt spid="14"/>
+                                        </p:tgtEl>
+                                      </p:cBhvr>
+                                    </p:animEffect>
+                                  </p:childTnLst>
+                                </p:cTn>
+                              </p:par>
+                            </p:childTnLst>
+                          </p:cTn>
+                        </p:par>
+                      </p:childTnLst>
+                    </p:cTn>
+                  </p:par>
+                  <p:par>
+                    <p:cTn id="14" fill="hold">
+                      <p:stCondLst>
+                        <p:cond delay="indefinite"/>
+                      </p:stCondLst>
+                      <p:childTnLst>
+                        <p:par>
+                          <p:cTn id="15" fill="hold">
+                            <p:stCondLst>
+                              <p:cond delay="0"/>
+                            </p:stCondLst>
+                            <p:childTnLst>
+                              <p:par>
+                                <p:cTn id="16" presetID="10" presetClass="entr" presetSubtype="0" fill="hold" grpId="0" nodeType="clickEffect">
+                                  <p:stCondLst>
+                                    <p:cond delay="0"/>
+                                  </p:stCondLst>
+                                  <p:childTnLst>
+                                    <p:set>
+                                      <p:cBhvr>
+                                        <p:cTn id="17" dur="1" fill="hold">
+                                          <p:stCondLst>
+                                            <p:cond delay="0"/>
+                                          </p:stCondLst>
+                                        </p:cTn>
+                                        <p:tgtEl>
+                                          <p:spTgt spid="7"/>
+                                        </p:tgtEl>
+                                        <p:attrNameLst>
+                                          <p:attrName>style.visibility</p:attrName>
+                                        </p:attrNameLst>
+                                      </p:cBhvr>
+                                      <p:to>
+                                        <p:strVal val="visible"/>
+                                      </p:to>
+                                    </p:set>
+                                    <p:animEffect transition="in" filter="fade">
+                                      <p:cBhvr>
+                                        <p:cTn id="18" dur="500"/>
+                                        <p:tgtEl>
+                                          <p:spTgt spid="7"/>
+                                        </p:tgtEl>
+                                      </p:cBhvr>
+                                    </p:animEffect>
+                                  </p:childTnLst>
+                                </p:cTn>
+                              </p:par>
+                              <p:par>
+                                <p:cTn id="19" presetID="10" presetClass="entr" presetSubtype="0" fill="hold" nodeType="withEffect">
+                                  <p:stCondLst>
+                                    <p:cond delay="0"/>
+                                  </p:stCondLst>
+                                  <p:childTnLst>
+                                    <p:set>
+                                      <p:cBhvr>
+                                        <p:cTn id="20" dur="1" fill="hold">
+                                          <p:stCondLst>
+                                            <p:cond delay="0"/>
+                                          </p:stCondLst>
+                                        </p:cTn>
+                                        <p:tgtEl>
+                                          <p:spTgt spid="16"/>
+                                        </p:tgtEl>
+                                        <p:attrNameLst>
+                                          <p:attrName>style.visibility</p:attrName>
+                                        </p:attrNameLst>
+                                      </p:cBhvr>
+                                      <p:to>
+                                        <p:strVal val="visible"/>
+                                      </p:to>
+                                    </p:set>
+                                    <p:animEffect transition="in" filter="fade">
+                                      <p:cBhvr>
+                                        <p:cTn id="21" dur="500"/>
+                                        <p:tgtEl>
+                                          <p:spTgt spid="16"/>
+                                        </p:tgtEl>
+                                      </p:cBhvr>
+                                    </p:animEffect>
+                                  </p:childTnLst>
+                                </p:cTn>
+                              </p:par>
+                              <p:par>
+                                <p:cTn id="22" presetID="10" presetClass="entr" presetSubtype="0" fill="hold" nodeType="withEffect">
+                                  <p:stCondLst>
+                                    <p:cond delay="0"/>
+                                  </p:stCondLst>
+                                  <p:childTnLst>
+                                    <p:set>
+                                      <p:cBhvr>
+                                        <p:cTn id="23" dur="1" fill="hold">
+                                          <p:stCondLst>
+                                            <p:cond delay="0"/>
+                                          </p:stCondLst>
+                                        </p:cTn>
+                                        <p:tgtEl>
+                                          <p:spTgt spid="17"/>
+                                        </p:tgtEl>
+                                        <p:attrNameLst>
+                                          <p:attrName>style.visibility</p:attrName>
+                                        </p:attrNameLst>
+                                      </p:cBhvr>
+                                      <p:to>
+                                        <p:strVal val="visible"/>
+                                      </p:to>
+                                    </p:set>
+                                    <p:animEffect transition="in" filter="fade">
+                                      <p:cBhvr>
+                                        <p:cTn id="24" dur="500"/>
+                                        <p:tgtEl>
+                                          <p:spTgt spid="17"/>
+                                        </p:tgtEl>
+                                      </p:cBhvr>
+                                    </p:animEffect>
+                                  </p:childTnLst>
+                                </p:cTn>
+                              </p:par>
+                              <p:par>
+                                <p:cTn id="25" presetID="10" presetClass="entr" presetSubtype="0" fill="hold" nodeType="withEffect">
+                                  <p:stCondLst>
+                                    <p:cond delay="0"/>
+                                  </p:stCondLst>
+                                  <p:childTnLst>
+                                    <p:set>
+                                      <p:cBhvr>
+                                        <p:cTn id="26" dur="1" fill="hold">
+                                          <p:stCondLst>
+                                            <p:cond delay="0"/>
+                                          </p:stCondLst>
+                                        </p:cTn>
+                                        <p:tgtEl>
+                                          <p:spTgt spid="20"/>
+                                        </p:tgtEl>
+                                        <p:attrNameLst>
+                                          <p:attrName>style.visibility</p:attrName>
+                                        </p:attrNameLst>
+                                      </p:cBhvr>
+                                      <p:to>
+                                        <p:strVal val="visible"/>
+                                      </p:to>
+                                    </p:set>
+                                    <p:animEffect transition="in" filter="fade">
+                                      <p:cBhvr>
+                                        <p:cTn id="27" dur="500"/>
+                                        <p:tgtEl>
+                                          <p:spTgt spid="20"/>
+                                        </p:tgtEl>
+                                      </p:cBhvr>
+                                    </p:animEffect>
+                                  </p:childTnLst>
+                                </p:cTn>
+                              </p:par>
+                            </p:childTnLst>
+                          </p:cTn>
+                        </p:par>
+                      </p:childTnLst>
+                    </p:cTn>
+                  </p:par>
+                </p:childTnLst>
+              </p:cTn>
+              <p:prevCondLst>
+                <p:cond evt="onPrev" delay="0">
+                  <p:tgtEl>
+                    <p:sldTgt/>
+                  </p:tgtEl>
+                </p:cond>
+              </p:prevCondLst>
+              <p:nextCondLst>
+                <p:cond evt="onNext" delay="0">
+                  <p:tgtEl>
+                    <p:sldTgt/>
+                  </p:tgtEl>
+                </p:cond>
+              </p:nextCondLst>
+            </p:seq>
+          </p:childTnLst>
+        </p:cTn>
+      </p:par>
+    </p:tnLst>
+    <p:bldLst>
+      <p:bldP spid="4" grpId="0"/>
+      <p:bldP spid="7" grpId="0"/>
+    </p:bldLst>
+  </p:timing>
+</p:sld>
+</file>
+
+<file path=ppt/slides/slide27.xml><?xml version="1.0" encoding="utf-8"?>
+<p:sld xmlns:a="http://schemas.openxmlformats.org/drawingml/2006/main" xmlns:r="http://schemas.openxmlformats.org/officeDocument/2006/relationships" xmlns:p="http://schemas.openxmlformats.org/presentationml/2006/main">
+  <p:cSld>
+    <p:spTree>
+      <p:nvGrpSpPr>
+        <p:cNvPr id="1" name=""/>
+        <p:cNvGrpSpPr/>
+        <p:nvPr/>
+      </p:nvGrpSpPr>
+      <p:grpSpPr>
+        <a:xfrm>
+          <a:off x="0" y="0"/>
+          <a:ext cx="0" cy="0"/>
+          <a:chOff x="0" y="0"/>
+          <a:chExt cx="0" cy="0"/>
+        </a:xfrm>
+      </p:grpSpPr>
+      <p:sp>
+        <p:nvSpPr>
           <p:cNvPr id="16" name="TextBox 15"/>
           <p:cNvSpPr txBox="1"/>
           <p:nvPr/>
@@ -15035,7 +15902,7 @@
 </p:sld>
 </file>
 
-<file path=ppt/slides/slide27.xml><?xml version="1.0" encoding="utf-8"?>
+<file path=ppt/slides/slide28.xml><?xml version="1.0" encoding="utf-8"?>
 <p:sld xmlns:a="http://schemas.openxmlformats.org/drawingml/2006/main" xmlns:r="http://schemas.openxmlformats.org/officeDocument/2006/relationships" xmlns:p="http://schemas.openxmlformats.org/presentationml/2006/main" show="0">
   <p:cSld name="PPAck201401021130490549">
     <p:spTree>

--- a/PowerPointLabs/PowerPointLabs/PowerPointLabs Quick Tutorial.pptx
+++ b/PowerPointLabs/PowerPointLabs/PowerPointLabs Quick Tutorial.pptx
@@ -5,7 +5,7 @@
     <p:sldMasterId id="2147483648" r:id="rId1"/>
   </p:sldMasterIdLst>
   <p:notesMasterIdLst>
-    <p:notesMasterId r:id="rId30"/>
+    <p:notesMasterId r:id="rId33"/>
   </p:notesMasterIdLst>
   <p:sldIdLst>
     <p:sldId id="296" r:id="rId2"/>
@@ -34,8 +34,11 @@
     <p:sldId id="310" r:id="rId25"/>
     <p:sldId id="326" r:id="rId26"/>
     <p:sldId id="331" r:id="rId27"/>
-    <p:sldId id="305" r:id="rId28"/>
-    <p:sldId id="299" r:id="rId29"/>
+    <p:sldId id="332" r:id="rId28"/>
+    <p:sldId id="333" r:id="rId29"/>
+    <p:sldId id="334" r:id="rId30"/>
+    <p:sldId id="305" r:id="rId31"/>
+    <p:sldId id="299" r:id="rId32"/>
   </p:sldIdLst>
   <p:sldSz cx="9144000" cy="6858000" type="screen4x3"/>
   <p:notesSz cx="6858000" cy="9144000"/>
@@ -189,6 +192,13 @@
             <p14:sldId id="310"/>
             <p14:sldId id="326"/>
             <p14:sldId id="331"/>
+          </p14:sldIdLst>
+        </p14:section>
+        <p14:section name="Shapes Lab" id="{5FA21AB1-D2E0-43AB-9D6E-D4B133EACC31}">
+          <p14:sldIdLst>
+            <p14:sldId id="332"/>
+            <p14:sldId id="333"/>
+            <p14:sldId id="334"/>
           </p14:sldIdLst>
         </p14:section>
         <p14:section name="Wrap up" id="{5BBA1A93-B239-4917-BAC7-9CBE7A60C0BF}">
@@ -424,7 +434,7 @@
           <a:p>
             <a:fld id="{3E86CC0F-BBF3-4E07-94E0-0549B7D560A9}" type="datetimeFigureOut">
               <a:rPr lang="en-SG" smtClean="0"/>
-              <a:t>16/6/2014</a:t>
+              <a:t>17/7/2014</a:t>
             </a:fld>
             <a:endParaRPr lang="en-SG"/>
           </a:p>
@@ -1213,6 +1223,174 @@
 </p:notes>
 </file>
 
+<file path=ppt/notesSlides/notesSlide6.xml><?xml version="1.0" encoding="utf-8"?>
+<p:notes xmlns:a="http://schemas.openxmlformats.org/drawingml/2006/main" xmlns:r="http://schemas.openxmlformats.org/officeDocument/2006/relationships" xmlns:p="http://schemas.openxmlformats.org/presentationml/2006/main">
+  <p:cSld>
+    <p:spTree>
+      <p:nvGrpSpPr>
+        <p:cNvPr id="1" name=""/>
+        <p:cNvGrpSpPr/>
+        <p:nvPr/>
+      </p:nvGrpSpPr>
+      <p:grpSpPr>
+        <a:xfrm>
+          <a:off x="0" y="0"/>
+          <a:ext cx="0" cy="0"/>
+          <a:chOff x="0" y="0"/>
+          <a:chExt cx="0" cy="0"/>
+        </a:xfrm>
+      </p:grpSpPr>
+      <p:sp>
+        <p:nvSpPr>
+          <p:cNvPr id="2" name="Slide Image Placeholder 1"/>
+          <p:cNvSpPr>
+            <a:spLocks noGrp="1" noRot="1" noChangeAspect="1"/>
+          </p:cNvSpPr>
+          <p:nvPr>
+            <p:ph type="sldImg"/>
+          </p:nvPr>
+        </p:nvSpPr>
+        <p:spPr/>
+      </p:sp>
+      <p:sp>
+        <p:nvSpPr>
+          <p:cNvPr id="3" name="Notes Placeholder 2"/>
+          <p:cNvSpPr>
+            <a:spLocks noGrp="1"/>
+          </p:cNvSpPr>
+          <p:nvPr>
+            <p:ph type="body" idx="1"/>
+          </p:nvPr>
+        </p:nvSpPr>
+        <p:spPr/>
+        <p:txBody>
+          <a:bodyPr/>
+          <a:lstStyle/>
+          <a:p>
+            <a:endParaRPr lang="en-SG" dirty="0"/>
+          </a:p>
+        </p:txBody>
+      </p:sp>
+      <p:sp>
+        <p:nvSpPr>
+          <p:cNvPr id="4" name="Slide Number Placeholder 3"/>
+          <p:cNvSpPr>
+            <a:spLocks noGrp="1"/>
+          </p:cNvSpPr>
+          <p:nvPr>
+            <p:ph type="sldNum" sz="quarter" idx="10"/>
+          </p:nvPr>
+        </p:nvSpPr>
+        <p:spPr/>
+        <p:txBody>
+          <a:bodyPr/>
+          <a:lstStyle/>
+          <a:p>
+            <a:fld id="{0015B511-83B7-463E-ACD1-0C1C081EBBC4}" type="slidenum">
+              <a:rPr lang="en-SG" smtClean="0"/>
+              <a:t>28</a:t>
+            </a:fld>
+            <a:endParaRPr lang="en-SG"/>
+          </a:p>
+        </p:txBody>
+      </p:sp>
+    </p:spTree>
+    <p:extLst>
+      <p:ext uri="{BB962C8B-B14F-4D97-AF65-F5344CB8AC3E}">
+        <p14:creationId xmlns:p14="http://schemas.microsoft.com/office/powerpoint/2010/main" val="2803535550"/>
+      </p:ext>
+    </p:extLst>
+  </p:cSld>
+  <p:clrMapOvr>
+    <a:masterClrMapping/>
+  </p:clrMapOvr>
+</p:notes>
+</file>
+
+<file path=ppt/notesSlides/notesSlide7.xml><?xml version="1.0" encoding="utf-8"?>
+<p:notes xmlns:a="http://schemas.openxmlformats.org/drawingml/2006/main" xmlns:r="http://schemas.openxmlformats.org/officeDocument/2006/relationships" xmlns:p="http://schemas.openxmlformats.org/presentationml/2006/main">
+  <p:cSld>
+    <p:spTree>
+      <p:nvGrpSpPr>
+        <p:cNvPr id="1" name=""/>
+        <p:cNvGrpSpPr/>
+        <p:nvPr/>
+      </p:nvGrpSpPr>
+      <p:grpSpPr>
+        <a:xfrm>
+          <a:off x="0" y="0"/>
+          <a:ext cx="0" cy="0"/>
+          <a:chOff x="0" y="0"/>
+          <a:chExt cx="0" cy="0"/>
+        </a:xfrm>
+      </p:grpSpPr>
+      <p:sp>
+        <p:nvSpPr>
+          <p:cNvPr id="2" name="Slide Image Placeholder 1"/>
+          <p:cNvSpPr>
+            <a:spLocks noGrp="1" noRot="1" noChangeAspect="1"/>
+          </p:cNvSpPr>
+          <p:nvPr>
+            <p:ph type="sldImg"/>
+          </p:nvPr>
+        </p:nvSpPr>
+        <p:spPr/>
+      </p:sp>
+      <p:sp>
+        <p:nvSpPr>
+          <p:cNvPr id="3" name="Notes Placeholder 2"/>
+          <p:cNvSpPr>
+            <a:spLocks noGrp="1"/>
+          </p:cNvSpPr>
+          <p:nvPr>
+            <p:ph type="body" idx="1"/>
+          </p:nvPr>
+        </p:nvSpPr>
+        <p:spPr/>
+        <p:txBody>
+          <a:bodyPr/>
+          <a:lstStyle/>
+          <a:p>
+            <a:endParaRPr lang="en-SG" dirty="0"/>
+          </a:p>
+        </p:txBody>
+      </p:sp>
+      <p:sp>
+        <p:nvSpPr>
+          <p:cNvPr id="4" name="Slide Number Placeholder 3"/>
+          <p:cNvSpPr>
+            <a:spLocks noGrp="1"/>
+          </p:cNvSpPr>
+          <p:nvPr>
+            <p:ph type="sldNum" sz="quarter" idx="10"/>
+          </p:nvPr>
+        </p:nvSpPr>
+        <p:spPr/>
+        <p:txBody>
+          <a:bodyPr/>
+          <a:lstStyle/>
+          <a:p>
+            <a:fld id="{0015B511-83B7-463E-ACD1-0C1C081EBBC4}" type="slidenum">
+              <a:rPr lang="en-SG" smtClean="0"/>
+              <a:t>29</a:t>
+            </a:fld>
+            <a:endParaRPr lang="en-SG"/>
+          </a:p>
+        </p:txBody>
+      </p:sp>
+    </p:spTree>
+    <p:extLst>
+      <p:ext uri="{BB962C8B-B14F-4D97-AF65-F5344CB8AC3E}">
+        <p14:creationId xmlns:p14="http://schemas.microsoft.com/office/powerpoint/2010/main" val="1473495396"/>
+      </p:ext>
+    </p:extLst>
+  </p:cSld>
+  <p:clrMapOvr>
+    <a:masterClrMapping/>
+  </p:clrMapOvr>
+</p:notes>
+</file>
+
 <file path=ppt/slideLayouts/slideLayout1.xml><?xml version="1.0" encoding="utf-8"?>
 <p:sldLayout xmlns:a="http://schemas.openxmlformats.org/drawingml/2006/main" xmlns:r="http://schemas.openxmlformats.org/officeDocument/2006/relationships" xmlns:p="http://schemas.openxmlformats.org/presentationml/2006/main" type="title" preserve="1">
   <p:cSld name="Title Slide">
@@ -1395,7 +1573,7 @@
             <a:fld id="{1D8BD707-D9CF-40AE-B4C6-C98DA3205C09}" type="datetimeFigureOut">
               <a:rPr lang="en-US" smtClean="0"/>
               <a:pPr/>
-              <a:t>6/16/2014</a:t>
+              <a:t>7/17/2014</a:t>
             </a:fld>
             <a:endParaRPr lang="en-US"/>
           </a:p>
@@ -1562,7 +1740,7 @@
             <a:fld id="{1D8BD707-D9CF-40AE-B4C6-C98DA3205C09}" type="datetimeFigureOut">
               <a:rPr lang="en-US" smtClean="0"/>
               <a:pPr/>
-              <a:t>6/16/2014</a:t>
+              <a:t>7/17/2014</a:t>
             </a:fld>
             <a:endParaRPr lang="en-US"/>
           </a:p>
@@ -1739,7 +1917,7 @@
             <a:fld id="{1D8BD707-D9CF-40AE-B4C6-C98DA3205C09}" type="datetimeFigureOut">
               <a:rPr lang="en-US" smtClean="0"/>
               <a:pPr/>
-              <a:t>6/16/2014</a:t>
+              <a:t>7/17/2014</a:t>
             </a:fld>
             <a:endParaRPr lang="en-US"/>
           </a:p>
@@ -1906,7 +2084,7 @@
             <a:fld id="{1D8BD707-D9CF-40AE-B4C6-C98DA3205C09}" type="datetimeFigureOut">
               <a:rPr lang="en-US" smtClean="0"/>
               <a:pPr/>
-              <a:t>6/16/2014</a:t>
+              <a:t>7/17/2014</a:t>
             </a:fld>
             <a:endParaRPr lang="en-US"/>
           </a:p>
@@ -2149,7 +2327,7 @@
             <a:fld id="{1D8BD707-D9CF-40AE-B4C6-C98DA3205C09}" type="datetimeFigureOut">
               <a:rPr lang="en-US" smtClean="0"/>
               <a:pPr/>
-              <a:t>6/16/2014</a:t>
+              <a:t>7/17/2014</a:t>
             </a:fld>
             <a:endParaRPr lang="en-US"/>
           </a:p>
@@ -2434,7 +2612,7 @@
             <a:fld id="{1D8BD707-D9CF-40AE-B4C6-C98DA3205C09}" type="datetimeFigureOut">
               <a:rPr lang="en-US" smtClean="0"/>
               <a:pPr/>
-              <a:t>6/16/2014</a:t>
+              <a:t>7/17/2014</a:t>
             </a:fld>
             <a:endParaRPr lang="en-US"/>
           </a:p>
@@ -2853,7 +3031,7 @@
             <a:fld id="{1D8BD707-D9CF-40AE-B4C6-C98DA3205C09}" type="datetimeFigureOut">
               <a:rPr lang="en-US" smtClean="0"/>
               <a:pPr/>
-              <a:t>6/16/2014</a:t>
+              <a:t>7/17/2014</a:t>
             </a:fld>
             <a:endParaRPr lang="en-US"/>
           </a:p>
@@ -2968,7 +3146,7 @@
             <a:fld id="{1D8BD707-D9CF-40AE-B4C6-C98DA3205C09}" type="datetimeFigureOut">
               <a:rPr lang="en-US" smtClean="0"/>
               <a:pPr/>
-              <a:t>6/16/2014</a:t>
+              <a:t>7/17/2014</a:t>
             </a:fld>
             <a:endParaRPr lang="en-US"/>
           </a:p>
@@ -3060,7 +3238,7 @@
             <a:fld id="{1D8BD707-D9CF-40AE-B4C6-C98DA3205C09}" type="datetimeFigureOut">
               <a:rPr lang="en-US" smtClean="0"/>
               <a:pPr/>
-              <a:t>6/16/2014</a:t>
+              <a:t>7/17/2014</a:t>
             </a:fld>
             <a:endParaRPr lang="en-US"/>
           </a:p>
@@ -3334,7 +3512,7 @@
             <a:fld id="{1D8BD707-D9CF-40AE-B4C6-C98DA3205C09}" type="datetimeFigureOut">
               <a:rPr lang="en-US" smtClean="0"/>
               <a:pPr/>
-              <a:t>6/16/2014</a:t>
+              <a:t>7/17/2014</a:t>
             </a:fld>
             <a:endParaRPr lang="en-US"/>
           </a:p>
@@ -3584,7 +3762,7 @@
             <a:fld id="{1D8BD707-D9CF-40AE-B4C6-C98DA3205C09}" type="datetimeFigureOut">
               <a:rPr lang="en-US" smtClean="0"/>
               <a:pPr/>
-              <a:t>6/16/2014</a:t>
+              <a:t>7/17/2014</a:t>
             </a:fld>
             <a:endParaRPr lang="en-US"/>
           </a:p>
@@ -3794,7 +3972,7 @@
             <a:fld id="{1D8BD707-D9CF-40AE-B4C6-C98DA3205C09}" type="datetimeFigureOut">
               <a:rPr lang="en-US" smtClean="0"/>
               <a:pPr/>
-              <a:t>6/16/2014</a:t>
+              <a:t>7/17/2014</a:t>
             </a:fld>
             <a:endParaRPr lang="en-US"/>
           </a:p>
@@ -14926,8 +15104,10 @@
                   </a:schemeClr>
                 </a:solidFill>
               </a:rPr>
-              <a:t>of                 </a:t>
-            </a:r>
+              <a:t>of                 button. </a:t>
+            </a:r>
+          </a:p>
+          <a:p>
             <a:r>
               <a:rPr lang="en-US" dirty="0" smtClean="0">
                 <a:solidFill>
@@ -14936,18 +15116,9 @@
                   </a:schemeClr>
                 </a:solidFill>
               </a:rPr>
-              <a:t>button. </a:t>
-            </a:r>
-            <a:endParaRPr lang="en-US" dirty="0" smtClean="0">
-              <a:solidFill>
-                <a:schemeClr val="accent6">
-                  <a:lumMod val="75000"/>
-                </a:schemeClr>
-              </a:solidFill>
-            </a:endParaRPr>
-          </a:p>
-          <a:p>
-            <a:r>
+              <a:t/>
+            </a:r>
+            <a:br>
               <a:rPr lang="en-US" dirty="0" smtClean="0">
                 <a:solidFill>
                   <a:schemeClr val="accent6">
@@ -14955,6 +15126,15 @@
                   </a:schemeClr>
                 </a:solidFill>
               </a:rPr>
+            </a:br>
+            <a:r>
+              <a:rPr lang="en-US" dirty="0" smtClean="0">
+                <a:solidFill>
+                  <a:schemeClr val="accent6">
+                    <a:lumMod val="75000"/>
+                  </a:schemeClr>
+                </a:solidFill>
+              </a:rPr>
               <a:t/>
             </a:r>
             <a:br>
@@ -14974,36 +15154,7 @@
                   </a:schemeClr>
                 </a:solidFill>
               </a:rPr>
-              <a:t/>
-            </a:r>
-            <a:br>
-              <a:rPr lang="en-US" dirty="0" smtClean="0">
-                <a:solidFill>
-                  <a:schemeClr val="accent6">
-                    <a:lumMod val="75000"/>
-                  </a:schemeClr>
-                </a:solidFill>
-              </a:rPr>
-            </a:br>
-            <a:r>
-              <a:rPr lang="en-US" dirty="0" smtClean="0">
-                <a:solidFill>
-                  <a:schemeClr val="accent6">
-                    <a:lumMod val="75000"/>
-                  </a:schemeClr>
-                </a:solidFill>
-              </a:rPr>
-              <a:t>It </a:t>
-            </a:r>
-            <a:r>
-              <a:rPr lang="en-US" dirty="0" smtClean="0">
-                <a:solidFill>
-                  <a:schemeClr val="accent6">
-                    <a:lumMod val="75000"/>
-                  </a:schemeClr>
-                </a:solidFill>
-              </a:rPr>
-              <a:t>will show Recorder Script Panel at right side of your screen, showing the recording status of the scripts of current slide.</a:t>
+              <a:t>It will show Recorder Script Panel at right side of your screen, showing the recording status of the scripts of current slide.</a:t>
             </a:r>
             <a:endParaRPr lang="en-SG" dirty="0">
               <a:solidFill>
@@ -15055,27 +15206,7 @@
                   </a:schemeClr>
                 </a:solidFill>
               </a:rPr>
-              <a:t> </a:t>
-            </a:r>
-            <a:r>
-              <a:rPr lang="en-US" dirty="0" smtClean="0">
-                <a:solidFill>
-                  <a:schemeClr val="accent6">
-                    <a:lumMod val="75000"/>
-                  </a:schemeClr>
-                </a:solidFill>
-              </a:rPr>
-              <a:t>Click </a:t>
-            </a:r>
-            <a:r>
-              <a:rPr lang="en-US" dirty="0" smtClean="0">
-                <a:solidFill>
-                  <a:schemeClr val="accent6">
-                    <a:lumMod val="75000"/>
-                  </a:schemeClr>
-                </a:solidFill>
-              </a:rPr>
-              <a:t>on the script you want to record and </a:t>
+              <a:t> Click on the script you want to record and </a:t>
             </a:r>
           </a:p>
           <a:p>
@@ -15627,6 +15758,1060 @@
       </p:grpSpPr>
       <p:sp>
         <p:nvSpPr>
+          <p:cNvPr id="4" name="TextBox 3"/>
+          <p:cNvSpPr txBox="1"/>
+          <p:nvPr/>
+        </p:nvSpPr>
+        <p:spPr>
+          <a:xfrm>
+            <a:off x="3429000" y="3130034"/>
+            <a:ext cx="3657600" cy="369332"/>
+          </a:xfrm>
+          <a:prstGeom prst="rect">
+            <a:avLst/>
+          </a:prstGeom>
+          <a:noFill/>
+        </p:spPr>
+        <p:txBody>
+          <a:bodyPr wrap="square" rtlCol="0">
+            <a:spAutoFit/>
+          </a:bodyPr>
+          <a:lstStyle/>
+          <a:p>
+            <a:r>
+              <a:rPr lang="en-US" dirty="0" smtClean="0">
+                <a:solidFill>
+                  <a:schemeClr val="accent6">
+                    <a:lumMod val="75000"/>
+                  </a:schemeClr>
+                </a:solidFill>
+              </a:rPr>
+              <a:t>Next, let’s try the </a:t>
+            </a:r>
+            <a:r>
+              <a:rPr lang="en-US" b="1" dirty="0" smtClean="0">
+                <a:solidFill>
+                  <a:schemeClr val="accent6">
+                    <a:lumMod val="75000"/>
+                  </a:schemeClr>
+                </a:solidFill>
+              </a:rPr>
+              <a:t>Shapes Lab </a:t>
+            </a:r>
+            <a:r>
+              <a:rPr lang="en-US" dirty="0" smtClean="0">
+                <a:solidFill>
+                  <a:schemeClr val="accent6">
+                    <a:lumMod val="75000"/>
+                  </a:schemeClr>
+                </a:solidFill>
+              </a:rPr>
+              <a:t>feature</a:t>
+            </a:r>
+            <a:endParaRPr lang="en-SG" dirty="0">
+              <a:solidFill>
+                <a:schemeClr val="accent6">
+                  <a:lumMod val="75000"/>
+                </a:schemeClr>
+              </a:solidFill>
+            </a:endParaRPr>
+          </a:p>
+        </p:txBody>
+      </p:sp>
+      <p:grpSp>
+        <p:nvGrpSpPr>
+          <p:cNvPr id="9" name="[Group 8]"/>
+          <p:cNvGrpSpPr/>
+          <p:nvPr/>
+        </p:nvGrpSpPr>
+        <p:grpSpPr>
+          <a:xfrm>
+            <a:off x="2438400" y="2895600"/>
+            <a:ext cx="838200" cy="838200"/>
+            <a:chOff x="375266" y="5397326"/>
+            <a:chExt cx="838200" cy="838200"/>
+          </a:xfrm>
+        </p:grpSpPr>
+        <p:sp>
+          <p:nvSpPr>
+            <p:cNvPr id="10" name="Rectangle 9"/>
+            <p:cNvSpPr/>
+            <p:nvPr/>
+          </p:nvSpPr>
+          <p:spPr>
+            <a:xfrm>
+              <a:off x="375266" y="5397326"/>
+              <a:ext cx="838200" cy="838200"/>
+            </a:xfrm>
+            <a:prstGeom prst="rect">
+              <a:avLst/>
+            </a:prstGeom>
+            <a:noFill/>
+            <a:ln>
+              <a:noFill/>
+            </a:ln>
+          </p:spPr>
+          <p:style>
+            <a:lnRef idx="2">
+              <a:schemeClr val="accent1">
+                <a:shade val="50000"/>
+              </a:schemeClr>
+            </a:lnRef>
+            <a:fillRef idx="1">
+              <a:schemeClr val="accent1"/>
+            </a:fillRef>
+            <a:effectRef idx="0">
+              <a:schemeClr val="accent1"/>
+            </a:effectRef>
+            <a:fontRef idx="minor">
+              <a:schemeClr val="lt1"/>
+            </a:fontRef>
+          </p:style>
+          <p:txBody>
+            <a:bodyPr rtlCol="0" anchor="ctr"/>
+            <a:lstStyle/>
+            <a:p>
+              <a:pPr algn="ctr"/>
+              <a:endParaRPr lang="en-SG"/>
+            </a:p>
+          </p:txBody>
+        </p:sp>
+        <p:sp>
+          <p:nvSpPr>
+            <p:cNvPr id="11" name="Rectangle 4"/>
+            <p:cNvSpPr/>
+            <p:nvPr/>
+          </p:nvSpPr>
+          <p:spPr>
+            <a:xfrm rot="16200000">
+              <a:off x="444221" y="5470529"/>
+              <a:ext cx="700291" cy="690781"/>
+            </a:xfrm>
+            <a:custGeom>
+              <a:avLst/>
+              <a:gdLst/>
+              <a:ahLst/>
+              <a:cxnLst/>
+              <a:rect l="l" t="t" r="r" b="b"/>
+              <a:pathLst>
+                <a:path w="1752603" h="1752600">
+                  <a:moveTo>
+                    <a:pt x="533400" y="0"/>
+                  </a:moveTo>
+                  <a:lnTo>
+                    <a:pt x="533403" y="0"/>
+                  </a:lnTo>
+                  <a:lnTo>
+                    <a:pt x="1066800" y="0"/>
+                  </a:lnTo>
+                  <a:lnTo>
+                    <a:pt x="1752603" y="0"/>
+                  </a:lnTo>
+                  <a:lnTo>
+                    <a:pt x="1752603" y="1752600"/>
+                  </a:lnTo>
+                  <a:lnTo>
+                    <a:pt x="1219203" y="1752600"/>
+                  </a:lnTo>
+                  <a:lnTo>
+                    <a:pt x="533403" y="1752600"/>
+                  </a:lnTo>
+                  <a:lnTo>
+                    <a:pt x="3" y="1752600"/>
+                  </a:lnTo>
+                  <a:lnTo>
+                    <a:pt x="3" y="533430"/>
+                  </a:lnTo>
+                  <a:cubicBezTo>
+                    <a:pt x="0" y="533420"/>
+                    <a:pt x="0" y="533410"/>
+                    <a:pt x="0" y="533400"/>
+                  </a:cubicBezTo>
+                  <a:cubicBezTo>
+                    <a:pt x="0" y="238811"/>
+                    <a:pt x="238811" y="0"/>
+                    <a:pt x="533400" y="0"/>
+                  </a:cubicBezTo>
+                  <a:close/>
+                </a:path>
+              </a:pathLst>
+            </a:custGeom>
+            <a:noFill/>
+            <a:ln w="76200" cmpd="sng">
+              <a:solidFill>
+                <a:srgbClr val="0070C0"/>
+              </a:solidFill>
+              <a:miter lim="800000"/>
+            </a:ln>
+          </p:spPr>
+          <p:style>
+            <a:lnRef idx="2">
+              <a:schemeClr val="accent1">
+                <a:shade val="50000"/>
+              </a:schemeClr>
+            </a:lnRef>
+            <a:fillRef idx="1">
+              <a:schemeClr val="accent1"/>
+            </a:fillRef>
+            <a:effectRef idx="0">
+              <a:schemeClr val="accent1"/>
+            </a:effectRef>
+            <a:fontRef idx="minor">
+              <a:schemeClr val="lt1"/>
+            </a:fontRef>
+          </p:style>
+          <p:txBody>
+            <a:bodyPr rtlCol="0" anchor="ctr"/>
+            <a:lstStyle/>
+            <a:p>
+              <a:pPr algn="ctr"/>
+              <a:endParaRPr lang="en-US"/>
+            </a:p>
+          </p:txBody>
+        </p:sp>
+        <p:sp>
+          <p:nvSpPr>
+            <p:cNvPr id="12" name="Teardrop 11"/>
+            <p:cNvSpPr/>
+            <p:nvPr/>
+          </p:nvSpPr>
+          <p:spPr>
+            <a:xfrm>
+              <a:off x="747877" y="5557049"/>
+              <a:ext cx="309672" cy="307175"/>
+            </a:xfrm>
+            <a:prstGeom prst="teardrop">
+              <a:avLst/>
+            </a:prstGeom>
+            <a:solidFill>
+              <a:srgbClr val="0070C0"/>
+            </a:solidFill>
+            <a:ln w="19050">
+              <a:solidFill>
+                <a:schemeClr val="bg1"/>
+              </a:solidFill>
+            </a:ln>
+            <a:effectLst/>
+          </p:spPr>
+          <p:style>
+            <a:lnRef idx="2">
+              <a:schemeClr val="accent1">
+                <a:shade val="50000"/>
+              </a:schemeClr>
+            </a:lnRef>
+            <a:fillRef idx="1">
+              <a:schemeClr val="accent1"/>
+            </a:fillRef>
+            <a:effectRef idx="0">
+              <a:schemeClr val="accent1"/>
+            </a:effectRef>
+            <a:fontRef idx="minor">
+              <a:schemeClr val="lt1"/>
+            </a:fontRef>
+          </p:style>
+          <p:txBody>
+            <a:bodyPr rtlCol="0" anchor="ctr"/>
+            <a:lstStyle/>
+            <a:p>
+              <a:pPr algn="ctr"/>
+              <a:endParaRPr lang="en-SG"/>
+            </a:p>
+          </p:txBody>
+        </p:sp>
+        <p:sp>
+          <p:nvSpPr>
+            <p:cNvPr id="13" name="Flowchart: Process 12"/>
+            <p:cNvSpPr/>
+            <p:nvPr/>
+          </p:nvSpPr>
+          <p:spPr>
+            <a:xfrm>
+              <a:off x="544174" y="5670551"/>
+              <a:ext cx="299506" cy="256598"/>
+            </a:xfrm>
+            <a:prstGeom prst="flowChartProcess">
+              <a:avLst/>
+            </a:prstGeom>
+            <a:solidFill>
+              <a:schemeClr val="accent6"/>
+            </a:solidFill>
+            <a:ln w="19050">
+              <a:solidFill>
+                <a:schemeClr val="bg1"/>
+              </a:solidFill>
+            </a:ln>
+            <a:effectLst/>
+          </p:spPr>
+          <p:style>
+            <a:lnRef idx="2">
+              <a:schemeClr val="accent1">
+                <a:shade val="50000"/>
+              </a:schemeClr>
+            </a:lnRef>
+            <a:fillRef idx="1">
+              <a:schemeClr val="accent1"/>
+            </a:fillRef>
+            <a:effectRef idx="0">
+              <a:schemeClr val="accent1"/>
+            </a:effectRef>
+            <a:fontRef idx="minor">
+              <a:schemeClr val="lt1"/>
+            </a:fontRef>
+          </p:style>
+          <p:txBody>
+            <a:bodyPr rtlCol="0" anchor="ctr"/>
+            <a:lstStyle/>
+            <a:p>
+              <a:pPr algn="ctr"/>
+              <a:endParaRPr lang="en-SG"/>
+            </a:p>
+          </p:txBody>
+        </p:sp>
+        <p:sp>
+          <p:nvSpPr>
+            <p:cNvPr id="14" name="Flowchart: Magnetic Disk 13"/>
+            <p:cNvSpPr/>
+            <p:nvPr/>
+          </p:nvSpPr>
+          <p:spPr>
+            <a:xfrm>
+              <a:off x="721676" y="5747165"/>
+              <a:ext cx="258469" cy="315518"/>
+            </a:xfrm>
+            <a:prstGeom prst="flowChartMagneticDisk">
+              <a:avLst/>
+            </a:prstGeom>
+            <a:solidFill>
+              <a:schemeClr val="accent6"/>
+            </a:solidFill>
+            <a:ln w="19050">
+              <a:solidFill>
+                <a:schemeClr val="bg1"/>
+              </a:solidFill>
+            </a:ln>
+            <a:effectLst/>
+          </p:spPr>
+          <p:style>
+            <a:lnRef idx="2">
+              <a:schemeClr val="accent1">
+                <a:shade val="50000"/>
+              </a:schemeClr>
+            </a:lnRef>
+            <a:fillRef idx="1">
+              <a:schemeClr val="accent1"/>
+            </a:fillRef>
+            <a:effectRef idx="0">
+              <a:schemeClr val="accent1"/>
+            </a:effectRef>
+            <a:fontRef idx="minor">
+              <a:schemeClr val="lt1"/>
+            </a:fontRef>
+          </p:style>
+          <p:txBody>
+            <a:bodyPr rtlCol="0" anchor="ctr"/>
+            <a:lstStyle/>
+            <a:p>
+              <a:pPr algn="ctr"/>
+              <a:endParaRPr lang="en-SG"/>
+            </a:p>
+          </p:txBody>
+        </p:sp>
+      </p:grpSp>
+    </p:spTree>
+    <p:extLst>
+      <p:ext uri="{BB962C8B-B14F-4D97-AF65-F5344CB8AC3E}">
+        <p14:creationId xmlns:p14="http://schemas.microsoft.com/office/powerpoint/2010/main" val="568570799"/>
+      </p:ext>
+    </p:extLst>
+  </p:cSld>
+  <p:clrMapOvr>
+    <a:masterClrMapping/>
+  </p:clrMapOvr>
+  <p:timing>
+    <p:tnLst>
+      <p:par>
+        <p:cTn id="1" dur="indefinite" restart="never" nodeType="tmRoot"/>
+      </p:par>
+    </p:tnLst>
+  </p:timing>
+</p:sld>
+</file>
+
+<file path=ppt/slides/slide28.xml><?xml version="1.0" encoding="utf-8"?>
+<p:sld xmlns:a="http://schemas.openxmlformats.org/drawingml/2006/main" xmlns:r="http://schemas.openxmlformats.org/officeDocument/2006/relationships" xmlns:p="http://schemas.openxmlformats.org/presentationml/2006/main">
+  <p:cSld>
+    <p:spTree>
+      <p:nvGrpSpPr>
+        <p:cNvPr id="1" name=""/>
+        <p:cNvGrpSpPr/>
+        <p:nvPr/>
+      </p:nvGrpSpPr>
+      <p:grpSpPr>
+        <a:xfrm>
+          <a:off x="0" y="0"/>
+          <a:ext cx="0" cy="0"/>
+          <a:chOff x="0" y="0"/>
+          <a:chExt cx="0" cy="0"/>
+        </a:xfrm>
+      </p:grpSpPr>
+      <p:sp>
+        <p:nvSpPr>
+          <p:cNvPr id="7" name="[TextBox 6]"/>
+          <p:cNvSpPr txBox="1"/>
+          <p:nvPr/>
+        </p:nvSpPr>
+        <p:spPr>
+          <a:xfrm>
+            <a:off x="457200" y="907022"/>
+            <a:ext cx="3505200" cy="1077218"/>
+          </a:xfrm>
+          <a:prstGeom prst="rect">
+            <a:avLst/>
+          </a:prstGeom>
+          <a:noFill/>
+        </p:spPr>
+        <p:txBody>
+          <a:bodyPr wrap="square" rtlCol="0">
+            <a:spAutoFit/>
+          </a:bodyPr>
+          <a:lstStyle/>
+          <a:p>
+            <a:r>
+              <a:rPr lang="en-US" sz="2800" b="1" dirty="0" smtClean="0">
+                <a:solidFill>
+                  <a:schemeClr val="accent6">
+                    <a:lumMod val="75000"/>
+                  </a:schemeClr>
+                </a:solidFill>
+              </a:rPr>
+              <a:t>1.</a:t>
+            </a:r>
+            <a:r>
+              <a:rPr lang="en-US" dirty="0" smtClean="0">
+                <a:solidFill>
+                  <a:schemeClr val="accent6">
+                    <a:lumMod val="75000"/>
+                  </a:schemeClr>
+                </a:solidFill>
+              </a:rPr>
+              <a:t> Click the                button, it will </a:t>
+            </a:r>
+          </a:p>
+          <a:p>
+            <a:endParaRPr lang="en-US" dirty="0" smtClean="0">
+              <a:solidFill>
+                <a:schemeClr val="accent6">
+                  <a:lumMod val="75000"/>
+                </a:schemeClr>
+              </a:solidFill>
+            </a:endParaRPr>
+          </a:p>
+          <a:p>
+            <a:r>
+              <a:rPr lang="en-US" dirty="0" smtClean="0">
+                <a:solidFill>
+                  <a:schemeClr val="accent6">
+                    <a:lumMod val="75000"/>
+                  </a:schemeClr>
+                </a:solidFill>
+              </a:rPr>
+              <a:t>bring you the Shapes Lab Panel.</a:t>
+            </a:r>
+            <a:endParaRPr lang="en-SG" dirty="0">
+              <a:solidFill>
+                <a:schemeClr val="accent6">
+                  <a:lumMod val="75000"/>
+                </a:schemeClr>
+              </a:solidFill>
+            </a:endParaRPr>
+          </a:p>
+        </p:txBody>
+      </p:sp>
+      <p:pic>
+        <p:nvPicPr>
+          <p:cNvPr id="2" name="Picture 1"/>
+          <p:cNvPicPr>
+            <a:picLocks noChangeAspect="1"/>
+          </p:cNvPicPr>
+          <p:nvPr/>
+        </p:nvPicPr>
+        <p:blipFill>
+          <a:blip r:embed="rId3"/>
+          <a:stretch>
+            <a:fillRect/>
+          </a:stretch>
+        </p:blipFill>
+        <p:spPr>
+          <a:xfrm>
+            <a:off x="1752600" y="732504"/>
+            <a:ext cx="609600" cy="975360"/>
+          </a:xfrm>
+          <a:prstGeom prst="rect">
+            <a:avLst/>
+          </a:prstGeom>
+        </p:spPr>
+      </p:pic>
+      <p:pic>
+        <p:nvPicPr>
+          <p:cNvPr id="3" name="Picture 2"/>
+          <p:cNvPicPr>
+            <a:picLocks noChangeAspect="1"/>
+          </p:cNvPicPr>
+          <p:nvPr/>
+        </p:nvPicPr>
+        <p:blipFill>
+          <a:blip r:embed="rId4"/>
+          <a:stretch>
+            <a:fillRect/>
+          </a:stretch>
+        </p:blipFill>
+        <p:spPr>
+          <a:xfrm>
+            <a:off x="4038600" y="155812"/>
+            <a:ext cx="4907639" cy="6705600"/>
+          </a:xfrm>
+          <a:prstGeom prst="rect">
+            <a:avLst/>
+          </a:prstGeom>
+        </p:spPr>
+      </p:pic>
+      <p:sp>
+        <p:nvSpPr>
+          <p:cNvPr id="9" name="[TextBox 6]"/>
+          <p:cNvSpPr txBox="1"/>
+          <p:nvPr/>
+        </p:nvSpPr>
+        <p:spPr>
+          <a:xfrm>
+            <a:off x="457200" y="2485104"/>
+            <a:ext cx="3505200" cy="1908215"/>
+          </a:xfrm>
+          <a:prstGeom prst="rect">
+            <a:avLst/>
+          </a:prstGeom>
+          <a:noFill/>
+        </p:spPr>
+        <p:txBody>
+          <a:bodyPr wrap="square" rtlCol="0">
+            <a:spAutoFit/>
+          </a:bodyPr>
+          <a:lstStyle/>
+          <a:p>
+            <a:r>
+              <a:rPr lang="en-US" sz="2800" b="1" dirty="0" smtClean="0">
+                <a:solidFill>
+                  <a:schemeClr val="accent6">
+                    <a:lumMod val="75000"/>
+                  </a:schemeClr>
+                </a:solidFill>
+              </a:rPr>
+              <a:t>2.</a:t>
+            </a:r>
+            <a:r>
+              <a:rPr lang="en-US" dirty="0" smtClean="0">
+                <a:solidFill>
+                  <a:schemeClr val="accent6">
+                    <a:lumMod val="75000"/>
+                  </a:schemeClr>
+                </a:solidFill>
+              </a:rPr>
+              <a:t> Right click on the shape you want to add into the Lab, and select “Add to Custom Shapes”. Then you should see your shape in the panel and waiting for name editing.</a:t>
+            </a:r>
+            <a:endParaRPr lang="en-SG" dirty="0">
+              <a:solidFill>
+                <a:schemeClr val="accent6">
+                  <a:lumMod val="75000"/>
+                </a:schemeClr>
+              </a:solidFill>
+            </a:endParaRPr>
+          </a:p>
+        </p:txBody>
+      </p:sp>
+      <p:sp>
+        <p:nvSpPr>
+          <p:cNvPr id="10" name="[TextBox 6]"/>
+          <p:cNvSpPr txBox="1"/>
+          <p:nvPr/>
+        </p:nvSpPr>
+        <p:spPr>
+          <a:xfrm>
+            <a:off x="457200" y="4894183"/>
+            <a:ext cx="3505200" cy="1354217"/>
+          </a:xfrm>
+          <a:prstGeom prst="rect">
+            <a:avLst/>
+          </a:prstGeom>
+          <a:noFill/>
+        </p:spPr>
+        <p:txBody>
+          <a:bodyPr wrap="square" rtlCol="0">
+            <a:spAutoFit/>
+          </a:bodyPr>
+          <a:lstStyle/>
+          <a:p>
+            <a:r>
+              <a:rPr lang="en-US" sz="2800" b="1" dirty="0" smtClean="0">
+                <a:solidFill>
+                  <a:schemeClr val="accent6">
+                    <a:lumMod val="75000"/>
+                  </a:schemeClr>
+                </a:solidFill>
+              </a:rPr>
+              <a:t>3.</a:t>
+            </a:r>
+            <a:r>
+              <a:rPr lang="en-US" dirty="0" smtClean="0">
+                <a:solidFill>
+                  <a:schemeClr val="accent6">
+                    <a:lumMod val="75000"/>
+                  </a:schemeClr>
+                </a:solidFill>
+              </a:rPr>
+              <a:t> After finishing name editing, press enter to confirm. Alternatively, you could click on any where else to confirm the change.</a:t>
+            </a:r>
+          </a:p>
+        </p:txBody>
+      </p:sp>
+    </p:spTree>
+    <p:extLst>
+      <p:ext uri="{BB962C8B-B14F-4D97-AF65-F5344CB8AC3E}">
+        <p14:creationId xmlns:p14="http://schemas.microsoft.com/office/powerpoint/2010/main" val="2356246644"/>
+      </p:ext>
+    </p:extLst>
+  </p:cSld>
+  <p:clrMapOvr>
+    <a:masterClrMapping/>
+  </p:clrMapOvr>
+  <p:timing>
+    <p:tnLst>
+      <p:par>
+        <p:cTn id="1" dur="indefinite" restart="never" nodeType="tmRoot"/>
+      </p:par>
+    </p:tnLst>
+  </p:timing>
+</p:sld>
+</file>
+
+<file path=ppt/slides/slide29.xml><?xml version="1.0" encoding="utf-8"?>
+<p:sld xmlns:a="http://schemas.openxmlformats.org/drawingml/2006/main" xmlns:r="http://schemas.openxmlformats.org/officeDocument/2006/relationships" xmlns:p="http://schemas.openxmlformats.org/presentationml/2006/main">
+  <p:cSld>
+    <p:spTree>
+      <p:nvGrpSpPr>
+        <p:cNvPr id="1" name=""/>
+        <p:cNvGrpSpPr/>
+        <p:nvPr/>
+      </p:nvGrpSpPr>
+      <p:grpSpPr>
+        <a:xfrm>
+          <a:off x="0" y="0"/>
+          <a:ext cx="0" cy="0"/>
+          <a:chOff x="0" y="0"/>
+          <a:chExt cx="0" cy="0"/>
+        </a:xfrm>
+      </p:grpSpPr>
+      <p:sp>
+        <p:nvSpPr>
+          <p:cNvPr id="7" name="[TextBox 6]"/>
+          <p:cNvSpPr txBox="1"/>
+          <p:nvPr/>
+        </p:nvSpPr>
+        <p:spPr>
+          <a:xfrm>
+            <a:off x="457200" y="907022"/>
+            <a:ext cx="3505200" cy="1077218"/>
+          </a:xfrm>
+          <a:prstGeom prst="rect">
+            <a:avLst/>
+          </a:prstGeom>
+          <a:noFill/>
+        </p:spPr>
+        <p:txBody>
+          <a:bodyPr wrap="square" rtlCol="0">
+            <a:spAutoFit/>
+          </a:bodyPr>
+          <a:lstStyle/>
+          <a:p>
+            <a:r>
+              <a:rPr lang="en-US" sz="2800" b="1" dirty="0" smtClean="0">
+                <a:solidFill>
+                  <a:schemeClr val="accent6">
+                    <a:lumMod val="75000"/>
+                  </a:schemeClr>
+                </a:solidFill>
+              </a:rPr>
+              <a:t>1.</a:t>
+            </a:r>
+            <a:r>
+              <a:rPr lang="en-US" dirty="0" smtClean="0">
+                <a:solidFill>
+                  <a:schemeClr val="accent6">
+                    <a:lumMod val="75000"/>
+                  </a:schemeClr>
+                </a:solidFill>
+              </a:rPr>
+              <a:t> Click the                button, it will </a:t>
+            </a:r>
+          </a:p>
+          <a:p>
+            <a:endParaRPr lang="en-US" dirty="0" smtClean="0">
+              <a:solidFill>
+                <a:schemeClr val="accent6">
+                  <a:lumMod val="75000"/>
+                </a:schemeClr>
+              </a:solidFill>
+            </a:endParaRPr>
+          </a:p>
+          <a:p>
+            <a:r>
+              <a:rPr lang="en-US" dirty="0" smtClean="0">
+                <a:solidFill>
+                  <a:schemeClr val="accent6">
+                    <a:lumMod val="75000"/>
+                  </a:schemeClr>
+                </a:solidFill>
+              </a:rPr>
+              <a:t>bring you the Shapes Lab Panel.</a:t>
+            </a:r>
+            <a:endParaRPr lang="en-SG" dirty="0">
+              <a:solidFill>
+                <a:schemeClr val="accent6">
+                  <a:lumMod val="75000"/>
+                </a:schemeClr>
+              </a:solidFill>
+            </a:endParaRPr>
+          </a:p>
+        </p:txBody>
+      </p:sp>
+      <p:pic>
+        <p:nvPicPr>
+          <p:cNvPr id="3" name="Picture 2"/>
+          <p:cNvPicPr>
+            <a:picLocks noChangeAspect="1"/>
+          </p:cNvPicPr>
+          <p:nvPr/>
+        </p:nvPicPr>
+        <p:blipFill>
+          <a:blip r:embed="rId3"/>
+          <a:stretch>
+            <a:fillRect/>
+          </a:stretch>
+        </p:blipFill>
+        <p:spPr>
+          <a:xfrm>
+            <a:off x="4038600" y="155812"/>
+            <a:ext cx="4907639" cy="6705600"/>
+          </a:xfrm>
+          <a:prstGeom prst="rect">
+            <a:avLst/>
+          </a:prstGeom>
+        </p:spPr>
+      </p:pic>
+      <p:sp>
+        <p:nvSpPr>
+          <p:cNvPr id="9" name="[TextBox 6]"/>
+          <p:cNvSpPr txBox="1"/>
+          <p:nvPr/>
+        </p:nvSpPr>
+        <p:spPr>
+          <a:xfrm>
+            <a:off x="457200" y="2485104"/>
+            <a:ext cx="3505200" cy="1908215"/>
+          </a:xfrm>
+          <a:prstGeom prst="rect">
+            <a:avLst/>
+          </a:prstGeom>
+          <a:noFill/>
+        </p:spPr>
+        <p:txBody>
+          <a:bodyPr wrap="square" rtlCol="0">
+            <a:spAutoFit/>
+          </a:bodyPr>
+          <a:lstStyle/>
+          <a:p>
+            <a:r>
+              <a:rPr lang="en-US" sz="2800" b="1" dirty="0" smtClean="0">
+                <a:solidFill>
+                  <a:schemeClr val="accent6">
+                    <a:lumMod val="75000"/>
+                  </a:schemeClr>
+                </a:solidFill>
+              </a:rPr>
+              <a:t>2.</a:t>
+            </a:r>
+            <a:r>
+              <a:rPr lang="en-US" dirty="0" smtClean="0">
+                <a:solidFill>
+                  <a:schemeClr val="accent6">
+                    <a:lumMod val="75000"/>
+                  </a:schemeClr>
+                </a:solidFill>
+              </a:rPr>
+              <a:t> Right click on the shape you want to add into the Lab, and select “Add to Custom Shapes”. Then you should see your shape in the panel and waiting for name editing.</a:t>
+            </a:r>
+            <a:endParaRPr lang="en-SG" dirty="0">
+              <a:solidFill>
+                <a:schemeClr val="accent6">
+                  <a:lumMod val="75000"/>
+                </a:schemeClr>
+              </a:solidFill>
+            </a:endParaRPr>
+          </a:p>
+        </p:txBody>
+      </p:sp>
+      <p:sp>
+        <p:nvSpPr>
+          <p:cNvPr id="10" name="[TextBox 6]"/>
+          <p:cNvSpPr txBox="1"/>
+          <p:nvPr/>
+        </p:nvSpPr>
+        <p:spPr>
+          <a:xfrm>
+            <a:off x="457200" y="4894183"/>
+            <a:ext cx="3505200" cy="1354217"/>
+          </a:xfrm>
+          <a:prstGeom prst="rect">
+            <a:avLst/>
+          </a:prstGeom>
+          <a:noFill/>
+        </p:spPr>
+        <p:txBody>
+          <a:bodyPr wrap="square" rtlCol="0">
+            <a:spAutoFit/>
+          </a:bodyPr>
+          <a:lstStyle/>
+          <a:p>
+            <a:r>
+              <a:rPr lang="en-US" sz="2800" b="1" dirty="0" smtClean="0">
+                <a:solidFill>
+                  <a:schemeClr val="accent6">
+                    <a:lumMod val="75000"/>
+                  </a:schemeClr>
+                </a:solidFill>
+              </a:rPr>
+              <a:t>3.</a:t>
+            </a:r>
+            <a:r>
+              <a:rPr lang="en-US" dirty="0" smtClean="0">
+                <a:solidFill>
+                  <a:schemeClr val="accent6">
+                    <a:lumMod val="75000"/>
+                  </a:schemeClr>
+                </a:solidFill>
+              </a:rPr>
+              <a:t> After finishing name editing, press enter to confirm. Alternatively, you could click on any where else to confirm the change.</a:t>
+            </a:r>
+          </a:p>
+        </p:txBody>
+      </p:sp>
+    </p:spTree>
+    <p:extLst>
+      <p:ext uri="{BB962C8B-B14F-4D97-AF65-F5344CB8AC3E}">
+        <p14:creationId xmlns:p14="http://schemas.microsoft.com/office/powerpoint/2010/main" val="3860146555"/>
+      </p:ext>
+    </p:extLst>
+  </p:cSld>
+  <p:clrMapOvr>
+    <a:masterClrMapping/>
+  </p:clrMapOvr>
+  <p:timing>
+    <p:tnLst>
+      <p:par>
+        <p:cTn id="1" dur="indefinite" restart="never" nodeType="tmRoot"/>
+      </p:par>
+    </p:tnLst>
+  </p:timing>
+</p:sld>
+</file>
+
+<file path=ppt/slides/slide3.xml><?xml version="1.0" encoding="utf-8"?>
+<p:sld xmlns:a="http://schemas.openxmlformats.org/drawingml/2006/main" xmlns:r="http://schemas.openxmlformats.org/officeDocument/2006/relationships" xmlns:p="http://schemas.openxmlformats.org/presentationml/2006/main">
+  <p:cSld>
+    <p:spTree>
+      <p:nvGrpSpPr>
+        <p:cNvPr id="1" name=""/>
+        <p:cNvGrpSpPr/>
+        <p:nvPr/>
+      </p:nvGrpSpPr>
+      <p:grpSpPr>
+        <a:xfrm>
+          <a:off x="0" y="0"/>
+          <a:ext cx="0" cy="0"/>
+          <a:chOff x="0" y="0"/>
+          <a:chExt cx="0" cy="0"/>
+        </a:xfrm>
+      </p:grpSpPr>
+      <p:sp>
+        <p:nvSpPr>
+          <p:cNvPr id="4" name="TextBox 3"/>
+          <p:cNvSpPr txBox="1"/>
+          <p:nvPr/>
+        </p:nvSpPr>
+        <p:spPr>
+          <a:xfrm>
+            <a:off x="762000" y="2362200"/>
+            <a:ext cx="7543800" cy="1754326"/>
+          </a:xfrm>
+          <a:prstGeom prst="rect">
+            <a:avLst/>
+          </a:prstGeom>
+          <a:noFill/>
+        </p:spPr>
+        <p:txBody>
+          <a:bodyPr wrap="square" rtlCol="0">
+            <a:spAutoFit/>
+          </a:bodyPr>
+          <a:lstStyle/>
+          <a:p>
+            <a:r>
+              <a:rPr lang="en-US" dirty="0" smtClean="0">
+                <a:solidFill>
+                  <a:schemeClr val="accent6">
+                    <a:lumMod val="75000"/>
+                  </a:schemeClr>
+                </a:solidFill>
+              </a:rPr>
+              <a:t>This tutorial explains </a:t>
+            </a:r>
+            <a:r>
+              <a:rPr lang="en-US" dirty="0" err="1" smtClean="0">
+                <a:solidFill>
+                  <a:schemeClr val="accent6">
+                    <a:lumMod val="75000"/>
+                  </a:schemeClr>
+                </a:solidFill>
+              </a:rPr>
+              <a:t>PowerPointLabs</a:t>
+            </a:r>
+            <a:r>
+              <a:rPr lang="en-US" dirty="0" smtClean="0">
+                <a:solidFill>
+                  <a:schemeClr val="accent6">
+                    <a:lumMod val="75000"/>
+                  </a:schemeClr>
+                </a:solidFill>
+              </a:rPr>
+              <a:t>’ features at the point you installed the plugin. </a:t>
+            </a:r>
+          </a:p>
+          <a:p>
+            <a:endParaRPr lang="en-US" dirty="0" smtClean="0">
+              <a:solidFill>
+                <a:schemeClr val="accent6">
+                  <a:lumMod val="75000"/>
+                </a:schemeClr>
+              </a:solidFill>
+            </a:endParaRPr>
+          </a:p>
+          <a:p>
+            <a:endParaRPr lang="en-US" dirty="0">
+              <a:solidFill>
+                <a:schemeClr val="accent6">
+                  <a:lumMod val="75000"/>
+                </a:schemeClr>
+              </a:solidFill>
+            </a:endParaRPr>
+          </a:p>
+          <a:p>
+            <a:r>
+              <a:rPr lang="en-US" dirty="0" smtClean="0">
+                <a:solidFill>
+                  <a:schemeClr val="accent6">
+                    <a:lumMod val="75000"/>
+                  </a:schemeClr>
+                </a:solidFill>
+              </a:rPr>
+              <a:t>If you installed the plugin some time back, please refer to the </a:t>
+            </a:r>
+            <a:r>
+              <a:rPr lang="en-US" i="1" dirty="0" smtClean="0">
+                <a:solidFill>
+                  <a:schemeClr val="accent6">
+                    <a:lumMod val="75000"/>
+                  </a:schemeClr>
+                </a:solidFill>
+              </a:rPr>
+              <a:t>Documentation</a:t>
+            </a:r>
+            <a:r>
+              <a:rPr lang="en-US" dirty="0" smtClean="0">
+                <a:solidFill>
+                  <a:schemeClr val="accent6">
+                    <a:lumMod val="75000"/>
+                  </a:schemeClr>
+                </a:solidFill>
+              </a:rPr>
+              <a:t> page of </a:t>
+            </a:r>
+            <a:r>
+              <a:rPr lang="en-US" dirty="0" smtClean="0">
+                <a:solidFill>
+                  <a:schemeClr val="accent6">
+                    <a:lumMod val="75000"/>
+                  </a:schemeClr>
+                </a:solidFill>
+                <a:hlinkClick r:id="rId2"/>
+              </a:rPr>
+              <a:t>our website</a:t>
+            </a:r>
+            <a:r>
+              <a:rPr lang="en-US" dirty="0" smtClean="0">
+                <a:solidFill>
+                  <a:schemeClr val="accent6">
+                    <a:lumMod val="75000"/>
+                  </a:schemeClr>
+                </a:solidFill>
+              </a:rPr>
+              <a:t> for more up-to-date instructions.</a:t>
+            </a:r>
+            <a:endParaRPr lang="en-SG" dirty="0">
+              <a:solidFill>
+                <a:schemeClr val="accent6">
+                  <a:lumMod val="75000"/>
+                </a:schemeClr>
+              </a:solidFill>
+            </a:endParaRPr>
+          </a:p>
+        </p:txBody>
+      </p:sp>
+    </p:spTree>
+    <p:extLst>
+      <p:ext uri="{BB962C8B-B14F-4D97-AF65-F5344CB8AC3E}">
+        <p14:creationId xmlns:p14="http://schemas.microsoft.com/office/powerpoint/2010/main" val="1906505232"/>
+      </p:ext>
+    </p:extLst>
+  </p:cSld>
+  <p:clrMapOvr>
+    <a:masterClrMapping/>
+  </p:clrMapOvr>
+  <p:timing>
+    <p:tnLst>
+      <p:par>
+        <p:cTn id="1" dur="indefinite" restart="never" nodeType="tmRoot"/>
+      </p:par>
+    </p:tnLst>
+  </p:timing>
+</p:sld>
+</file>
+
+<file path=ppt/slides/slide30.xml><?xml version="1.0" encoding="utf-8"?>
+<p:sld xmlns:a="http://schemas.openxmlformats.org/drawingml/2006/main" xmlns:r="http://schemas.openxmlformats.org/officeDocument/2006/relationships" xmlns:p="http://schemas.openxmlformats.org/presentationml/2006/main">
+  <p:cSld>
+    <p:spTree>
+      <p:nvGrpSpPr>
+        <p:cNvPr id="1" name=""/>
+        <p:cNvGrpSpPr/>
+        <p:nvPr/>
+      </p:nvGrpSpPr>
+      <p:grpSpPr>
+        <a:xfrm>
+          <a:off x="0" y="0"/>
+          <a:ext cx="0" cy="0"/>
+          <a:chOff x="0" y="0"/>
+          <a:chExt cx="0" cy="0"/>
+        </a:xfrm>
+      </p:grpSpPr>
+      <p:sp>
+        <p:nvSpPr>
           <p:cNvPr id="16" name="TextBox 15"/>
           <p:cNvSpPr txBox="1"/>
           <p:nvPr/>
@@ -15902,7 +17087,7 @@
 </p:sld>
 </file>
 
-<file path=ppt/slides/slide28.xml><?xml version="1.0" encoding="utf-8"?>
+<file path=ppt/slides/slide31.xml><?xml version="1.0" encoding="utf-8"?>
 <p:sld xmlns:a="http://schemas.openxmlformats.org/drawingml/2006/main" xmlns:r="http://schemas.openxmlformats.org/officeDocument/2006/relationships" xmlns:p="http://schemas.openxmlformats.org/presentationml/2006/main" show="0">
   <p:cSld name="PPAck201401021130490549">
     <p:spTree>
@@ -16028,176 +17213,6 @@
       <p:transition spd="slow"/>
     </mc:Fallback>
   </mc:AlternateContent>
-  <p:timing>
-    <p:tnLst>
-      <p:par>
-        <p:cTn id="1" dur="indefinite" restart="never" nodeType="tmRoot"/>
-      </p:par>
-    </p:tnLst>
-  </p:timing>
-</p:sld>
-</file>
-
-<file path=ppt/slides/slide3.xml><?xml version="1.0" encoding="utf-8"?>
-<p:sld xmlns:a="http://schemas.openxmlformats.org/drawingml/2006/main" xmlns:r="http://schemas.openxmlformats.org/officeDocument/2006/relationships" xmlns:p="http://schemas.openxmlformats.org/presentationml/2006/main">
-  <p:cSld>
-    <p:spTree>
-      <p:nvGrpSpPr>
-        <p:cNvPr id="1" name=""/>
-        <p:cNvGrpSpPr/>
-        <p:nvPr/>
-      </p:nvGrpSpPr>
-      <p:grpSpPr>
-        <a:xfrm>
-          <a:off x="0" y="0"/>
-          <a:ext cx="0" cy="0"/>
-          <a:chOff x="0" y="0"/>
-          <a:chExt cx="0" cy="0"/>
-        </a:xfrm>
-      </p:grpSpPr>
-      <p:sp>
-        <p:nvSpPr>
-          <p:cNvPr id="4" name="TextBox 3"/>
-          <p:cNvSpPr txBox="1"/>
-          <p:nvPr/>
-        </p:nvSpPr>
-        <p:spPr>
-          <a:xfrm>
-            <a:off x="762000" y="2362200"/>
-            <a:ext cx="7543800" cy="1754326"/>
-          </a:xfrm>
-          <a:prstGeom prst="rect">
-            <a:avLst/>
-          </a:prstGeom>
-          <a:noFill/>
-        </p:spPr>
-        <p:txBody>
-          <a:bodyPr wrap="square" rtlCol="0">
-            <a:spAutoFit/>
-          </a:bodyPr>
-          <a:lstStyle/>
-          <a:p>
-            <a:r>
-              <a:rPr lang="en-US" dirty="0" smtClean="0">
-                <a:solidFill>
-                  <a:schemeClr val="accent6">
-                    <a:lumMod val="75000"/>
-                  </a:schemeClr>
-                </a:solidFill>
-              </a:rPr>
-              <a:t>This tutorial explains </a:t>
-            </a:r>
-            <a:r>
-              <a:rPr lang="en-US" dirty="0" err="1" smtClean="0">
-                <a:solidFill>
-                  <a:schemeClr val="accent6">
-                    <a:lumMod val="75000"/>
-                  </a:schemeClr>
-                </a:solidFill>
-              </a:rPr>
-              <a:t>PowerPointLabs</a:t>
-            </a:r>
-            <a:r>
-              <a:rPr lang="en-US" dirty="0" smtClean="0">
-                <a:solidFill>
-                  <a:schemeClr val="accent6">
-                    <a:lumMod val="75000"/>
-                  </a:schemeClr>
-                </a:solidFill>
-              </a:rPr>
-              <a:t>’ features at the point you installed the plugin. </a:t>
-            </a:r>
-          </a:p>
-          <a:p>
-            <a:endParaRPr lang="en-US" dirty="0" smtClean="0">
-              <a:solidFill>
-                <a:schemeClr val="accent6">
-                  <a:lumMod val="75000"/>
-                </a:schemeClr>
-              </a:solidFill>
-            </a:endParaRPr>
-          </a:p>
-          <a:p>
-            <a:endParaRPr lang="en-US" dirty="0">
-              <a:solidFill>
-                <a:schemeClr val="accent6">
-                  <a:lumMod val="75000"/>
-                </a:schemeClr>
-              </a:solidFill>
-            </a:endParaRPr>
-          </a:p>
-          <a:p>
-            <a:r>
-              <a:rPr lang="en-US" dirty="0" smtClean="0">
-                <a:solidFill>
-                  <a:schemeClr val="accent6">
-                    <a:lumMod val="75000"/>
-                  </a:schemeClr>
-                </a:solidFill>
-              </a:rPr>
-              <a:t>If you installed the plugin some time back, please refer to the </a:t>
-            </a:r>
-            <a:r>
-              <a:rPr lang="en-US" i="1" dirty="0" smtClean="0">
-                <a:solidFill>
-                  <a:schemeClr val="accent6">
-                    <a:lumMod val="75000"/>
-                  </a:schemeClr>
-                </a:solidFill>
-              </a:rPr>
-              <a:t>Documentation</a:t>
-            </a:r>
-            <a:r>
-              <a:rPr lang="en-US" dirty="0" smtClean="0">
-                <a:solidFill>
-                  <a:schemeClr val="accent6">
-                    <a:lumMod val="75000"/>
-                  </a:schemeClr>
-                </a:solidFill>
-              </a:rPr>
-              <a:t> page of </a:t>
-            </a:r>
-            <a:r>
-              <a:rPr lang="en-US" dirty="0" smtClean="0">
-                <a:solidFill>
-                  <a:schemeClr val="accent6">
-                    <a:lumMod val="75000"/>
-                  </a:schemeClr>
-                </a:solidFill>
-                <a:hlinkClick r:id="rId2"/>
-              </a:rPr>
-              <a:t>our website</a:t>
-            </a:r>
-            <a:r>
-              <a:rPr lang="en-US" dirty="0" smtClean="0">
-                <a:solidFill>
-                  <a:schemeClr val="accent6">
-                    <a:lumMod val="75000"/>
-                  </a:schemeClr>
-                </a:solidFill>
-              </a:rPr>
-              <a:t> for more up-to-date instructions.</a:t>
-            </a:r>
-            <a:endParaRPr lang="en-SG" dirty="0">
-              <a:solidFill>
-                <a:schemeClr val="accent6">
-                  <a:lumMod val="75000"/>
-                </a:schemeClr>
-              </a:solidFill>
-            </a:endParaRPr>
-          </a:p>
-        </p:txBody>
-      </p:sp>
-    </p:spTree>
-    <p:extLst>
-      <p:ext uri="{BB962C8B-B14F-4D97-AF65-F5344CB8AC3E}">
-        <p14:creationId xmlns:p14="http://schemas.microsoft.com/office/powerpoint/2010/main" val="1906505232"/>
-      </p:ext>
-    </p:extLst>
-  </p:cSld>
-  <p:clrMapOvr>
-    <a:masterClrMapping/>
-  </p:clrMapOvr>
   <p:timing>
     <p:tnLst>
       <p:par>

--- a/PowerPointLabs/PowerPointLabs/PowerPointLabs Quick Tutorial.pptx
+++ b/PowerPointLabs/PowerPointLabs/PowerPointLabs Quick Tutorial.pptx
@@ -5,7 +5,7 @@
     <p:sldMasterId id="2147483648" r:id="rId1"/>
   </p:sldMasterIdLst>
   <p:notesMasterIdLst>
-    <p:notesMasterId r:id="rId33"/>
+    <p:notesMasterId r:id="rId35"/>
   </p:notesMasterIdLst>
   <p:sldIdLst>
     <p:sldId id="296" r:id="rId2"/>
@@ -37,8 +37,10 @@
     <p:sldId id="332" r:id="rId28"/>
     <p:sldId id="333" r:id="rId29"/>
     <p:sldId id="334" r:id="rId30"/>
-    <p:sldId id="305" r:id="rId31"/>
-    <p:sldId id="299" r:id="rId32"/>
+    <p:sldId id="335" r:id="rId31"/>
+    <p:sldId id="336" r:id="rId32"/>
+    <p:sldId id="305" r:id="rId33"/>
+    <p:sldId id="299" r:id="rId34"/>
   </p:sldIdLst>
   <p:sldSz cx="9144000" cy="6858000" type="screen4x3"/>
   <p:notesSz cx="6858000" cy="9144000"/>
@@ -199,6 +201,12 @@
             <p14:sldId id="332"/>
             <p14:sldId id="333"/>
             <p14:sldId id="334"/>
+          </p14:sldIdLst>
+        </p14:section>
+        <p14:section name="Colors Lab" id="{3DEF2636-1A90-4639-ABFD-29379F8F0940}">
+          <p14:sldIdLst>
+            <p14:sldId id="335"/>
+            <p14:sldId id="336"/>
           </p14:sldIdLst>
         </p14:section>
         <p14:section name="Wrap up" id="{5BBA1A93-B239-4917-BAC7-9CBE7A60C0BF}">
@@ -434,7 +442,7 @@
           <a:p>
             <a:fld id="{3E86CC0F-BBF3-4E07-94E0-0549B7D560A9}" type="datetimeFigureOut">
               <a:rPr lang="en-SG" smtClean="0"/>
-              <a:t>17/7/2014</a:t>
+              <a:t>18/7/2014</a:t>
             </a:fld>
             <a:endParaRPr lang="en-SG"/>
           </a:p>
@@ -1573,7 +1581,7 @@
             <a:fld id="{1D8BD707-D9CF-40AE-B4C6-C98DA3205C09}" type="datetimeFigureOut">
               <a:rPr lang="en-US" smtClean="0"/>
               <a:pPr/>
-              <a:t>7/17/2014</a:t>
+              <a:t>7/18/2014</a:t>
             </a:fld>
             <a:endParaRPr lang="en-US"/>
           </a:p>
@@ -1740,7 +1748,7 @@
             <a:fld id="{1D8BD707-D9CF-40AE-B4C6-C98DA3205C09}" type="datetimeFigureOut">
               <a:rPr lang="en-US" smtClean="0"/>
               <a:pPr/>
-              <a:t>7/17/2014</a:t>
+              <a:t>7/18/2014</a:t>
             </a:fld>
             <a:endParaRPr lang="en-US"/>
           </a:p>
@@ -1917,7 +1925,7 @@
             <a:fld id="{1D8BD707-D9CF-40AE-B4C6-C98DA3205C09}" type="datetimeFigureOut">
               <a:rPr lang="en-US" smtClean="0"/>
               <a:pPr/>
-              <a:t>7/17/2014</a:t>
+              <a:t>7/18/2014</a:t>
             </a:fld>
             <a:endParaRPr lang="en-US"/>
           </a:p>
@@ -2084,7 +2092,7 @@
             <a:fld id="{1D8BD707-D9CF-40AE-B4C6-C98DA3205C09}" type="datetimeFigureOut">
               <a:rPr lang="en-US" smtClean="0"/>
               <a:pPr/>
-              <a:t>7/17/2014</a:t>
+              <a:t>7/18/2014</a:t>
             </a:fld>
             <a:endParaRPr lang="en-US"/>
           </a:p>
@@ -2327,7 +2335,7 @@
             <a:fld id="{1D8BD707-D9CF-40AE-B4C6-C98DA3205C09}" type="datetimeFigureOut">
               <a:rPr lang="en-US" smtClean="0"/>
               <a:pPr/>
-              <a:t>7/17/2014</a:t>
+              <a:t>7/18/2014</a:t>
             </a:fld>
             <a:endParaRPr lang="en-US"/>
           </a:p>
@@ -2612,7 +2620,7 @@
             <a:fld id="{1D8BD707-D9CF-40AE-B4C6-C98DA3205C09}" type="datetimeFigureOut">
               <a:rPr lang="en-US" smtClean="0"/>
               <a:pPr/>
-              <a:t>7/17/2014</a:t>
+              <a:t>7/18/2014</a:t>
             </a:fld>
             <a:endParaRPr lang="en-US"/>
           </a:p>
@@ -3031,7 +3039,7 @@
             <a:fld id="{1D8BD707-D9CF-40AE-B4C6-C98DA3205C09}" type="datetimeFigureOut">
               <a:rPr lang="en-US" smtClean="0"/>
               <a:pPr/>
-              <a:t>7/17/2014</a:t>
+              <a:t>7/18/2014</a:t>
             </a:fld>
             <a:endParaRPr lang="en-US"/>
           </a:p>
@@ -3146,7 +3154,7 @@
             <a:fld id="{1D8BD707-D9CF-40AE-B4C6-C98DA3205C09}" type="datetimeFigureOut">
               <a:rPr lang="en-US" smtClean="0"/>
               <a:pPr/>
-              <a:t>7/17/2014</a:t>
+              <a:t>7/18/2014</a:t>
             </a:fld>
             <a:endParaRPr lang="en-US"/>
           </a:p>
@@ -3238,7 +3246,7 @@
             <a:fld id="{1D8BD707-D9CF-40AE-B4C6-C98DA3205C09}" type="datetimeFigureOut">
               <a:rPr lang="en-US" smtClean="0"/>
               <a:pPr/>
-              <a:t>7/17/2014</a:t>
+              <a:t>7/18/2014</a:t>
             </a:fld>
             <a:endParaRPr lang="en-US"/>
           </a:p>
@@ -3512,7 +3520,7 @@
             <a:fld id="{1D8BD707-D9CF-40AE-B4C6-C98DA3205C09}" type="datetimeFigureOut">
               <a:rPr lang="en-US" smtClean="0"/>
               <a:pPr/>
-              <a:t>7/17/2014</a:t>
+              <a:t>7/18/2014</a:t>
             </a:fld>
             <a:endParaRPr lang="en-US"/>
           </a:p>
@@ -3762,7 +3770,7 @@
             <a:fld id="{1D8BD707-D9CF-40AE-B4C6-C98DA3205C09}" type="datetimeFigureOut">
               <a:rPr lang="en-US" smtClean="0"/>
               <a:pPr/>
-              <a:t>7/17/2014</a:t>
+              <a:t>7/18/2014</a:t>
             </a:fld>
             <a:endParaRPr lang="en-US"/>
           </a:p>
@@ -3972,7 +3980,7 @@
             <a:fld id="{1D8BD707-D9CF-40AE-B4C6-C98DA3205C09}" type="datetimeFigureOut">
               <a:rPr lang="en-US" smtClean="0"/>
               <a:pPr/>
-              <a:t>7/17/2014</a:t>
+              <a:t>7/18/2014</a:t>
             </a:fld>
             <a:endParaRPr lang="en-US"/>
           </a:p>
@@ -16812,6 +16820,1784 @@
       </p:grpSpPr>
       <p:sp>
         <p:nvSpPr>
+          <p:cNvPr id="4" name="[TextBox 3]"/>
+          <p:cNvSpPr txBox="1"/>
+          <p:nvPr/>
+        </p:nvSpPr>
+        <p:spPr>
+          <a:xfrm>
+            <a:off x="3206527" y="3119165"/>
+            <a:ext cx="5928508" cy="369332"/>
+          </a:xfrm>
+          <a:prstGeom prst="rect">
+            <a:avLst/>
+          </a:prstGeom>
+          <a:noFill/>
+        </p:spPr>
+        <p:txBody>
+          <a:bodyPr wrap="square" rtlCol="0">
+            <a:spAutoFit/>
+          </a:bodyPr>
+          <a:lstStyle/>
+          <a:p>
+            <a:r>
+              <a:rPr lang="en-US" dirty="0" smtClean="0">
+                <a:solidFill>
+                  <a:schemeClr val="accent6">
+                    <a:lumMod val="75000"/>
+                  </a:schemeClr>
+                </a:solidFill>
+              </a:rPr>
+              <a:t>Next, let’s try the </a:t>
+            </a:r>
+            <a:r>
+              <a:rPr lang="en-US" b="1" dirty="0" smtClean="0">
+                <a:solidFill>
+                  <a:schemeClr val="accent6">
+                    <a:lumMod val="75000"/>
+                  </a:schemeClr>
+                </a:solidFill>
+              </a:rPr>
+              <a:t>Colors Lab </a:t>
+            </a:r>
+            <a:r>
+              <a:rPr lang="en-US" dirty="0" smtClean="0">
+                <a:solidFill>
+                  <a:schemeClr val="accent6">
+                    <a:lumMod val="75000"/>
+                  </a:schemeClr>
+                </a:solidFill>
+              </a:rPr>
+              <a:t>features</a:t>
+            </a:r>
+            <a:endParaRPr lang="en-SG" dirty="0">
+              <a:solidFill>
+                <a:schemeClr val="accent6">
+                  <a:lumMod val="75000"/>
+                </a:schemeClr>
+              </a:solidFill>
+            </a:endParaRPr>
+          </a:p>
+        </p:txBody>
+      </p:sp>
+      <p:sp>
+        <p:nvSpPr>
+          <p:cNvPr id="15" name="Rectangle 212"/>
+          <p:cNvSpPr/>
+          <p:nvPr/>
+        </p:nvSpPr>
+        <p:spPr>
+          <a:xfrm>
+            <a:off x="2336951" y="2819400"/>
+            <a:ext cx="838200" cy="838200"/>
+          </a:xfrm>
+          <a:prstGeom prst="rect">
+            <a:avLst/>
+          </a:prstGeom>
+          <a:noFill/>
+          <a:ln>
+            <a:noFill/>
+          </a:ln>
+        </p:spPr>
+        <p:style>
+          <a:lnRef idx="2">
+            <a:schemeClr val="accent1">
+              <a:shade val="50000"/>
+            </a:schemeClr>
+          </a:lnRef>
+          <a:fillRef idx="1">
+            <a:schemeClr val="accent1"/>
+          </a:fillRef>
+          <a:effectRef idx="0">
+            <a:schemeClr val="accent1"/>
+          </a:effectRef>
+          <a:fontRef idx="minor">
+            <a:schemeClr val="lt1"/>
+          </a:fontRef>
+        </p:style>
+        <p:txBody>
+          <a:bodyPr rtlCol="0" anchor="ctr"/>
+          <a:lstStyle/>
+          <a:p>
+            <a:pPr algn="ctr"/>
+            <a:endParaRPr lang="en-SG"/>
+          </a:p>
+        </p:txBody>
+      </p:sp>
+      <p:sp>
+        <p:nvSpPr>
+          <p:cNvPr id="17" name="Rectangle 4"/>
+          <p:cNvSpPr/>
+          <p:nvPr/>
+        </p:nvSpPr>
+        <p:spPr>
+          <a:xfrm rot="16200000">
+            <a:off x="2405906" y="2892603"/>
+            <a:ext cx="700291" cy="690781"/>
+          </a:xfrm>
+          <a:custGeom>
+            <a:avLst/>
+            <a:gdLst/>
+            <a:ahLst/>
+            <a:cxnLst/>
+            <a:rect l="l" t="t" r="r" b="b"/>
+            <a:pathLst>
+              <a:path w="1752603" h="1752600">
+                <a:moveTo>
+                  <a:pt x="533400" y="0"/>
+                </a:moveTo>
+                <a:lnTo>
+                  <a:pt x="533403" y="0"/>
+                </a:lnTo>
+                <a:lnTo>
+                  <a:pt x="1066800" y="0"/>
+                </a:lnTo>
+                <a:lnTo>
+                  <a:pt x="1752603" y="0"/>
+                </a:lnTo>
+                <a:lnTo>
+                  <a:pt x="1752603" y="1752600"/>
+                </a:lnTo>
+                <a:lnTo>
+                  <a:pt x="1219203" y="1752600"/>
+                </a:lnTo>
+                <a:lnTo>
+                  <a:pt x="533403" y="1752600"/>
+                </a:lnTo>
+                <a:lnTo>
+                  <a:pt x="3" y="1752600"/>
+                </a:lnTo>
+                <a:lnTo>
+                  <a:pt x="3" y="533430"/>
+                </a:lnTo>
+                <a:cubicBezTo>
+                  <a:pt x="0" y="533420"/>
+                  <a:pt x="0" y="533410"/>
+                  <a:pt x="0" y="533400"/>
+                </a:cubicBezTo>
+                <a:cubicBezTo>
+                  <a:pt x="0" y="238811"/>
+                  <a:pt x="238811" y="0"/>
+                  <a:pt x="533400" y="0"/>
+                </a:cubicBezTo>
+                <a:close/>
+              </a:path>
+            </a:pathLst>
+          </a:custGeom>
+          <a:noFill/>
+          <a:ln w="76200" cmpd="sng">
+            <a:solidFill>
+              <a:srgbClr val="0070C0"/>
+            </a:solidFill>
+            <a:miter lim="800000"/>
+          </a:ln>
+        </p:spPr>
+        <p:style>
+          <a:lnRef idx="2">
+            <a:schemeClr val="accent1">
+              <a:shade val="50000"/>
+            </a:schemeClr>
+          </a:lnRef>
+          <a:fillRef idx="1">
+            <a:schemeClr val="accent1"/>
+          </a:fillRef>
+          <a:effectRef idx="0">
+            <a:schemeClr val="accent1"/>
+          </a:effectRef>
+          <a:fontRef idx="minor">
+            <a:schemeClr val="lt1"/>
+          </a:fontRef>
+        </p:style>
+        <p:txBody>
+          <a:bodyPr rtlCol="0" anchor="ctr"/>
+          <a:lstStyle/>
+          <a:p>
+            <a:pPr algn="ctr"/>
+            <a:endParaRPr lang="en-US"/>
+          </a:p>
+        </p:txBody>
+      </p:sp>
+      <p:sp>
+        <p:nvSpPr>
+          <p:cNvPr id="18" name="Freeform 70"/>
+          <p:cNvSpPr/>
+          <p:nvPr/>
+        </p:nvSpPr>
+        <p:spPr>
+          <a:xfrm>
+            <a:off x="2810529" y="2878437"/>
+            <a:ext cx="282242" cy="315901"/>
+          </a:xfrm>
+          <a:custGeom>
+            <a:avLst/>
+            <a:gdLst>
+              <a:gd name="connsiteX0" fmla="*/ 0 w 266700"/>
+              <a:gd name="connsiteY0" fmla="*/ 23813 h 302419"/>
+              <a:gd name="connsiteX1" fmla="*/ 259556 w 266700"/>
+              <a:gd name="connsiteY1" fmla="*/ 302419 h 302419"/>
+              <a:gd name="connsiteX2" fmla="*/ 266700 w 266700"/>
+              <a:gd name="connsiteY2" fmla="*/ 0 h 302419"/>
+              <a:gd name="connsiteX3" fmla="*/ 0 w 266700"/>
+              <a:gd name="connsiteY3" fmla="*/ 23813 h 302419"/>
+            </a:gdLst>
+            <a:ahLst/>
+            <a:cxnLst>
+              <a:cxn ang="0">
+                <a:pos x="connsiteX0" y="connsiteY0"/>
+              </a:cxn>
+              <a:cxn ang="0">
+                <a:pos x="connsiteX1" y="connsiteY1"/>
+              </a:cxn>
+              <a:cxn ang="0">
+                <a:pos x="connsiteX2" y="connsiteY2"/>
+              </a:cxn>
+              <a:cxn ang="0">
+                <a:pos x="connsiteX3" y="connsiteY3"/>
+              </a:cxn>
+            </a:cxnLst>
+            <a:rect l="l" t="t" r="r" b="b"/>
+            <a:pathLst>
+              <a:path w="266700" h="302419">
+                <a:moveTo>
+                  <a:pt x="0" y="23813"/>
+                </a:moveTo>
+                <a:lnTo>
+                  <a:pt x="259556" y="302419"/>
+                </a:lnTo>
+                <a:lnTo>
+                  <a:pt x="266700" y="0"/>
+                </a:lnTo>
+                <a:lnTo>
+                  <a:pt x="0" y="23813"/>
+                </a:lnTo>
+                <a:close/>
+              </a:path>
+            </a:pathLst>
+          </a:custGeom>
+          <a:solidFill>
+            <a:srgbClr val="0070C0"/>
+          </a:solidFill>
+          <a:ln>
+            <a:noFill/>
+          </a:ln>
+        </p:spPr>
+        <p:style>
+          <a:lnRef idx="2">
+            <a:schemeClr val="accent1">
+              <a:shade val="50000"/>
+            </a:schemeClr>
+          </a:lnRef>
+          <a:fillRef idx="1">
+            <a:schemeClr val="accent1"/>
+          </a:fillRef>
+          <a:effectRef idx="0">
+            <a:schemeClr val="accent1"/>
+          </a:effectRef>
+          <a:fontRef idx="minor">
+            <a:schemeClr val="lt1"/>
+          </a:fontRef>
+        </p:style>
+        <p:txBody>
+          <a:bodyPr rtlCol="0" anchor="ctr"/>
+          <a:lstStyle/>
+          <a:p>
+            <a:pPr algn="ctr"/>
+            <a:endParaRPr lang="en-SG"/>
+          </a:p>
+        </p:txBody>
+      </p:sp>
+      <p:grpSp>
+        <p:nvGrpSpPr>
+          <p:cNvPr id="19" name="Group 69"/>
+          <p:cNvGrpSpPr/>
+          <p:nvPr/>
+        </p:nvGrpSpPr>
+        <p:grpSpPr>
+          <a:xfrm rot="2832674">
+            <a:off x="2559710" y="2958969"/>
+            <a:ext cx="354223" cy="575756"/>
+            <a:chOff x="2833184" y="5597530"/>
+            <a:chExt cx="354106" cy="575566"/>
+          </a:xfrm>
+        </p:grpSpPr>
+        <p:sp>
+          <p:nvSpPr>
+            <p:cNvPr id="20" name="Rounded Rectangle 215"/>
+            <p:cNvSpPr/>
+            <p:nvPr/>
+          </p:nvSpPr>
+          <p:spPr>
+            <a:xfrm>
+              <a:off x="2833184" y="5833301"/>
+              <a:ext cx="354106" cy="339795"/>
+            </a:xfrm>
+            <a:custGeom>
+              <a:avLst/>
+              <a:gdLst>
+                <a:gd name="connsiteX0" fmla="*/ 0 w 277919"/>
+                <a:gd name="connsiteY0" fmla="*/ 0 h 246465"/>
+                <a:gd name="connsiteX1" fmla="*/ 277919 w 277919"/>
+                <a:gd name="connsiteY1" fmla="*/ 0 h 246465"/>
+                <a:gd name="connsiteX2" fmla="*/ 277919 w 277919"/>
+                <a:gd name="connsiteY2" fmla="*/ 29657 h 246465"/>
+                <a:gd name="connsiteX3" fmla="*/ 243947 w 277919"/>
+                <a:gd name="connsiteY3" fmla="*/ 63629 h 246465"/>
+                <a:gd name="connsiteX4" fmla="*/ 168190 w 277919"/>
+                <a:gd name="connsiteY4" fmla="*/ 63629 h 246465"/>
+                <a:gd name="connsiteX5" fmla="*/ 183567 w 277919"/>
+                <a:gd name="connsiteY5" fmla="*/ 246465 h 246465"/>
+                <a:gd name="connsiteX6" fmla="*/ 94350 w 277919"/>
+                <a:gd name="connsiteY6" fmla="*/ 246465 h 246465"/>
+                <a:gd name="connsiteX7" fmla="*/ 109728 w 277919"/>
+                <a:gd name="connsiteY7" fmla="*/ 63629 h 246465"/>
+                <a:gd name="connsiteX8" fmla="*/ 33972 w 277919"/>
+                <a:gd name="connsiteY8" fmla="*/ 63629 h 246465"/>
+                <a:gd name="connsiteX9" fmla="*/ 0 w 277919"/>
+                <a:gd name="connsiteY9" fmla="*/ 29657 h 246465"/>
+                <a:gd name="connsiteX10" fmla="*/ 0 w 277919"/>
+                <a:gd name="connsiteY10" fmla="*/ 0 h 246465"/>
+                <a:gd name="connsiteX0" fmla="*/ 0 w 277919"/>
+                <a:gd name="connsiteY0" fmla="*/ 0 h 246465"/>
+                <a:gd name="connsiteX1" fmla="*/ 277919 w 277919"/>
+                <a:gd name="connsiteY1" fmla="*/ 0 h 246465"/>
+                <a:gd name="connsiteX2" fmla="*/ 277919 w 277919"/>
+                <a:gd name="connsiteY2" fmla="*/ 29657 h 246465"/>
+                <a:gd name="connsiteX3" fmla="*/ 243947 w 277919"/>
+                <a:gd name="connsiteY3" fmla="*/ 63629 h 246465"/>
+                <a:gd name="connsiteX4" fmla="*/ 168190 w 277919"/>
+                <a:gd name="connsiteY4" fmla="*/ 63629 h 246465"/>
+                <a:gd name="connsiteX5" fmla="*/ 183567 w 277919"/>
+                <a:gd name="connsiteY5" fmla="*/ 246465 h 246465"/>
+                <a:gd name="connsiteX6" fmla="*/ 94350 w 277919"/>
+                <a:gd name="connsiteY6" fmla="*/ 246465 h 246465"/>
+                <a:gd name="connsiteX7" fmla="*/ 109728 w 277919"/>
+                <a:gd name="connsiteY7" fmla="*/ 63629 h 246465"/>
+                <a:gd name="connsiteX8" fmla="*/ 33972 w 277919"/>
+                <a:gd name="connsiteY8" fmla="*/ 63629 h 246465"/>
+                <a:gd name="connsiteX9" fmla="*/ 0 w 277919"/>
+                <a:gd name="connsiteY9" fmla="*/ 29657 h 246465"/>
+                <a:gd name="connsiteX10" fmla="*/ 0 w 277919"/>
+                <a:gd name="connsiteY10" fmla="*/ 0 h 246465"/>
+              </a:gdLst>
+              <a:ahLst/>
+              <a:cxnLst>
+                <a:cxn ang="0">
+                  <a:pos x="connsiteX0" y="connsiteY0"/>
+                </a:cxn>
+                <a:cxn ang="0">
+                  <a:pos x="connsiteX1" y="connsiteY1"/>
+                </a:cxn>
+                <a:cxn ang="0">
+                  <a:pos x="connsiteX2" y="connsiteY2"/>
+                </a:cxn>
+                <a:cxn ang="0">
+                  <a:pos x="connsiteX3" y="connsiteY3"/>
+                </a:cxn>
+                <a:cxn ang="0">
+                  <a:pos x="connsiteX4" y="connsiteY4"/>
+                </a:cxn>
+                <a:cxn ang="0">
+                  <a:pos x="connsiteX5" y="connsiteY5"/>
+                </a:cxn>
+                <a:cxn ang="0">
+                  <a:pos x="connsiteX6" y="connsiteY6"/>
+                </a:cxn>
+                <a:cxn ang="0">
+                  <a:pos x="connsiteX7" y="connsiteY7"/>
+                </a:cxn>
+                <a:cxn ang="0">
+                  <a:pos x="connsiteX8" y="connsiteY8"/>
+                </a:cxn>
+                <a:cxn ang="0">
+                  <a:pos x="connsiteX9" y="connsiteY9"/>
+                </a:cxn>
+                <a:cxn ang="0">
+                  <a:pos x="connsiteX10" y="connsiteY10"/>
+                </a:cxn>
+              </a:cxnLst>
+              <a:rect l="l" t="t" r="r" b="b"/>
+              <a:pathLst>
+                <a:path w="277919" h="246465">
+                  <a:moveTo>
+                    <a:pt x="0" y="0"/>
+                  </a:moveTo>
+                  <a:lnTo>
+                    <a:pt x="277919" y="0"/>
+                  </a:lnTo>
+                  <a:lnTo>
+                    <a:pt x="277919" y="29657"/>
+                  </a:lnTo>
+                  <a:cubicBezTo>
+                    <a:pt x="277919" y="48419"/>
+                    <a:pt x="262709" y="63629"/>
+                    <a:pt x="243947" y="63629"/>
+                  </a:cubicBezTo>
+                  <a:lnTo>
+                    <a:pt x="168190" y="63629"/>
+                  </a:lnTo>
+                  <a:cubicBezTo>
+                    <a:pt x="158127" y="94102"/>
+                    <a:pt x="195874" y="215992"/>
+                    <a:pt x="183567" y="246465"/>
+                  </a:cubicBezTo>
+                  <a:cubicBezTo>
+                    <a:pt x="171260" y="276938"/>
+                    <a:pt x="106657" y="276938"/>
+                    <a:pt x="94350" y="246465"/>
+                  </a:cubicBezTo>
+                  <a:cubicBezTo>
+                    <a:pt x="82043" y="215992"/>
+                    <a:pt x="119791" y="94102"/>
+                    <a:pt x="109728" y="63629"/>
+                  </a:cubicBezTo>
+                  <a:lnTo>
+                    <a:pt x="33972" y="63629"/>
+                  </a:lnTo>
+                  <a:cubicBezTo>
+                    <a:pt x="15210" y="63629"/>
+                    <a:pt x="0" y="48419"/>
+                    <a:pt x="0" y="29657"/>
+                  </a:cubicBezTo>
+                  <a:lnTo>
+                    <a:pt x="0" y="0"/>
+                  </a:lnTo>
+                  <a:close/>
+                </a:path>
+              </a:pathLst>
+            </a:custGeom>
+            <a:solidFill>
+              <a:schemeClr val="accent6"/>
+            </a:solidFill>
+            <a:ln w="19050">
+              <a:solidFill>
+                <a:schemeClr val="bg1"/>
+              </a:solidFill>
+            </a:ln>
+            <a:effectLst/>
+          </p:spPr>
+          <p:style>
+            <a:lnRef idx="2">
+              <a:schemeClr val="accent1">
+                <a:shade val="50000"/>
+              </a:schemeClr>
+            </a:lnRef>
+            <a:fillRef idx="1">
+              <a:schemeClr val="accent1"/>
+            </a:fillRef>
+            <a:effectRef idx="0">
+              <a:schemeClr val="accent1"/>
+            </a:effectRef>
+            <a:fontRef idx="minor">
+              <a:schemeClr val="lt1"/>
+            </a:fontRef>
+          </p:style>
+          <p:txBody>
+            <a:bodyPr rtlCol="0" anchor="ctr"/>
+            <a:lstStyle/>
+            <a:p>
+              <a:pPr algn="ctr"/>
+              <a:endParaRPr lang="en-SG"/>
+            </a:p>
+          </p:txBody>
+        </p:sp>
+        <p:sp>
+          <p:nvSpPr>
+            <p:cNvPr id="21" name="Rectangle 67"/>
+            <p:cNvSpPr/>
+            <p:nvPr/>
+          </p:nvSpPr>
+          <p:spPr>
+            <a:xfrm>
+              <a:off x="2833184" y="5597530"/>
+              <a:ext cx="354106" cy="230801"/>
+            </a:xfrm>
+            <a:prstGeom prst="rect">
+              <a:avLst/>
+            </a:prstGeom>
+            <a:solidFill>
+              <a:srgbClr val="0070C0"/>
+            </a:solidFill>
+            <a:ln w="19050">
+              <a:solidFill>
+                <a:schemeClr val="bg1"/>
+              </a:solidFill>
+            </a:ln>
+            <a:effectLst/>
+          </p:spPr>
+          <p:style>
+            <a:lnRef idx="2">
+              <a:schemeClr val="accent1">
+                <a:shade val="50000"/>
+              </a:schemeClr>
+            </a:lnRef>
+            <a:fillRef idx="1">
+              <a:schemeClr val="accent1"/>
+            </a:fillRef>
+            <a:effectRef idx="0">
+              <a:schemeClr val="accent1"/>
+            </a:effectRef>
+            <a:fontRef idx="minor">
+              <a:schemeClr val="lt1"/>
+            </a:fontRef>
+          </p:style>
+          <p:txBody>
+            <a:bodyPr rtlCol="0" anchor="ctr"/>
+            <a:lstStyle/>
+            <a:p>
+              <a:pPr algn="ctr"/>
+              <a:endParaRPr lang="en-SG"/>
+            </a:p>
+          </p:txBody>
+        </p:sp>
+        <p:sp>
+          <p:nvSpPr>
+            <p:cNvPr id="22" name="Flowchart: Manual Input 68"/>
+            <p:cNvSpPr/>
+            <p:nvPr/>
+          </p:nvSpPr>
+          <p:spPr>
+            <a:xfrm>
+              <a:off x="2833184" y="5657689"/>
+              <a:ext cx="354106" cy="175610"/>
+            </a:xfrm>
+            <a:custGeom>
+              <a:avLst/>
+              <a:gdLst>
+                <a:gd name="connsiteX0" fmla="*/ 0 w 10000"/>
+                <a:gd name="connsiteY0" fmla="*/ 2000 h 10000"/>
+                <a:gd name="connsiteX1" fmla="*/ 10000 w 10000"/>
+                <a:gd name="connsiteY1" fmla="*/ 0 h 10000"/>
+                <a:gd name="connsiteX2" fmla="*/ 10000 w 10000"/>
+                <a:gd name="connsiteY2" fmla="*/ 10000 h 10000"/>
+                <a:gd name="connsiteX3" fmla="*/ 0 w 10000"/>
+                <a:gd name="connsiteY3" fmla="*/ 10000 h 10000"/>
+                <a:gd name="connsiteX4" fmla="*/ 0 w 10000"/>
+                <a:gd name="connsiteY4" fmla="*/ 2000 h 10000"/>
+                <a:gd name="connsiteX0" fmla="*/ 0 w 10000"/>
+                <a:gd name="connsiteY0" fmla="*/ 2000 h 10000"/>
+                <a:gd name="connsiteX1" fmla="*/ 2906 w 10000"/>
+                <a:gd name="connsiteY1" fmla="*/ 1528 h 10000"/>
+                <a:gd name="connsiteX2" fmla="*/ 10000 w 10000"/>
+                <a:gd name="connsiteY2" fmla="*/ 0 h 10000"/>
+                <a:gd name="connsiteX3" fmla="*/ 10000 w 10000"/>
+                <a:gd name="connsiteY3" fmla="*/ 10000 h 10000"/>
+                <a:gd name="connsiteX4" fmla="*/ 0 w 10000"/>
+                <a:gd name="connsiteY4" fmla="*/ 10000 h 10000"/>
+                <a:gd name="connsiteX5" fmla="*/ 0 w 10000"/>
+                <a:gd name="connsiteY5" fmla="*/ 2000 h 10000"/>
+                <a:gd name="connsiteX0" fmla="*/ 0 w 10000"/>
+                <a:gd name="connsiteY0" fmla="*/ 2000 h 10000"/>
+                <a:gd name="connsiteX1" fmla="*/ 2906 w 10000"/>
+                <a:gd name="connsiteY1" fmla="*/ 1528 h 10000"/>
+                <a:gd name="connsiteX2" fmla="*/ 6470 w 10000"/>
+                <a:gd name="connsiteY2" fmla="*/ 652 h 10000"/>
+                <a:gd name="connsiteX3" fmla="*/ 10000 w 10000"/>
+                <a:gd name="connsiteY3" fmla="*/ 0 h 10000"/>
+                <a:gd name="connsiteX4" fmla="*/ 10000 w 10000"/>
+                <a:gd name="connsiteY4" fmla="*/ 10000 h 10000"/>
+                <a:gd name="connsiteX5" fmla="*/ 0 w 10000"/>
+                <a:gd name="connsiteY5" fmla="*/ 10000 h 10000"/>
+                <a:gd name="connsiteX6" fmla="*/ 0 w 10000"/>
+                <a:gd name="connsiteY6" fmla="*/ 2000 h 10000"/>
+                <a:gd name="connsiteX0" fmla="*/ 0 w 10000"/>
+                <a:gd name="connsiteY0" fmla="*/ 7262 h 15262"/>
+                <a:gd name="connsiteX1" fmla="*/ 2906 w 10000"/>
+                <a:gd name="connsiteY1" fmla="*/ 6790 h 15262"/>
+                <a:gd name="connsiteX2" fmla="*/ 6470 w 10000"/>
+                <a:gd name="connsiteY2" fmla="*/ 0 h 15262"/>
+                <a:gd name="connsiteX3" fmla="*/ 10000 w 10000"/>
+                <a:gd name="connsiteY3" fmla="*/ 5262 h 15262"/>
+                <a:gd name="connsiteX4" fmla="*/ 10000 w 10000"/>
+                <a:gd name="connsiteY4" fmla="*/ 15262 h 15262"/>
+                <a:gd name="connsiteX5" fmla="*/ 0 w 10000"/>
+                <a:gd name="connsiteY5" fmla="*/ 15262 h 15262"/>
+                <a:gd name="connsiteX6" fmla="*/ 0 w 10000"/>
+                <a:gd name="connsiteY6" fmla="*/ 7262 h 15262"/>
+                <a:gd name="connsiteX0" fmla="*/ 0 w 10000"/>
+                <a:gd name="connsiteY0" fmla="*/ 7262 h 15262"/>
+                <a:gd name="connsiteX1" fmla="*/ 2772 w 10000"/>
+                <a:gd name="connsiteY1" fmla="*/ 3943 h 15262"/>
+                <a:gd name="connsiteX2" fmla="*/ 6470 w 10000"/>
+                <a:gd name="connsiteY2" fmla="*/ 0 h 15262"/>
+                <a:gd name="connsiteX3" fmla="*/ 10000 w 10000"/>
+                <a:gd name="connsiteY3" fmla="*/ 5262 h 15262"/>
+                <a:gd name="connsiteX4" fmla="*/ 10000 w 10000"/>
+                <a:gd name="connsiteY4" fmla="*/ 15262 h 15262"/>
+                <a:gd name="connsiteX5" fmla="*/ 0 w 10000"/>
+                <a:gd name="connsiteY5" fmla="*/ 15262 h 15262"/>
+                <a:gd name="connsiteX6" fmla="*/ 0 w 10000"/>
+                <a:gd name="connsiteY6" fmla="*/ 7262 h 15262"/>
+                <a:gd name="connsiteX0" fmla="*/ 0 w 10000"/>
+                <a:gd name="connsiteY0" fmla="*/ 7262 h 15262"/>
+                <a:gd name="connsiteX1" fmla="*/ 2772 w 10000"/>
+                <a:gd name="connsiteY1" fmla="*/ 3943 h 15262"/>
+                <a:gd name="connsiteX2" fmla="*/ 4453 w 10000"/>
+                <a:gd name="connsiteY2" fmla="*/ 2190 h 15262"/>
+                <a:gd name="connsiteX3" fmla="*/ 6470 w 10000"/>
+                <a:gd name="connsiteY3" fmla="*/ 0 h 15262"/>
+                <a:gd name="connsiteX4" fmla="*/ 10000 w 10000"/>
+                <a:gd name="connsiteY4" fmla="*/ 5262 h 15262"/>
+                <a:gd name="connsiteX5" fmla="*/ 10000 w 10000"/>
+                <a:gd name="connsiteY5" fmla="*/ 15262 h 15262"/>
+                <a:gd name="connsiteX6" fmla="*/ 0 w 10000"/>
+                <a:gd name="connsiteY6" fmla="*/ 15262 h 15262"/>
+                <a:gd name="connsiteX7" fmla="*/ 0 w 10000"/>
+                <a:gd name="connsiteY7" fmla="*/ 7262 h 15262"/>
+                <a:gd name="connsiteX0" fmla="*/ 0 w 10000"/>
+                <a:gd name="connsiteY0" fmla="*/ 7262 h 15262"/>
+                <a:gd name="connsiteX1" fmla="*/ 2772 w 10000"/>
+                <a:gd name="connsiteY1" fmla="*/ 3943 h 15262"/>
+                <a:gd name="connsiteX2" fmla="*/ 4722 w 10000"/>
+                <a:gd name="connsiteY2" fmla="*/ 3942 h 15262"/>
+                <a:gd name="connsiteX3" fmla="*/ 6470 w 10000"/>
+                <a:gd name="connsiteY3" fmla="*/ 0 h 15262"/>
+                <a:gd name="connsiteX4" fmla="*/ 10000 w 10000"/>
+                <a:gd name="connsiteY4" fmla="*/ 5262 h 15262"/>
+                <a:gd name="connsiteX5" fmla="*/ 10000 w 10000"/>
+                <a:gd name="connsiteY5" fmla="*/ 15262 h 15262"/>
+                <a:gd name="connsiteX6" fmla="*/ 0 w 10000"/>
+                <a:gd name="connsiteY6" fmla="*/ 15262 h 15262"/>
+                <a:gd name="connsiteX7" fmla="*/ 0 w 10000"/>
+                <a:gd name="connsiteY7" fmla="*/ 7262 h 15262"/>
+                <a:gd name="connsiteX0" fmla="*/ 0 w 10000"/>
+                <a:gd name="connsiteY0" fmla="*/ 7262 h 15262"/>
+                <a:gd name="connsiteX1" fmla="*/ 2772 w 10000"/>
+                <a:gd name="connsiteY1" fmla="*/ 3943 h 15262"/>
+                <a:gd name="connsiteX2" fmla="*/ 4722 w 10000"/>
+                <a:gd name="connsiteY2" fmla="*/ 3942 h 15262"/>
+                <a:gd name="connsiteX3" fmla="*/ 6470 w 10000"/>
+                <a:gd name="connsiteY3" fmla="*/ 0 h 15262"/>
+                <a:gd name="connsiteX4" fmla="*/ 10000 w 10000"/>
+                <a:gd name="connsiteY4" fmla="*/ 5262 h 15262"/>
+                <a:gd name="connsiteX5" fmla="*/ 10000 w 10000"/>
+                <a:gd name="connsiteY5" fmla="*/ 15262 h 15262"/>
+                <a:gd name="connsiteX6" fmla="*/ 0 w 10000"/>
+                <a:gd name="connsiteY6" fmla="*/ 15262 h 15262"/>
+                <a:gd name="connsiteX7" fmla="*/ 0 w 10000"/>
+                <a:gd name="connsiteY7" fmla="*/ 7262 h 15262"/>
+                <a:gd name="connsiteX0" fmla="*/ 0 w 10000"/>
+                <a:gd name="connsiteY0" fmla="*/ 7262 h 15262"/>
+                <a:gd name="connsiteX1" fmla="*/ 2772 w 10000"/>
+                <a:gd name="connsiteY1" fmla="*/ 3943 h 15262"/>
+                <a:gd name="connsiteX2" fmla="*/ 4722 w 10000"/>
+                <a:gd name="connsiteY2" fmla="*/ 3942 h 15262"/>
+                <a:gd name="connsiteX3" fmla="*/ 6470 w 10000"/>
+                <a:gd name="connsiteY3" fmla="*/ 0 h 15262"/>
+                <a:gd name="connsiteX4" fmla="*/ 10000 w 10000"/>
+                <a:gd name="connsiteY4" fmla="*/ 5262 h 15262"/>
+                <a:gd name="connsiteX5" fmla="*/ 10000 w 10000"/>
+                <a:gd name="connsiteY5" fmla="*/ 15262 h 15262"/>
+                <a:gd name="connsiteX6" fmla="*/ 0 w 10000"/>
+                <a:gd name="connsiteY6" fmla="*/ 15262 h 15262"/>
+                <a:gd name="connsiteX7" fmla="*/ 0 w 10000"/>
+                <a:gd name="connsiteY7" fmla="*/ 7262 h 15262"/>
+                <a:gd name="connsiteX0" fmla="*/ 0 w 10000"/>
+                <a:gd name="connsiteY0" fmla="*/ 7518 h 15518"/>
+                <a:gd name="connsiteX1" fmla="*/ 2772 w 10000"/>
+                <a:gd name="connsiteY1" fmla="*/ 4199 h 15518"/>
+                <a:gd name="connsiteX2" fmla="*/ 4722 w 10000"/>
+                <a:gd name="connsiteY2" fmla="*/ 4198 h 15518"/>
+                <a:gd name="connsiteX3" fmla="*/ 6470 w 10000"/>
+                <a:gd name="connsiteY3" fmla="*/ 256 h 15518"/>
+                <a:gd name="connsiteX4" fmla="*/ 10000 w 10000"/>
+                <a:gd name="connsiteY4" fmla="*/ 5518 h 15518"/>
+                <a:gd name="connsiteX5" fmla="*/ 10000 w 10000"/>
+                <a:gd name="connsiteY5" fmla="*/ 15518 h 15518"/>
+                <a:gd name="connsiteX6" fmla="*/ 0 w 10000"/>
+                <a:gd name="connsiteY6" fmla="*/ 15518 h 15518"/>
+                <a:gd name="connsiteX7" fmla="*/ 0 w 10000"/>
+                <a:gd name="connsiteY7" fmla="*/ 7518 h 15518"/>
+                <a:gd name="connsiteX0" fmla="*/ 0 w 10000"/>
+                <a:gd name="connsiteY0" fmla="*/ 7518 h 15518"/>
+                <a:gd name="connsiteX1" fmla="*/ 2772 w 10000"/>
+                <a:gd name="connsiteY1" fmla="*/ 4199 h 15518"/>
+                <a:gd name="connsiteX2" fmla="*/ 4722 w 10000"/>
+                <a:gd name="connsiteY2" fmla="*/ 4198 h 15518"/>
+                <a:gd name="connsiteX3" fmla="*/ 6470 w 10000"/>
+                <a:gd name="connsiteY3" fmla="*/ 256 h 15518"/>
+                <a:gd name="connsiteX4" fmla="*/ 10000 w 10000"/>
+                <a:gd name="connsiteY4" fmla="*/ 5518 h 15518"/>
+                <a:gd name="connsiteX5" fmla="*/ 10000 w 10000"/>
+                <a:gd name="connsiteY5" fmla="*/ 15518 h 15518"/>
+                <a:gd name="connsiteX6" fmla="*/ 0 w 10000"/>
+                <a:gd name="connsiteY6" fmla="*/ 15518 h 15518"/>
+                <a:gd name="connsiteX7" fmla="*/ 0 w 10000"/>
+                <a:gd name="connsiteY7" fmla="*/ 7518 h 15518"/>
+                <a:gd name="connsiteX0" fmla="*/ 0 w 10000"/>
+                <a:gd name="connsiteY0" fmla="*/ 7282 h 15282"/>
+                <a:gd name="connsiteX1" fmla="*/ 2772 w 10000"/>
+                <a:gd name="connsiteY1" fmla="*/ 3963 h 15282"/>
+                <a:gd name="connsiteX2" fmla="*/ 4722 w 10000"/>
+                <a:gd name="connsiteY2" fmla="*/ 7028 h 15282"/>
+                <a:gd name="connsiteX3" fmla="*/ 6470 w 10000"/>
+                <a:gd name="connsiteY3" fmla="*/ 20 h 15282"/>
+                <a:gd name="connsiteX4" fmla="*/ 10000 w 10000"/>
+                <a:gd name="connsiteY4" fmla="*/ 5282 h 15282"/>
+                <a:gd name="connsiteX5" fmla="*/ 10000 w 10000"/>
+                <a:gd name="connsiteY5" fmla="*/ 15282 h 15282"/>
+                <a:gd name="connsiteX6" fmla="*/ 0 w 10000"/>
+                <a:gd name="connsiteY6" fmla="*/ 15282 h 15282"/>
+                <a:gd name="connsiteX7" fmla="*/ 0 w 10000"/>
+                <a:gd name="connsiteY7" fmla="*/ 7282 h 15282"/>
+                <a:gd name="connsiteX0" fmla="*/ 0 w 10000"/>
+                <a:gd name="connsiteY0" fmla="*/ 7282 h 15282"/>
+                <a:gd name="connsiteX1" fmla="*/ 2772 w 10000"/>
+                <a:gd name="connsiteY1" fmla="*/ 3963 h 15282"/>
+                <a:gd name="connsiteX2" fmla="*/ 4722 w 10000"/>
+                <a:gd name="connsiteY2" fmla="*/ 7028 h 15282"/>
+                <a:gd name="connsiteX3" fmla="*/ 6470 w 10000"/>
+                <a:gd name="connsiteY3" fmla="*/ 20 h 15282"/>
+                <a:gd name="connsiteX4" fmla="*/ 10000 w 10000"/>
+                <a:gd name="connsiteY4" fmla="*/ 5282 h 15282"/>
+                <a:gd name="connsiteX5" fmla="*/ 10000 w 10000"/>
+                <a:gd name="connsiteY5" fmla="*/ 15282 h 15282"/>
+                <a:gd name="connsiteX6" fmla="*/ 0 w 10000"/>
+                <a:gd name="connsiteY6" fmla="*/ 15282 h 15282"/>
+                <a:gd name="connsiteX7" fmla="*/ 0 w 10000"/>
+                <a:gd name="connsiteY7" fmla="*/ 7282 h 15282"/>
+                <a:gd name="connsiteX0" fmla="*/ 0 w 10000"/>
+                <a:gd name="connsiteY0" fmla="*/ 8153 h 16153"/>
+                <a:gd name="connsiteX1" fmla="*/ 2772 w 10000"/>
+                <a:gd name="connsiteY1" fmla="*/ 4834 h 16153"/>
+                <a:gd name="connsiteX2" fmla="*/ 4722 w 10000"/>
+                <a:gd name="connsiteY2" fmla="*/ 7899 h 16153"/>
+                <a:gd name="connsiteX3" fmla="*/ 6941 w 10000"/>
+                <a:gd name="connsiteY3" fmla="*/ 15 h 16153"/>
+                <a:gd name="connsiteX4" fmla="*/ 10000 w 10000"/>
+                <a:gd name="connsiteY4" fmla="*/ 6153 h 16153"/>
+                <a:gd name="connsiteX5" fmla="*/ 10000 w 10000"/>
+                <a:gd name="connsiteY5" fmla="*/ 16153 h 16153"/>
+                <a:gd name="connsiteX6" fmla="*/ 0 w 10000"/>
+                <a:gd name="connsiteY6" fmla="*/ 16153 h 16153"/>
+                <a:gd name="connsiteX7" fmla="*/ 0 w 10000"/>
+                <a:gd name="connsiteY7" fmla="*/ 8153 h 16153"/>
+                <a:gd name="connsiteX0" fmla="*/ 0 w 10000"/>
+                <a:gd name="connsiteY0" fmla="*/ 8153 h 16153"/>
+                <a:gd name="connsiteX1" fmla="*/ 2100 w 10000"/>
+                <a:gd name="connsiteY1" fmla="*/ 3958 h 16153"/>
+                <a:gd name="connsiteX2" fmla="*/ 4722 w 10000"/>
+                <a:gd name="connsiteY2" fmla="*/ 7899 h 16153"/>
+                <a:gd name="connsiteX3" fmla="*/ 6941 w 10000"/>
+                <a:gd name="connsiteY3" fmla="*/ 15 h 16153"/>
+                <a:gd name="connsiteX4" fmla="*/ 10000 w 10000"/>
+                <a:gd name="connsiteY4" fmla="*/ 6153 h 16153"/>
+                <a:gd name="connsiteX5" fmla="*/ 10000 w 10000"/>
+                <a:gd name="connsiteY5" fmla="*/ 16153 h 16153"/>
+                <a:gd name="connsiteX6" fmla="*/ 0 w 10000"/>
+                <a:gd name="connsiteY6" fmla="*/ 16153 h 16153"/>
+                <a:gd name="connsiteX7" fmla="*/ 0 w 10000"/>
+                <a:gd name="connsiteY7" fmla="*/ 8153 h 16153"/>
+              </a:gdLst>
+              <a:ahLst/>
+              <a:cxnLst>
+                <a:cxn ang="0">
+                  <a:pos x="connsiteX0" y="connsiteY0"/>
+                </a:cxn>
+                <a:cxn ang="0">
+                  <a:pos x="connsiteX1" y="connsiteY1"/>
+                </a:cxn>
+                <a:cxn ang="0">
+                  <a:pos x="connsiteX2" y="connsiteY2"/>
+                </a:cxn>
+                <a:cxn ang="0">
+                  <a:pos x="connsiteX3" y="connsiteY3"/>
+                </a:cxn>
+                <a:cxn ang="0">
+                  <a:pos x="connsiteX4" y="connsiteY4"/>
+                </a:cxn>
+                <a:cxn ang="0">
+                  <a:pos x="connsiteX5" y="connsiteY5"/>
+                </a:cxn>
+                <a:cxn ang="0">
+                  <a:pos x="connsiteX6" y="connsiteY6"/>
+                </a:cxn>
+                <a:cxn ang="0">
+                  <a:pos x="connsiteX7" y="connsiteY7"/>
+                </a:cxn>
+              </a:cxnLst>
+              <a:rect l="l" t="t" r="r" b="b"/>
+              <a:pathLst>
+                <a:path w="10000" h="16153">
+                  <a:moveTo>
+                    <a:pt x="0" y="8153"/>
+                  </a:moveTo>
+                  <a:cubicBezTo>
+                    <a:pt x="462" y="6267"/>
+                    <a:pt x="1313" y="4000"/>
+                    <a:pt x="2100" y="3958"/>
+                  </a:cubicBezTo>
+                  <a:cubicBezTo>
+                    <a:pt x="2887" y="3916"/>
+                    <a:pt x="3915" y="8556"/>
+                    <a:pt x="4722" y="7899"/>
+                  </a:cubicBezTo>
+                  <a:cubicBezTo>
+                    <a:pt x="5529" y="7242"/>
+                    <a:pt x="6061" y="306"/>
+                    <a:pt x="6941" y="15"/>
+                  </a:cubicBezTo>
+                  <a:cubicBezTo>
+                    <a:pt x="7821" y="-276"/>
+                    <a:pt x="9412" y="3609"/>
+                    <a:pt x="10000" y="6153"/>
+                  </a:cubicBezTo>
+                  <a:lnTo>
+                    <a:pt x="10000" y="16153"/>
+                  </a:lnTo>
+                  <a:lnTo>
+                    <a:pt x="0" y="16153"/>
+                  </a:lnTo>
+                  <a:lnTo>
+                    <a:pt x="0" y="8153"/>
+                  </a:lnTo>
+                  <a:close/>
+                </a:path>
+              </a:pathLst>
+            </a:custGeom>
+            <a:solidFill>
+              <a:schemeClr val="accent6"/>
+            </a:solidFill>
+            <a:ln w="19050">
+              <a:solidFill>
+                <a:schemeClr val="bg1"/>
+              </a:solidFill>
+            </a:ln>
+            <a:effectLst/>
+          </p:spPr>
+          <p:style>
+            <a:lnRef idx="2">
+              <a:schemeClr val="accent1">
+                <a:shade val="50000"/>
+              </a:schemeClr>
+            </a:lnRef>
+            <a:fillRef idx="1">
+              <a:schemeClr val="accent1"/>
+            </a:fillRef>
+            <a:effectRef idx="0">
+              <a:schemeClr val="accent1"/>
+            </a:effectRef>
+            <a:fontRef idx="minor">
+              <a:schemeClr val="lt1"/>
+            </a:fontRef>
+          </p:style>
+          <p:txBody>
+            <a:bodyPr rtlCol="0" anchor="ctr"/>
+            <a:lstStyle/>
+            <a:p>
+              <a:pPr algn="ctr"/>
+              <a:endParaRPr lang="en-SG"/>
+            </a:p>
+          </p:txBody>
+        </p:sp>
+      </p:grpSp>
+    </p:spTree>
+    <p:extLst>
+      <p:ext uri="{BB962C8B-B14F-4D97-AF65-F5344CB8AC3E}">
+        <p14:creationId xmlns:p14="http://schemas.microsoft.com/office/powerpoint/2010/main" val="3929389005"/>
+      </p:ext>
+    </p:extLst>
+  </p:cSld>
+  <p:clrMapOvr>
+    <a:masterClrMapping/>
+  </p:clrMapOvr>
+</p:sld>
+</file>
+
+<file path=ppt/slides/slide31.xml><?xml version="1.0" encoding="utf-8"?>
+<p:sld xmlns:a="http://schemas.openxmlformats.org/drawingml/2006/main" xmlns:r="http://schemas.openxmlformats.org/officeDocument/2006/relationships" xmlns:p="http://schemas.openxmlformats.org/presentationml/2006/main">
+  <p:cSld>
+    <p:spTree>
+      <p:nvGrpSpPr>
+        <p:cNvPr id="1" name=""/>
+        <p:cNvGrpSpPr/>
+        <p:nvPr/>
+      </p:nvGrpSpPr>
+      <p:grpSpPr>
+        <a:xfrm>
+          <a:off x="0" y="0"/>
+          <a:ext cx="0" cy="0"/>
+          <a:chOff x="0" y="0"/>
+          <a:chExt cx="0" cy="0"/>
+        </a:xfrm>
+      </p:grpSpPr>
+      <p:pic>
+        <p:nvPicPr>
+          <p:cNvPr id="6" name="图片 5"/>
+          <p:cNvPicPr>
+            <a:picLocks noChangeAspect="1"/>
+          </p:cNvPicPr>
+          <p:nvPr/>
+        </p:nvPicPr>
+        <p:blipFill>
+          <a:blip r:embed="rId2">
+            <a:extLst>
+              <a:ext uri="{28A0092B-C50C-407E-A947-70E740481C1C}">
+                <a14:useLocalDpi xmlns:a14="http://schemas.microsoft.com/office/drawing/2010/main" val="0"/>
+              </a:ext>
+            </a:extLst>
+          </a:blip>
+          <a:stretch>
+            <a:fillRect/>
+          </a:stretch>
+        </p:blipFill>
+        <p:spPr>
+          <a:xfrm>
+            <a:off x="5715000" y="457200"/>
+            <a:ext cx="3208953" cy="5952409"/>
+          </a:xfrm>
+          <a:prstGeom prst="rect">
+            <a:avLst/>
+          </a:prstGeom>
+        </p:spPr>
+      </p:pic>
+      <p:sp>
+        <p:nvSpPr>
+          <p:cNvPr id="7" name="[TextBox 6]"/>
+          <p:cNvSpPr txBox="1"/>
+          <p:nvPr/>
+        </p:nvSpPr>
+        <p:spPr>
+          <a:xfrm>
+            <a:off x="685800" y="1044410"/>
+            <a:ext cx="5105400" cy="1354217"/>
+          </a:xfrm>
+          <a:prstGeom prst="rect">
+            <a:avLst/>
+          </a:prstGeom>
+          <a:noFill/>
+        </p:spPr>
+        <p:txBody>
+          <a:bodyPr wrap="square" rtlCol="0">
+            <a:spAutoFit/>
+          </a:bodyPr>
+          <a:lstStyle/>
+          <a:p>
+            <a:r>
+              <a:rPr lang="en-US" sz="2800" b="1" dirty="0" smtClean="0">
+                <a:solidFill>
+                  <a:schemeClr val="accent6">
+                    <a:lumMod val="75000"/>
+                  </a:schemeClr>
+                </a:solidFill>
+              </a:rPr>
+              <a:t>1.</a:t>
+            </a:r>
+            <a:r>
+              <a:rPr lang="en-US" dirty="0" smtClean="0">
+                <a:solidFill>
+                  <a:schemeClr val="accent6">
+                    <a:lumMod val="75000"/>
+                  </a:schemeClr>
+                </a:solidFill>
+              </a:rPr>
+              <a:t> Click the               button.</a:t>
+            </a:r>
+          </a:p>
+          <a:p>
+            <a:r>
+              <a:rPr lang="en-US" dirty="0" smtClean="0">
+                <a:solidFill>
+                  <a:schemeClr val="accent6">
+                    <a:lumMod val="75000"/>
+                  </a:schemeClr>
+                </a:solidFill>
+              </a:rPr>
+              <a:t/>
+            </a:r>
+            <a:br>
+              <a:rPr lang="en-US" dirty="0" smtClean="0">
+                <a:solidFill>
+                  <a:schemeClr val="accent6">
+                    <a:lumMod val="75000"/>
+                  </a:schemeClr>
+                </a:solidFill>
+              </a:rPr>
+            </a:br>
+            <a:r>
+              <a:rPr lang="en-US" dirty="0" smtClean="0">
+                <a:solidFill>
+                  <a:schemeClr val="accent6">
+                    <a:lumMod val="75000"/>
+                  </a:schemeClr>
+                </a:solidFill>
+              </a:rPr>
+              <a:t>It will show  the </a:t>
+            </a:r>
+            <a:r>
+              <a:rPr lang="en-US" b="1" dirty="0" smtClean="0">
+                <a:solidFill>
+                  <a:schemeClr val="accent6">
+                    <a:lumMod val="75000"/>
+                  </a:schemeClr>
+                </a:solidFill>
+              </a:rPr>
+              <a:t>Colors Lab Panel</a:t>
+            </a:r>
+            <a:r>
+              <a:rPr lang="en-US" dirty="0" smtClean="0">
+                <a:solidFill>
+                  <a:schemeClr val="accent6">
+                    <a:lumMod val="75000"/>
+                  </a:schemeClr>
+                </a:solidFill>
+              </a:rPr>
+              <a:t> at the right side of </a:t>
+            </a:r>
+          </a:p>
+          <a:p>
+            <a:r>
+              <a:rPr lang="en-US" dirty="0" smtClean="0">
+                <a:solidFill>
+                  <a:schemeClr val="accent6">
+                    <a:lumMod val="75000"/>
+                  </a:schemeClr>
+                </a:solidFill>
+              </a:rPr>
+              <a:t>your screen.</a:t>
+            </a:r>
+            <a:endParaRPr lang="en-SG" dirty="0">
+              <a:solidFill>
+                <a:schemeClr val="accent6">
+                  <a:lumMod val="75000"/>
+                </a:schemeClr>
+              </a:solidFill>
+            </a:endParaRPr>
+          </a:p>
+        </p:txBody>
+      </p:sp>
+      <p:pic>
+        <p:nvPicPr>
+          <p:cNvPr id="8" name="图片 7"/>
+          <p:cNvPicPr>
+            <a:picLocks noChangeAspect="1"/>
+          </p:cNvPicPr>
+          <p:nvPr/>
+        </p:nvPicPr>
+        <p:blipFill>
+          <a:blip r:embed="rId3">
+            <a:extLst>
+              <a:ext uri="{28A0092B-C50C-407E-A947-70E740481C1C}">
+                <a14:useLocalDpi xmlns:a14="http://schemas.microsoft.com/office/drawing/2010/main" val="0"/>
+              </a:ext>
+            </a:extLst>
+          </a:blip>
+          <a:stretch>
+            <a:fillRect/>
+          </a:stretch>
+        </p:blipFill>
+        <p:spPr>
+          <a:xfrm>
+            <a:off x="1959395" y="838200"/>
+            <a:ext cx="622852" cy="914400"/>
+          </a:xfrm>
+          <a:prstGeom prst="rect">
+            <a:avLst/>
+          </a:prstGeom>
+        </p:spPr>
+      </p:pic>
+      <p:sp>
+        <p:nvSpPr>
+          <p:cNvPr id="9" name="[Picture 3]"/>
+          <p:cNvSpPr txBox="1"/>
+          <p:nvPr/>
+        </p:nvSpPr>
+        <p:spPr>
+          <a:xfrm>
+            <a:off x="685800" y="2435733"/>
+            <a:ext cx="4800600" cy="523220"/>
+          </a:xfrm>
+          <a:prstGeom prst="rect">
+            <a:avLst/>
+          </a:prstGeom>
+          <a:noFill/>
+        </p:spPr>
+        <p:txBody>
+          <a:bodyPr wrap="square" rtlCol="0">
+            <a:spAutoFit/>
+          </a:bodyPr>
+          <a:lstStyle/>
+          <a:p>
+            <a:r>
+              <a:rPr lang="en-US" sz="2800" b="1" dirty="0" smtClean="0">
+                <a:solidFill>
+                  <a:schemeClr val="accent6">
+                    <a:lumMod val="75000"/>
+                  </a:schemeClr>
+                </a:solidFill>
+              </a:rPr>
+              <a:t>2.</a:t>
+            </a:r>
+            <a:r>
+              <a:rPr lang="en-US" dirty="0" smtClean="0">
+                <a:solidFill>
+                  <a:schemeClr val="accent6">
+                    <a:lumMod val="75000"/>
+                  </a:schemeClr>
+                </a:solidFill>
+              </a:rPr>
+              <a:t> Select the following shape:</a:t>
+            </a:r>
+            <a:endParaRPr lang="en-SG" dirty="0">
+              <a:solidFill>
+                <a:schemeClr val="accent6">
+                  <a:lumMod val="75000"/>
+                </a:schemeClr>
+              </a:solidFill>
+            </a:endParaRPr>
+          </a:p>
+        </p:txBody>
+      </p:sp>
+      <p:sp>
+        <p:nvSpPr>
+          <p:cNvPr id="11" name="[Picture 3]"/>
+          <p:cNvSpPr txBox="1"/>
+          <p:nvPr/>
+        </p:nvSpPr>
+        <p:spPr>
+          <a:xfrm>
+            <a:off x="685800" y="4059294"/>
+            <a:ext cx="4953000" cy="2185214"/>
+          </a:xfrm>
+          <a:prstGeom prst="rect">
+            <a:avLst/>
+          </a:prstGeom>
+          <a:noFill/>
+        </p:spPr>
+        <p:txBody>
+          <a:bodyPr wrap="square" rtlCol="0">
+            <a:spAutoFit/>
+          </a:bodyPr>
+          <a:lstStyle/>
+          <a:p>
+            <a:r>
+              <a:rPr lang="en-US" sz="2800" b="1" dirty="0" smtClean="0">
+                <a:solidFill>
+                  <a:schemeClr val="accent6">
+                    <a:lumMod val="75000"/>
+                  </a:schemeClr>
+                </a:solidFill>
+              </a:rPr>
+              <a:t>3.</a:t>
+            </a:r>
+            <a:r>
+              <a:rPr lang="en-US" dirty="0" smtClean="0">
+                <a:solidFill>
+                  <a:schemeClr val="accent6">
+                    <a:lumMod val="75000"/>
+                  </a:schemeClr>
+                </a:solidFill>
+              </a:rPr>
+              <a:t> Then you can </a:t>
+            </a:r>
+            <a:r>
+              <a:rPr lang="en-US" b="1" dirty="0" smtClean="0">
+                <a:solidFill>
+                  <a:schemeClr val="accent6">
+                    <a:lumMod val="75000"/>
+                  </a:schemeClr>
+                </a:solidFill>
+              </a:rPr>
+              <a:t>drag</a:t>
+            </a:r>
+            <a:r>
+              <a:rPr lang="en-US" dirty="0" smtClean="0">
+                <a:solidFill>
+                  <a:schemeClr val="accent6">
+                    <a:lumMod val="75000"/>
+                  </a:schemeClr>
+                </a:solidFill>
+              </a:rPr>
+              <a:t> or </a:t>
+            </a:r>
+            <a:r>
+              <a:rPr lang="en-US" b="1" dirty="0" smtClean="0">
+                <a:solidFill>
+                  <a:schemeClr val="accent6">
+                    <a:lumMod val="75000"/>
+                  </a:schemeClr>
+                </a:solidFill>
+              </a:rPr>
+              <a:t>click</a:t>
+            </a:r>
+            <a:r>
+              <a:rPr lang="en-US" dirty="0" smtClean="0">
+                <a:solidFill>
+                  <a:schemeClr val="accent6">
+                    <a:lumMod val="75000"/>
+                  </a:schemeClr>
+                </a:solidFill>
+              </a:rPr>
+              <a:t> this            button in </a:t>
+            </a:r>
+          </a:p>
+          <a:p>
+            <a:endParaRPr lang="en-US" dirty="0">
+              <a:solidFill>
+                <a:schemeClr val="accent6">
+                  <a:lumMod val="75000"/>
+                </a:schemeClr>
+              </a:solidFill>
+            </a:endParaRPr>
+          </a:p>
+          <a:p>
+            <a:r>
+              <a:rPr lang="en-US" dirty="0" smtClean="0">
+                <a:solidFill>
+                  <a:schemeClr val="accent6">
+                    <a:lumMod val="75000"/>
+                  </a:schemeClr>
+                </a:solidFill>
+              </a:rPr>
+              <a:t>the panel to change the selected shape’s </a:t>
+            </a:r>
+            <a:r>
+              <a:rPr lang="en-US" b="1" dirty="0" smtClean="0">
+                <a:solidFill>
+                  <a:schemeClr val="accent6">
+                    <a:lumMod val="75000"/>
+                  </a:schemeClr>
+                </a:solidFill>
+              </a:rPr>
+              <a:t>FONT</a:t>
+            </a:r>
+            <a:r>
+              <a:rPr lang="en-US" dirty="0">
+                <a:solidFill>
+                  <a:schemeClr val="accent6">
+                    <a:lumMod val="75000"/>
+                  </a:schemeClr>
+                </a:solidFill>
+              </a:rPr>
+              <a:t> </a:t>
+            </a:r>
+            <a:endParaRPr lang="en-US" dirty="0" smtClean="0">
+              <a:solidFill>
+                <a:schemeClr val="accent6">
+                  <a:lumMod val="75000"/>
+                </a:schemeClr>
+              </a:solidFill>
+            </a:endParaRPr>
+          </a:p>
+          <a:p>
+            <a:endParaRPr lang="en-US" dirty="0">
+              <a:solidFill>
+                <a:schemeClr val="accent6">
+                  <a:lumMod val="75000"/>
+                </a:schemeClr>
+              </a:solidFill>
+            </a:endParaRPr>
+          </a:p>
+          <a:p>
+            <a:r>
+              <a:rPr lang="en-US" dirty="0" smtClean="0">
+                <a:solidFill>
+                  <a:schemeClr val="accent6">
+                    <a:lumMod val="75000"/>
+                  </a:schemeClr>
+                </a:solidFill>
+              </a:rPr>
+              <a:t>color, or this</a:t>
+            </a:r>
+            <a:r>
+              <a:rPr lang="en-SG" dirty="0" smtClean="0">
+                <a:solidFill>
+                  <a:schemeClr val="accent6">
+                    <a:lumMod val="75000"/>
+                  </a:schemeClr>
+                </a:solidFill>
+              </a:rPr>
+              <a:t>             button to change its </a:t>
+            </a:r>
+            <a:r>
+              <a:rPr lang="en-SG" b="1" dirty="0" smtClean="0">
+                <a:solidFill>
+                  <a:schemeClr val="accent6">
+                    <a:lumMod val="75000"/>
+                  </a:schemeClr>
+                </a:solidFill>
+              </a:rPr>
+              <a:t>LINE</a:t>
+            </a:r>
+            <a:r>
+              <a:rPr lang="en-SG" dirty="0">
+                <a:solidFill>
+                  <a:schemeClr val="accent6">
+                    <a:lumMod val="75000"/>
+                  </a:schemeClr>
+                </a:solidFill>
+              </a:rPr>
+              <a:t> </a:t>
+            </a:r>
+            <a:r>
+              <a:rPr lang="en-SG" dirty="0" err="1" smtClean="0">
+                <a:solidFill>
+                  <a:schemeClr val="accent6">
+                    <a:lumMod val="75000"/>
+                  </a:schemeClr>
+                </a:solidFill>
+              </a:rPr>
+              <a:t>color</a:t>
+            </a:r>
+            <a:r>
+              <a:rPr lang="en-SG" dirty="0" smtClean="0">
+                <a:solidFill>
+                  <a:schemeClr val="accent6">
+                    <a:lumMod val="75000"/>
+                  </a:schemeClr>
+                </a:solidFill>
+              </a:rPr>
+              <a:t>, </a:t>
+            </a:r>
+          </a:p>
+          <a:p>
+            <a:endParaRPr lang="en-SG" dirty="0">
+              <a:solidFill>
+                <a:schemeClr val="accent6">
+                  <a:lumMod val="75000"/>
+                </a:schemeClr>
+              </a:solidFill>
+            </a:endParaRPr>
+          </a:p>
+          <a:p>
+            <a:r>
+              <a:rPr lang="en-SG" dirty="0" smtClean="0">
+                <a:solidFill>
+                  <a:schemeClr val="accent6">
+                    <a:lumMod val="75000"/>
+                  </a:schemeClr>
+                </a:solidFill>
+              </a:rPr>
+              <a:t>or this            button to change its </a:t>
+            </a:r>
+            <a:r>
+              <a:rPr lang="en-SG" b="1" dirty="0" smtClean="0">
+                <a:solidFill>
+                  <a:schemeClr val="accent6">
+                    <a:lumMod val="75000"/>
+                  </a:schemeClr>
+                </a:solidFill>
+              </a:rPr>
+              <a:t>FILL</a:t>
+            </a:r>
+            <a:r>
+              <a:rPr lang="en-SG" dirty="0" smtClean="0">
+                <a:solidFill>
+                  <a:schemeClr val="accent6">
+                    <a:lumMod val="75000"/>
+                  </a:schemeClr>
+                </a:solidFill>
+              </a:rPr>
+              <a:t> </a:t>
+            </a:r>
+            <a:r>
+              <a:rPr lang="en-SG" dirty="0" err="1" smtClean="0">
+                <a:solidFill>
+                  <a:schemeClr val="accent6">
+                    <a:lumMod val="75000"/>
+                  </a:schemeClr>
+                </a:solidFill>
+              </a:rPr>
+              <a:t>color</a:t>
+            </a:r>
+            <a:r>
+              <a:rPr lang="en-SG" dirty="0" smtClean="0">
+                <a:solidFill>
+                  <a:schemeClr val="accent6">
+                    <a:lumMod val="75000"/>
+                  </a:schemeClr>
+                </a:solidFill>
+              </a:rPr>
+              <a:t>.</a:t>
+            </a:r>
+            <a:endParaRPr lang="en-SG" dirty="0">
+              <a:solidFill>
+                <a:schemeClr val="accent6">
+                  <a:lumMod val="75000"/>
+                </a:schemeClr>
+              </a:solidFill>
+            </a:endParaRPr>
+          </a:p>
+        </p:txBody>
+      </p:sp>
+      <p:sp>
+        <p:nvSpPr>
+          <p:cNvPr id="12" name="圆角矩形 11"/>
+          <p:cNvSpPr/>
+          <p:nvPr/>
+        </p:nvSpPr>
+        <p:spPr>
+          <a:xfrm>
+            <a:off x="1314450" y="3053602"/>
+            <a:ext cx="3516134" cy="803374"/>
+          </a:xfrm>
+          <a:prstGeom prst="roundRect">
+            <a:avLst/>
+          </a:prstGeom>
+          <a:solidFill>
+            <a:srgbClr val="4D74B9"/>
+          </a:solidFill>
+          <a:ln>
+            <a:solidFill>
+              <a:srgbClr val="4D74B9"/>
+            </a:solidFill>
+          </a:ln>
+        </p:spPr>
+        <p:style>
+          <a:lnRef idx="2">
+            <a:schemeClr val="accent1">
+              <a:shade val="50000"/>
+            </a:schemeClr>
+          </a:lnRef>
+          <a:fillRef idx="1">
+            <a:schemeClr val="accent1"/>
+          </a:fillRef>
+          <a:effectRef idx="0">
+            <a:schemeClr val="accent1"/>
+          </a:effectRef>
+          <a:fontRef idx="minor">
+            <a:schemeClr val="lt1"/>
+          </a:fontRef>
+        </p:style>
+        <p:txBody>
+          <a:bodyPr rtlCol="0" anchor="ctr"/>
+          <a:lstStyle/>
+          <a:p>
+            <a:pPr algn="ctr"/>
+            <a:r>
+              <a:rPr lang="en-US" altLang="zh-CN" sz="4000" dirty="0" smtClean="0">
+                <a:solidFill>
+                  <a:srgbClr val="FFFFFF"/>
+                </a:solidFill>
+              </a:rPr>
+              <a:t>Select me!</a:t>
+            </a:r>
+            <a:endParaRPr lang="zh-CN" altLang="en-US" sz="4000" dirty="0">
+              <a:solidFill>
+                <a:srgbClr val="FFFFFF"/>
+              </a:solidFill>
+            </a:endParaRPr>
+          </a:p>
+        </p:txBody>
+      </p:sp>
+      <p:pic>
+        <p:nvPicPr>
+          <p:cNvPr id="2" name="图片 1"/>
+          <p:cNvPicPr>
+            <a:picLocks noChangeAspect="1"/>
+          </p:cNvPicPr>
+          <p:nvPr/>
+        </p:nvPicPr>
+        <p:blipFill>
+          <a:blip r:embed="rId4">
+            <a:extLst>
+              <a:ext uri="{28A0092B-C50C-407E-A947-70E740481C1C}">
+                <a14:useLocalDpi xmlns:a14="http://schemas.microsoft.com/office/drawing/2010/main" val="0"/>
+              </a:ext>
+            </a:extLst>
+          </a:blip>
+          <a:stretch>
+            <a:fillRect/>
+          </a:stretch>
+        </p:blipFill>
+        <p:spPr>
+          <a:xfrm>
+            <a:off x="4000552" y="4153943"/>
+            <a:ext cx="419048" cy="428571"/>
+          </a:xfrm>
+          <a:prstGeom prst="rect">
+            <a:avLst/>
+          </a:prstGeom>
+        </p:spPr>
+      </p:pic>
+      <p:pic>
+        <p:nvPicPr>
+          <p:cNvPr id="3" name="图片 2"/>
+          <p:cNvPicPr>
+            <a:picLocks noChangeAspect="1"/>
+          </p:cNvPicPr>
+          <p:nvPr/>
+        </p:nvPicPr>
+        <p:blipFill>
+          <a:blip r:embed="rId5">
+            <a:extLst>
+              <a:ext uri="{28A0092B-C50C-407E-A947-70E740481C1C}">
+                <a14:useLocalDpi xmlns:a14="http://schemas.microsoft.com/office/drawing/2010/main" val="0"/>
+              </a:ext>
+            </a:extLst>
+          </a:blip>
+          <a:stretch>
+            <a:fillRect/>
+          </a:stretch>
+        </p:blipFill>
+        <p:spPr>
+          <a:xfrm>
+            <a:off x="2040077" y="5272315"/>
+            <a:ext cx="419048" cy="428571"/>
+          </a:xfrm>
+          <a:prstGeom prst="rect">
+            <a:avLst/>
+          </a:prstGeom>
+        </p:spPr>
+      </p:pic>
+      <p:pic>
+        <p:nvPicPr>
+          <p:cNvPr id="4" name="图片 3"/>
+          <p:cNvPicPr>
+            <a:picLocks noChangeAspect="1"/>
+          </p:cNvPicPr>
+          <p:nvPr/>
+        </p:nvPicPr>
+        <p:blipFill>
+          <a:blip r:embed="rId6">
+            <a:extLst>
+              <a:ext uri="{28A0092B-C50C-407E-A947-70E740481C1C}">
+                <a14:useLocalDpi xmlns:a14="http://schemas.microsoft.com/office/drawing/2010/main" val="0"/>
+              </a:ext>
+            </a:extLst>
+          </a:blip>
+          <a:stretch>
+            <a:fillRect/>
+          </a:stretch>
+        </p:blipFill>
+        <p:spPr>
+          <a:xfrm>
+            <a:off x="1447800" y="5815937"/>
+            <a:ext cx="419048" cy="428571"/>
+          </a:xfrm>
+          <a:prstGeom prst="rect">
+            <a:avLst/>
+          </a:prstGeom>
+        </p:spPr>
+      </p:pic>
+    </p:spTree>
+    <p:extLst>
+      <p:ext uri="{BB962C8B-B14F-4D97-AF65-F5344CB8AC3E}">
+        <p14:creationId xmlns:p14="http://schemas.microsoft.com/office/powerpoint/2010/main" val="681251285"/>
+      </p:ext>
+    </p:extLst>
+  </p:cSld>
+  <p:clrMapOvr>
+    <a:masterClrMapping/>
+  </p:clrMapOvr>
+  <p:timing>
+    <p:tnLst>
+      <p:par>
+        <p:cTn id="1" dur="indefinite" restart="never" nodeType="tmRoot">
+          <p:childTnLst>
+            <p:seq concurrent="1" nextAc="seek">
+              <p:cTn id="2" dur="indefinite" nodeType="mainSeq">
+                <p:childTnLst>
+                  <p:par>
+                    <p:cTn id="3" fill="hold">
+                      <p:stCondLst>
+                        <p:cond delay="indefinite"/>
+                        <p:cond evt="onBegin" delay="0">
+                          <p:tn val="2"/>
+                        </p:cond>
+                      </p:stCondLst>
+                      <p:childTnLst>
+                        <p:par>
+                          <p:cTn id="4" fill="hold">
+                            <p:stCondLst>
+                              <p:cond delay="0"/>
+                            </p:stCondLst>
+                            <p:childTnLst>
+                              <p:par>
+                                <p:cTn id="5" presetID="10" presetClass="entr" presetSubtype="0" fill="hold" grpId="0" nodeType="withEffect">
+                                  <p:stCondLst>
+                                    <p:cond delay="0"/>
+                                  </p:stCondLst>
+                                  <p:childTnLst>
+                                    <p:set>
+                                      <p:cBhvr>
+                                        <p:cTn id="6" dur="1" fill="hold">
+                                          <p:stCondLst>
+                                            <p:cond delay="0"/>
+                                          </p:stCondLst>
+                                        </p:cTn>
+                                        <p:tgtEl>
+                                          <p:spTgt spid="7"/>
+                                        </p:tgtEl>
+                                        <p:attrNameLst>
+                                          <p:attrName>style.visibility</p:attrName>
+                                        </p:attrNameLst>
+                                      </p:cBhvr>
+                                      <p:to>
+                                        <p:strVal val="visible"/>
+                                      </p:to>
+                                    </p:set>
+                                    <p:animEffect transition="in" filter="fade">
+                                      <p:cBhvr>
+                                        <p:cTn id="7" dur="500"/>
+                                        <p:tgtEl>
+                                          <p:spTgt spid="7"/>
+                                        </p:tgtEl>
+                                      </p:cBhvr>
+                                    </p:animEffect>
+                                  </p:childTnLst>
+                                </p:cTn>
+                              </p:par>
+                            </p:childTnLst>
+                          </p:cTn>
+                        </p:par>
+                      </p:childTnLst>
+                    </p:cTn>
+                  </p:par>
+                  <p:par>
+                    <p:cTn id="8" fill="hold">
+                      <p:stCondLst>
+                        <p:cond delay="indefinite"/>
+                      </p:stCondLst>
+                      <p:childTnLst>
+                        <p:par>
+                          <p:cTn id="9" fill="hold">
+                            <p:stCondLst>
+                              <p:cond delay="0"/>
+                            </p:stCondLst>
+                            <p:childTnLst>
+                              <p:par>
+                                <p:cTn id="10" presetID="10" presetClass="entr" presetSubtype="0" fill="hold" grpId="0" nodeType="clickEffect">
+                                  <p:stCondLst>
+                                    <p:cond delay="0"/>
+                                  </p:stCondLst>
+                                  <p:childTnLst>
+                                    <p:set>
+                                      <p:cBhvr>
+                                        <p:cTn id="11" dur="1" fill="hold">
+                                          <p:stCondLst>
+                                            <p:cond delay="0"/>
+                                          </p:stCondLst>
+                                        </p:cTn>
+                                        <p:tgtEl>
+                                          <p:spTgt spid="9"/>
+                                        </p:tgtEl>
+                                        <p:attrNameLst>
+                                          <p:attrName>style.visibility</p:attrName>
+                                        </p:attrNameLst>
+                                      </p:cBhvr>
+                                      <p:to>
+                                        <p:strVal val="visible"/>
+                                      </p:to>
+                                    </p:set>
+                                    <p:animEffect transition="in" filter="fade">
+                                      <p:cBhvr>
+                                        <p:cTn id="12" dur="500"/>
+                                        <p:tgtEl>
+                                          <p:spTgt spid="9"/>
+                                        </p:tgtEl>
+                                      </p:cBhvr>
+                                    </p:animEffect>
+                                  </p:childTnLst>
+                                </p:cTn>
+                              </p:par>
+                            </p:childTnLst>
+                          </p:cTn>
+                        </p:par>
+                      </p:childTnLst>
+                    </p:cTn>
+                  </p:par>
+                  <p:par>
+                    <p:cTn id="13" fill="hold">
+                      <p:stCondLst>
+                        <p:cond delay="indefinite"/>
+                      </p:stCondLst>
+                      <p:childTnLst>
+                        <p:par>
+                          <p:cTn id="14" fill="hold">
+                            <p:stCondLst>
+                              <p:cond delay="0"/>
+                            </p:stCondLst>
+                            <p:childTnLst>
+                              <p:par>
+                                <p:cTn id="15" presetID="10" presetClass="entr" presetSubtype="0" fill="hold" grpId="0" nodeType="clickEffect">
+                                  <p:stCondLst>
+                                    <p:cond delay="0"/>
+                                  </p:stCondLst>
+                                  <p:childTnLst>
+                                    <p:set>
+                                      <p:cBhvr>
+                                        <p:cTn id="16" dur="1" fill="hold">
+                                          <p:stCondLst>
+                                            <p:cond delay="0"/>
+                                          </p:stCondLst>
+                                        </p:cTn>
+                                        <p:tgtEl>
+                                          <p:spTgt spid="11"/>
+                                        </p:tgtEl>
+                                        <p:attrNameLst>
+                                          <p:attrName>style.visibility</p:attrName>
+                                        </p:attrNameLst>
+                                      </p:cBhvr>
+                                      <p:to>
+                                        <p:strVal val="visible"/>
+                                      </p:to>
+                                    </p:set>
+                                    <p:animEffect transition="in" filter="fade">
+                                      <p:cBhvr>
+                                        <p:cTn id="17" dur="500"/>
+                                        <p:tgtEl>
+                                          <p:spTgt spid="11"/>
+                                        </p:tgtEl>
+                                      </p:cBhvr>
+                                    </p:animEffect>
+                                  </p:childTnLst>
+                                </p:cTn>
+                              </p:par>
+                            </p:childTnLst>
+                          </p:cTn>
+                        </p:par>
+                      </p:childTnLst>
+                    </p:cTn>
+                  </p:par>
+                </p:childTnLst>
+              </p:cTn>
+              <p:prevCondLst>
+                <p:cond evt="onPrev" delay="0">
+                  <p:tgtEl>
+                    <p:sldTgt/>
+                  </p:tgtEl>
+                </p:cond>
+              </p:prevCondLst>
+              <p:nextCondLst>
+                <p:cond evt="onNext" delay="0">
+                  <p:tgtEl>
+                    <p:sldTgt/>
+                  </p:tgtEl>
+                </p:cond>
+              </p:nextCondLst>
+            </p:seq>
+          </p:childTnLst>
+        </p:cTn>
+      </p:par>
+    </p:tnLst>
+    <p:bldLst>
+      <p:bldP spid="7" grpId="0"/>
+      <p:bldP spid="9" grpId="0"/>
+      <p:bldP spid="11" grpId="0"/>
+    </p:bldLst>
+  </p:timing>
+</p:sld>
+</file>
+
+<file path=ppt/slides/slide32.xml><?xml version="1.0" encoding="utf-8"?>
+<p:sld xmlns:a="http://schemas.openxmlformats.org/drawingml/2006/main" xmlns:r="http://schemas.openxmlformats.org/officeDocument/2006/relationships" xmlns:p="http://schemas.openxmlformats.org/presentationml/2006/main">
+  <p:cSld>
+    <p:spTree>
+      <p:nvGrpSpPr>
+        <p:cNvPr id="1" name=""/>
+        <p:cNvGrpSpPr/>
+        <p:nvPr/>
+      </p:nvGrpSpPr>
+      <p:grpSpPr>
+        <a:xfrm>
+          <a:off x="0" y="0"/>
+          <a:ext cx="0" cy="0"/>
+          <a:chOff x="0" y="0"/>
+          <a:chExt cx="0" cy="0"/>
+        </a:xfrm>
+      </p:grpSpPr>
+      <p:sp>
+        <p:nvSpPr>
           <p:cNvPr id="16" name="TextBox 15"/>
           <p:cNvSpPr txBox="1"/>
           <p:nvPr/>
@@ -17087,7 +18873,7 @@
 </p:sld>
 </file>
 
-<file path=ppt/slides/slide31.xml><?xml version="1.0" encoding="utf-8"?>
+<file path=ppt/slides/slide33.xml><?xml version="1.0" encoding="utf-8"?>
 <p:sld xmlns:a="http://schemas.openxmlformats.org/drawingml/2006/main" xmlns:r="http://schemas.openxmlformats.org/officeDocument/2006/relationships" xmlns:p="http://schemas.openxmlformats.org/presentationml/2006/main" show="0">
   <p:cSld name="PPAck201401021130490549">
     <p:spTree>

--- a/PowerPointLabs/PowerPointLabs/PowerPointLabs Quick Tutorial.pptx
+++ b/PowerPointLabs/PowerPointLabs/PowerPointLabs Quick Tutorial.pptx
@@ -434,7 +434,7 @@
           <a:p>
             <a:fld id="{3E86CC0F-BBF3-4E07-94E0-0549B7D560A9}" type="datetimeFigureOut">
               <a:rPr lang="en-SG" smtClean="0"/>
-              <a:t>17/7/2014</a:t>
+              <a:t>18/7/2014</a:t>
             </a:fld>
             <a:endParaRPr lang="en-SG"/>
           </a:p>
@@ -1573,7 +1573,7 @@
             <a:fld id="{1D8BD707-D9CF-40AE-B4C6-C98DA3205C09}" type="datetimeFigureOut">
               <a:rPr lang="en-US" smtClean="0"/>
               <a:pPr/>
-              <a:t>7/17/2014</a:t>
+              <a:t>7/18/2014</a:t>
             </a:fld>
             <a:endParaRPr lang="en-US"/>
           </a:p>
@@ -1740,7 +1740,7 @@
             <a:fld id="{1D8BD707-D9CF-40AE-B4C6-C98DA3205C09}" type="datetimeFigureOut">
               <a:rPr lang="en-US" smtClean="0"/>
               <a:pPr/>
-              <a:t>7/17/2014</a:t>
+              <a:t>7/18/2014</a:t>
             </a:fld>
             <a:endParaRPr lang="en-US"/>
           </a:p>
@@ -1917,7 +1917,7 @@
             <a:fld id="{1D8BD707-D9CF-40AE-B4C6-C98DA3205C09}" type="datetimeFigureOut">
               <a:rPr lang="en-US" smtClean="0"/>
               <a:pPr/>
-              <a:t>7/17/2014</a:t>
+              <a:t>7/18/2014</a:t>
             </a:fld>
             <a:endParaRPr lang="en-US"/>
           </a:p>
@@ -2084,7 +2084,7 @@
             <a:fld id="{1D8BD707-D9CF-40AE-B4C6-C98DA3205C09}" type="datetimeFigureOut">
               <a:rPr lang="en-US" smtClean="0"/>
               <a:pPr/>
-              <a:t>7/17/2014</a:t>
+              <a:t>7/18/2014</a:t>
             </a:fld>
             <a:endParaRPr lang="en-US"/>
           </a:p>
@@ -2327,7 +2327,7 @@
             <a:fld id="{1D8BD707-D9CF-40AE-B4C6-C98DA3205C09}" type="datetimeFigureOut">
               <a:rPr lang="en-US" smtClean="0"/>
               <a:pPr/>
-              <a:t>7/17/2014</a:t>
+              <a:t>7/18/2014</a:t>
             </a:fld>
             <a:endParaRPr lang="en-US"/>
           </a:p>
@@ -2612,7 +2612,7 @@
             <a:fld id="{1D8BD707-D9CF-40AE-B4C6-C98DA3205C09}" type="datetimeFigureOut">
               <a:rPr lang="en-US" smtClean="0"/>
               <a:pPr/>
-              <a:t>7/17/2014</a:t>
+              <a:t>7/18/2014</a:t>
             </a:fld>
             <a:endParaRPr lang="en-US"/>
           </a:p>
@@ -3031,7 +3031,7 @@
             <a:fld id="{1D8BD707-D9CF-40AE-B4C6-C98DA3205C09}" type="datetimeFigureOut">
               <a:rPr lang="en-US" smtClean="0"/>
               <a:pPr/>
-              <a:t>7/17/2014</a:t>
+              <a:t>7/18/2014</a:t>
             </a:fld>
             <a:endParaRPr lang="en-US"/>
           </a:p>
@@ -3146,7 +3146,7 @@
             <a:fld id="{1D8BD707-D9CF-40AE-B4C6-C98DA3205C09}" type="datetimeFigureOut">
               <a:rPr lang="en-US" smtClean="0"/>
               <a:pPr/>
-              <a:t>7/17/2014</a:t>
+              <a:t>7/18/2014</a:t>
             </a:fld>
             <a:endParaRPr lang="en-US"/>
           </a:p>
@@ -3238,7 +3238,7 @@
             <a:fld id="{1D8BD707-D9CF-40AE-B4C6-C98DA3205C09}" type="datetimeFigureOut">
               <a:rPr lang="en-US" smtClean="0"/>
               <a:pPr/>
-              <a:t>7/17/2014</a:t>
+              <a:t>7/18/2014</a:t>
             </a:fld>
             <a:endParaRPr lang="en-US"/>
           </a:p>
@@ -3512,7 +3512,7 @@
             <a:fld id="{1D8BD707-D9CF-40AE-B4C6-C98DA3205C09}" type="datetimeFigureOut">
               <a:rPr lang="en-US" smtClean="0"/>
               <a:pPr/>
-              <a:t>7/17/2014</a:t>
+              <a:t>7/18/2014</a:t>
             </a:fld>
             <a:endParaRPr lang="en-US"/>
           </a:p>
@@ -3762,7 +3762,7 @@
             <a:fld id="{1D8BD707-D9CF-40AE-B4C6-C98DA3205C09}" type="datetimeFigureOut">
               <a:rPr lang="en-US" smtClean="0"/>
               <a:pPr/>
-              <a:t>7/17/2014</a:t>
+              <a:t>7/18/2014</a:t>
             </a:fld>
             <a:endParaRPr lang="en-US"/>
           </a:p>
@@ -3972,7 +3972,7 @@
             <a:fld id="{1D8BD707-D9CF-40AE-B4C6-C98DA3205C09}" type="datetimeFigureOut">
               <a:rPr lang="en-US" smtClean="0"/>
               <a:pPr/>
-              <a:t>7/17/2014</a:t>
+              <a:t>7/18/2014</a:t>
             </a:fld>
             <a:endParaRPr lang="en-US"/>
           </a:p>
@@ -16259,20 +16259,25 @@
           </p:cNvPicPr>
           <p:nvPr/>
         </p:nvPicPr>
-        <p:blipFill>
+        <p:blipFill rotWithShape="1">
           <a:blip r:embed="rId4"/>
-          <a:stretch>
-            <a:fillRect/>
-          </a:stretch>
+          <a:srcRect b="70506"/>
+          <a:stretch/>
         </p:blipFill>
         <p:spPr>
           <a:xfrm>
-            <a:off x="4038600" y="155812"/>
-            <a:ext cx="4907639" cy="6705600"/>
+            <a:off x="3962399" y="363363"/>
+            <a:ext cx="4907639" cy="1977788"/>
           </a:xfrm>
           <a:prstGeom prst="rect">
             <a:avLst/>
           </a:prstGeom>
+          <a:ln>
+            <a:noFill/>
+          </a:ln>
+          <a:effectLst>
+            <a:softEdge rad="112500"/>
+          </a:effectLst>
         </p:spPr>
       </p:pic>
       <p:sp>
@@ -16283,7 +16288,7 @@
         </p:nvSpPr>
         <p:spPr>
           <a:xfrm>
-            <a:off x="457200" y="2485104"/>
+            <a:off x="457199" y="2968585"/>
             <a:ext cx="3505200" cy="1908215"/>
           </a:xfrm>
           <a:prstGeom prst="rect">
@@ -16327,51 +16332,260 @@
           </a:p>
         </p:txBody>
       </p:sp>
-      <p:sp>
-        <p:nvSpPr>
-          <p:cNvPr id="10" name="[TextBox 6]"/>
-          <p:cNvSpPr txBox="1"/>
+      <p:grpSp>
+        <p:nvGrpSpPr>
+          <p:cNvPr id="22" name="Group 21"/>
+          <p:cNvGrpSpPr/>
           <p:nvPr/>
-        </p:nvSpPr>
+        </p:nvGrpSpPr>
+        <p:grpSpPr>
+          <a:xfrm>
+            <a:off x="2382672" y="5373574"/>
+            <a:ext cx="3810000" cy="897017"/>
+            <a:chOff x="228600" y="4817982"/>
+            <a:chExt cx="3810000" cy="897017"/>
+          </a:xfrm>
+        </p:grpSpPr>
+        <p:sp>
+          <p:nvSpPr>
+            <p:cNvPr id="23" name="Rounded Rectangle 22"/>
+            <p:cNvSpPr/>
+            <p:nvPr/>
+          </p:nvSpPr>
+          <p:spPr>
+            <a:xfrm>
+              <a:off x="228600" y="4894183"/>
+              <a:ext cx="1219200" cy="762000"/>
+            </a:xfrm>
+            <a:prstGeom prst="roundRect">
+              <a:avLst/>
+            </a:prstGeom>
+            <a:solidFill>
+              <a:srgbClr val="00B050"/>
+            </a:solidFill>
+          </p:spPr>
+          <p:style>
+            <a:lnRef idx="2">
+              <a:schemeClr val="accent1">
+                <a:shade val="50000"/>
+              </a:schemeClr>
+            </a:lnRef>
+            <a:fillRef idx="1">
+              <a:schemeClr val="accent1"/>
+            </a:fillRef>
+            <a:effectRef idx="0">
+              <a:schemeClr val="accent1"/>
+            </a:effectRef>
+            <a:fontRef idx="minor">
+              <a:schemeClr val="lt1"/>
+            </a:fontRef>
+          </p:style>
+          <p:txBody>
+            <a:bodyPr rtlCol="0" anchor="ctr"/>
+            <a:lstStyle/>
+            <a:p>
+              <a:pPr algn="ctr"/>
+              <a:r>
+                <a:rPr lang="en-US" altLang="zh-CN" sz="3200" b="1" dirty="0" smtClean="0">
+                  <a:ln w="10160">
+                    <a:solidFill>
+                      <a:schemeClr val="accent5"/>
+                    </a:solidFill>
+                    <a:prstDash val="solid"/>
+                  </a:ln>
+                  <a:solidFill>
+                    <a:srgbClr val="FFFFFF"/>
+                  </a:solidFill>
+                  <a:effectLst>
+                    <a:outerShdw blurRad="38100" dist="22860" dir="5400000" algn="tl" rotWithShape="0">
+                      <a:srgbClr val="000000">
+                        <a:alpha val="30000"/>
+                      </a:srgbClr>
+                    </a:outerShdw>
+                  </a:effectLst>
+                </a:rPr>
+                <a:t>Right</a:t>
+              </a:r>
+              <a:endParaRPr lang="zh-CN" altLang="en-US" sz="3200" b="1" dirty="0">
+                <a:ln w="10160">
+                  <a:solidFill>
+                    <a:schemeClr val="accent5"/>
+                  </a:solidFill>
+                  <a:prstDash val="solid"/>
+                </a:ln>
+                <a:solidFill>
+                  <a:srgbClr val="FFFFFF"/>
+                </a:solidFill>
+                <a:effectLst>
+                  <a:outerShdw blurRad="38100" dist="22860" dir="5400000" algn="tl" rotWithShape="0">
+                    <a:srgbClr val="000000">
+                      <a:alpha val="30000"/>
+                    </a:srgbClr>
+                  </a:outerShdw>
+                </a:effectLst>
+              </a:endParaRPr>
+            </a:p>
+          </p:txBody>
+        </p:sp>
+        <p:sp>
+          <p:nvSpPr>
+            <p:cNvPr id="24" name="Rectangle 23"/>
+            <p:cNvSpPr/>
+            <p:nvPr/>
+          </p:nvSpPr>
+          <p:spPr>
+            <a:xfrm>
+              <a:off x="1600200" y="4894183"/>
+              <a:ext cx="1219200" cy="744617"/>
+            </a:xfrm>
+            <a:prstGeom prst="rect">
+              <a:avLst/>
+            </a:prstGeom>
+            <a:solidFill>
+              <a:srgbClr val="00B0F0"/>
+            </a:solidFill>
+          </p:spPr>
+          <p:style>
+            <a:lnRef idx="2">
+              <a:schemeClr val="accent1">
+                <a:shade val="50000"/>
+              </a:schemeClr>
+            </a:lnRef>
+            <a:fillRef idx="1">
+              <a:schemeClr val="accent1"/>
+            </a:fillRef>
+            <a:effectRef idx="0">
+              <a:schemeClr val="accent1"/>
+            </a:effectRef>
+            <a:fontRef idx="minor">
+              <a:schemeClr val="lt1"/>
+            </a:fontRef>
+          </p:style>
+          <p:txBody>
+            <a:bodyPr rtlCol="0" anchor="ctr"/>
+            <a:lstStyle/>
+            <a:p>
+              <a:pPr algn="ctr"/>
+              <a:r>
+                <a:rPr lang="en-US" altLang="zh-CN" sz="3200" b="1" dirty="0" smtClean="0">
+                  <a:ln w="10160">
+                    <a:solidFill>
+                      <a:schemeClr val="accent5"/>
+                    </a:solidFill>
+                    <a:prstDash val="solid"/>
+                  </a:ln>
+                  <a:solidFill>
+                    <a:srgbClr val="FFFFFF"/>
+                  </a:solidFill>
+                  <a:effectLst>
+                    <a:outerShdw blurRad="38100" dist="22860" dir="5400000" algn="tl" rotWithShape="0">
+                      <a:srgbClr val="000000">
+                        <a:alpha val="30000"/>
+                      </a:srgbClr>
+                    </a:outerShdw>
+                  </a:effectLst>
+                </a:rPr>
+                <a:t>Click</a:t>
+              </a:r>
+              <a:endParaRPr lang="zh-CN" altLang="en-US" sz="3200" dirty="0"/>
+            </a:p>
+          </p:txBody>
+        </p:sp>
+        <p:sp>
+          <p:nvSpPr>
+            <p:cNvPr id="25" name="Oval 24"/>
+            <p:cNvSpPr/>
+            <p:nvPr/>
+          </p:nvSpPr>
+          <p:spPr>
+            <a:xfrm>
+              <a:off x="2971800" y="4817982"/>
+              <a:ext cx="1066800" cy="897017"/>
+            </a:xfrm>
+            <a:prstGeom prst="ellipse">
+              <a:avLst/>
+            </a:prstGeom>
+            <a:solidFill>
+              <a:srgbClr val="FFC000"/>
+            </a:solidFill>
+          </p:spPr>
+          <p:style>
+            <a:lnRef idx="2">
+              <a:schemeClr val="accent1">
+                <a:shade val="50000"/>
+              </a:schemeClr>
+            </a:lnRef>
+            <a:fillRef idx="1">
+              <a:schemeClr val="accent1"/>
+            </a:fillRef>
+            <a:effectRef idx="0">
+              <a:schemeClr val="accent1"/>
+            </a:effectRef>
+            <a:fontRef idx="minor">
+              <a:schemeClr val="lt1"/>
+            </a:fontRef>
+          </p:style>
+          <p:txBody>
+            <a:bodyPr rtlCol="0" anchor="ctr"/>
+            <a:lstStyle/>
+            <a:p>
+              <a:pPr algn="ctr"/>
+              <a:r>
+                <a:rPr lang="en-US" altLang="zh-CN" sz="3200" b="1" dirty="0">
+                  <a:ln w="10160">
+                    <a:solidFill>
+                      <a:schemeClr val="accent5"/>
+                    </a:solidFill>
+                    <a:prstDash val="solid"/>
+                  </a:ln>
+                  <a:solidFill>
+                    <a:srgbClr val="FFFFFF"/>
+                  </a:solidFill>
+                  <a:effectLst>
+                    <a:outerShdw blurRad="38100" dist="22860" dir="5400000" algn="tl" rotWithShape="0">
+                      <a:srgbClr val="000000">
+                        <a:alpha val="30000"/>
+                      </a:srgbClr>
+                    </a:outerShdw>
+                  </a:effectLst>
+                </a:rPr>
+                <a:t>Me!</a:t>
+              </a:r>
+              <a:endParaRPr lang="zh-CN" altLang="en-US" sz="3200" dirty="0"/>
+            </a:p>
+          </p:txBody>
+        </p:sp>
+      </p:grpSp>
+      <p:pic>
+        <p:nvPicPr>
+          <p:cNvPr id="26" name="[Picture 25]"/>
+          <p:cNvPicPr>
+            <a:picLocks noChangeAspect="1"/>
+          </p:cNvPicPr>
+          <p:nvPr/>
+        </p:nvPicPr>
+        <p:blipFill>
+          <a:blip r:embed="rId5"/>
+          <a:stretch>
+            <a:fillRect/>
+          </a:stretch>
+        </p:blipFill>
         <p:spPr>
           <a:xfrm>
-            <a:off x="457200" y="4894183"/>
-            <a:ext cx="3505200" cy="1354217"/>
+            <a:off x="3962399" y="2891380"/>
+            <a:ext cx="4907639" cy="1766910"/>
           </a:xfrm>
           <a:prstGeom prst="rect">
             <a:avLst/>
           </a:prstGeom>
-          <a:noFill/>
+          <a:ln>
+            <a:noFill/>
+          </a:ln>
+          <a:effectLst>
+            <a:softEdge rad="112500"/>
+          </a:effectLst>
         </p:spPr>
-        <p:txBody>
-          <a:bodyPr wrap="square" rtlCol="0">
-            <a:spAutoFit/>
-          </a:bodyPr>
-          <a:lstStyle/>
-          <a:p>
-            <a:r>
-              <a:rPr lang="en-US" sz="2800" b="1" dirty="0" smtClean="0">
-                <a:solidFill>
-                  <a:schemeClr val="accent6">
-                    <a:lumMod val="75000"/>
-                  </a:schemeClr>
-                </a:solidFill>
-              </a:rPr>
-              <a:t>3.</a:t>
-            </a:r>
-            <a:r>
-              <a:rPr lang="en-US" dirty="0" smtClean="0">
-                <a:solidFill>
-                  <a:schemeClr val="accent6">
-                    <a:lumMod val="75000"/>
-                  </a:schemeClr>
-                </a:solidFill>
-              </a:rPr>
-              <a:t> After finishing name editing, press enter to confirm. Alternatively, you could click on any where else to confirm the change.</a:t>
-            </a:r>
-          </a:p>
-        </p:txBody>
-      </p:sp>
+      </p:pic>
     </p:spTree>
     <p:extLst>
       <p:ext uri="{BB962C8B-B14F-4D97-AF65-F5344CB8AC3E}">
@@ -16411,14 +16625,14 @@
       </p:grpSpPr>
       <p:sp>
         <p:nvSpPr>
-          <p:cNvPr id="7" name="[TextBox 6]"/>
+          <p:cNvPr id="10" name="[TextBox 6]"/>
           <p:cNvSpPr txBox="1"/>
           <p:nvPr/>
         </p:nvSpPr>
         <p:spPr>
           <a:xfrm>
-            <a:off x="457200" y="907022"/>
-            <a:ext cx="3505200" cy="1077218"/>
+            <a:off x="457200" y="838200"/>
+            <a:ext cx="3505200" cy="1354217"/>
           </a:xfrm>
           <a:prstGeom prst="rect">
             <a:avLst/>
@@ -16439,7 +16653,7 @@
                   </a:schemeClr>
                 </a:solidFill>
               </a:rPr>
-              <a:t>1.</a:t>
+              <a:t>3.</a:t>
             </a:r>
             <a:r>
               <a:rPr lang="en-US" dirty="0" smtClean="0">
@@ -16449,42 +16663,14 @@
                   </a:schemeClr>
                 </a:solidFill>
               </a:rPr>
-              <a:t> Click the                button, it will </a:t>
-            </a:r>
-          </a:p>
-          <a:p>
-            <a:endParaRPr lang="en-US" dirty="0" smtClean="0">
-              <a:solidFill>
-                <a:schemeClr val="accent6">
-                  <a:lumMod val="75000"/>
-                </a:schemeClr>
-              </a:solidFill>
-            </a:endParaRPr>
-          </a:p>
-          <a:p>
-            <a:r>
-              <a:rPr lang="en-US" dirty="0" smtClean="0">
-                <a:solidFill>
-                  <a:schemeClr val="accent6">
-                    <a:lumMod val="75000"/>
-                  </a:schemeClr>
-                </a:solidFill>
-              </a:rPr>
-              <a:t>bring you the Shapes Lab Panel.</a:t>
-            </a:r>
-            <a:endParaRPr lang="en-SG" dirty="0">
-              <a:solidFill>
-                <a:schemeClr val="accent6">
-                  <a:lumMod val="75000"/>
-                </a:schemeClr>
-              </a:solidFill>
-            </a:endParaRPr>
+              <a:t> After finishing name editing, press enter to confirm. Alternatively, you could click on any where else to confirm the change.</a:t>
+            </a:r>
           </a:p>
         </p:txBody>
       </p:sp>
       <p:pic>
         <p:nvPicPr>
-          <p:cNvPr id="3" name="Picture 2"/>
+          <p:cNvPr id="2" name="Picture 1"/>
           <p:cNvPicPr>
             <a:picLocks noChangeAspect="1"/>
           </p:cNvPicPr>
@@ -16498,24 +16684,30 @@
         </p:blipFill>
         <p:spPr>
           <a:xfrm>
-            <a:off x="4038600" y="155812"/>
-            <a:ext cx="4907639" cy="6705600"/>
+            <a:off x="3962399" y="762000"/>
+            <a:ext cx="4907639" cy="1447800"/>
           </a:xfrm>
           <a:prstGeom prst="rect">
             <a:avLst/>
           </a:prstGeom>
+          <a:ln>
+            <a:noFill/>
+          </a:ln>
+          <a:effectLst>
+            <a:softEdge rad="112500"/>
+          </a:effectLst>
         </p:spPr>
       </p:pic>
       <p:sp>
         <p:nvSpPr>
-          <p:cNvPr id="9" name="[TextBox 6]"/>
+          <p:cNvPr id="12" name="[TextBox 6]"/>
           <p:cNvSpPr txBox="1"/>
           <p:nvPr/>
         </p:nvSpPr>
         <p:spPr>
           <a:xfrm>
-            <a:off x="457200" y="2485104"/>
-            <a:ext cx="3505200" cy="1908215"/>
+            <a:off x="449237" y="3128090"/>
+            <a:ext cx="3505201" cy="1631216"/>
           </a:xfrm>
           <a:prstGeom prst="rect">
             <a:avLst/>
@@ -16536,7 +16728,7 @@
                   </a:schemeClr>
                 </a:solidFill>
               </a:rPr>
-              <a:t>2.</a:t>
+              <a:t>4.</a:t>
             </a:r>
             <a:r>
               <a:rPr lang="en-US" dirty="0" smtClean="0">
@@ -16546,9 +16738,79 @@
                   </a:schemeClr>
                 </a:solidFill>
               </a:rPr>
-              <a:t> Right click on the shape you want to add into the Lab, and select “Add to Custom Shapes”. Then you should see your shape in the panel and waiting for name editing.</a:t>
-            </a:r>
-            <a:endParaRPr lang="en-SG" dirty="0">
+              <a:t> B</a:t>
+            </a:r>
+            <a:r>
+              <a:rPr lang="en-US" altLang="zh-CN" dirty="0" smtClean="0">
+                <a:solidFill>
+                  <a:schemeClr val="accent6">
+                    <a:lumMod val="75000"/>
+                  </a:schemeClr>
+                </a:solidFill>
+              </a:rPr>
+              <a:t>y </a:t>
+            </a:r>
+            <a:r>
+              <a:rPr lang="en-US" altLang="zh-CN" dirty="0">
+                <a:solidFill>
+                  <a:schemeClr val="accent6">
+                    <a:lumMod val="75000"/>
+                  </a:schemeClr>
+                </a:solidFill>
+              </a:rPr>
+              <a:t>right clicking on the </a:t>
+            </a:r>
+            <a:r>
+              <a:rPr lang="en-US" altLang="zh-CN" dirty="0" smtClean="0">
+                <a:solidFill>
+                  <a:schemeClr val="accent6">
+                    <a:lumMod val="75000"/>
+                  </a:schemeClr>
+                </a:solidFill>
+              </a:rPr>
+              <a:t>shape,</a:t>
+            </a:r>
+            <a:r>
+              <a:rPr lang="en-US" dirty="0" smtClean="0">
+                <a:solidFill>
+                  <a:schemeClr val="accent6">
+                    <a:lumMod val="75000"/>
+                  </a:schemeClr>
+                </a:solidFill>
+              </a:rPr>
+              <a:t> you can Add, Remove or Rename the shape. As a short cut to </a:t>
+            </a:r>
+            <a:r>
+              <a:rPr lang="en-US" altLang="zh-CN" dirty="0" smtClean="0">
+                <a:solidFill>
+                  <a:schemeClr val="accent6">
+                    <a:lumMod val="75000"/>
+                  </a:schemeClr>
+                </a:solidFill>
+              </a:rPr>
+              <a:t>add a shape </a:t>
+            </a:r>
+            <a:r>
+              <a:rPr lang="en-US" altLang="zh-CN" dirty="0">
+                <a:solidFill>
+                  <a:schemeClr val="accent6">
+                    <a:lumMod val="75000"/>
+                  </a:schemeClr>
+                </a:solidFill>
+              </a:rPr>
+              <a:t>into the </a:t>
+            </a:r>
+            <a:r>
+              <a:rPr lang="en-US" altLang="zh-CN" dirty="0" smtClean="0">
+                <a:solidFill>
+                  <a:schemeClr val="accent6">
+                    <a:lumMod val="75000"/>
+                  </a:schemeClr>
+                </a:solidFill>
+              </a:rPr>
+              <a:t>slide, simply double click on the shape.</a:t>
+            </a:r>
+            <a:endParaRPr lang="en-US" dirty="0" smtClean="0">
               <a:solidFill>
                 <a:schemeClr val="accent6">
                   <a:lumMod val="75000"/>
@@ -16558,51 +16820,36 @@
           </a:p>
         </p:txBody>
       </p:sp>
-      <p:sp>
-        <p:nvSpPr>
-          <p:cNvPr id="10" name="[TextBox 6]"/>
-          <p:cNvSpPr txBox="1"/>
+      <p:pic>
+        <p:nvPicPr>
+          <p:cNvPr id="6" name="Picture 5"/>
+          <p:cNvPicPr>
+            <a:picLocks noChangeAspect="1"/>
+          </p:cNvPicPr>
           <p:nvPr/>
-        </p:nvSpPr>
+        </p:nvPicPr>
+        <p:blipFill>
+          <a:blip r:embed="rId4"/>
+          <a:stretch>
+            <a:fillRect/>
+          </a:stretch>
+        </p:blipFill>
         <p:spPr>
           <a:xfrm>
-            <a:off x="457200" y="4894183"/>
-            <a:ext cx="3505200" cy="1354217"/>
+            <a:off x="3962398" y="2930506"/>
+            <a:ext cx="4907639" cy="2174894"/>
           </a:xfrm>
           <a:prstGeom prst="rect">
             <a:avLst/>
           </a:prstGeom>
-          <a:noFill/>
+          <a:ln>
+            <a:noFill/>
+          </a:ln>
+          <a:effectLst>
+            <a:softEdge rad="112500"/>
+          </a:effectLst>
         </p:spPr>
-        <p:txBody>
-          <a:bodyPr wrap="square" rtlCol="0">
-            <a:spAutoFit/>
-          </a:bodyPr>
-          <a:lstStyle/>
-          <a:p>
-            <a:r>
-              <a:rPr lang="en-US" sz="2800" b="1" dirty="0" smtClean="0">
-                <a:solidFill>
-                  <a:schemeClr val="accent6">
-                    <a:lumMod val="75000"/>
-                  </a:schemeClr>
-                </a:solidFill>
-              </a:rPr>
-              <a:t>3.</a:t>
-            </a:r>
-            <a:r>
-              <a:rPr lang="en-US" dirty="0" smtClean="0">
-                <a:solidFill>
-                  <a:schemeClr val="accent6">
-                    <a:lumMod val="75000"/>
-                  </a:schemeClr>
-                </a:solidFill>
-              </a:rPr>
-              <a:t> After finishing name editing, press enter to confirm. Alternatively, you could click on any where else to confirm the change.</a:t>
-            </a:r>
-          </a:p>
-        </p:txBody>
-      </p:sp>
+      </p:pic>
     </p:spTree>
     <p:extLst>
       <p:ext uri="{BB962C8B-B14F-4D97-AF65-F5344CB8AC3E}">

--- a/PowerPointLabs/PowerPointLabs/PowerPointLabs Quick Tutorial.pptx
+++ b/PowerPointLabs/PowerPointLabs/PowerPointLabs Quick Tutorial.pptx
@@ -5,7 +5,7 @@
     <p:sldMasterId id="2147483648" r:id="rId1"/>
   </p:sldMasterIdLst>
   <p:notesMasterIdLst>
-    <p:notesMasterId r:id="rId33"/>
+    <p:notesMasterId r:id="rId35"/>
   </p:notesMasterIdLst>
   <p:sldIdLst>
     <p:sldId id="296" r:id="rId2"/>
@@ -37,8 +37,10 @@
     <p:sldId id="332" r:id="rId28"/>
     <p:sldId id="333" r:id="rId29"/>
     <p:sldId id="334" r:id="rId30"/>
-    <p:sldId id="305" r:id="rId31"/>
-    <p:sldId id="299" r:id="rId32"/>
+    <p:sldId id="335" r:id="rId31"/>
+    <p:sldId id="336" r:id="rId32"/>
+    <p:sldId id="305" r:id="rId33"/>
+    <p:sldId id="299" r:id="rId34"/>
   </p:sldIdLst>
   <p:sldSz cx="9144000" cy="6858000" type="screen4x3"/>
   <p:notesSz cx="6858000" cy="9144000"/>
@@ -199,6 +201,12 @@
             <p14:sldId id="332"/>
             <p14:sldId id="333"/>
             <p14:sldId id="334"/>
+          </p14:sldIdLst>
+        </p14:section>
+        <p14:section name="Colors Lab" id="{4D9F6F7A-AD11-477C-BD7D-CDEDBF639F04}">
+          <p14:sldIdLst>
+            <p14:sldId id="335"/>
+            <p14:sldId id="336"/>
           </p14:sldIdLst>
         </p14:section>
         <p14:section name="Wrap up" id="{5BBA1A93-B239-4917-BAC7-9CBE7A60C0BF}">
@@ -17059,6 +17067,1784 @@
       </p:grpSpPr>
       <p:sp>
         <p:nvSpPr>
+          <p:cNvPr id="4" name="[TextBox 3]"/>
+          <p:cNvSpPr txBox="1"/>
+          <p:nvPr/>
+        </p:nvSpPr>
+        <p:spPr>
+          <a:xfrm>
+            <a:off x="3206527" y="3119165"/>
+            <a:ext cx="5928508" cy="369332"/>
+          </a:xfrm>
+          <a:prstGeom prst="rect">
+            <a:avLst/>
+          </a:prstGeom>
+          <a:noFill/>
+        </p:spPr>
+        <p:txBody>
+          <a:bodyPr wrap="square" rtlCol="0">
+            <a:spAutoFit/>
+          </a:bodyPr>
+          <a:lstStyle/>
+          <a:p>
+            <a:r>
+              <a:rPr lang="en-US" dirty="0" smtClean="0">
+                <a:solidFill>
+                  <a:schemeClr val="accent6">
+                    <a:lumMod val="75000"/>
+                  </a:schemeClr>
+                </a:solidFill>
+              </a:rPr>
+              <a:t>Next, let’s try the </a:t>
+            </a:r>
+            <a:r>
+              <a:rPr lang="en-US" b="1" dirty="0" smtClean="0">
+                <a:solidFill>
+                  <a:schemeClr val="accent6">
+                    <a:lumMod val="75000"/>
+                  </a:schemeClr>
+                </a:solidFill>
+              </a:rPr>
+              <a:t>Colors Lab </a:t>
+            </a:r>
+            <a:r>
+              <a:rPr lang="en-US" dirty="0" smtClean="0">
+                <a:solidFill>
+                  <a:schemeClr val="accent6">
+                    <a:lumMod val="75000"/>
+                  </a:schemeClr>
+                </a:solidFill>
+              </a:rPr>
+              <a:t>features</a:t>
+            </a:r>
+            <a:endParaRPr lang="en-SG" dirty="0">
+              <a:solidFill>
+                <a:schemeClr val="accent6">
+                  <a:lumMod val="75000"/>
+                </a:schemeClr>
+              </a:solidFill>
+            </a:endParaRPr>
+          </a:p>
+        </p:txBody>
+      </p:sp>
+      <p:sp>
+        <p:nvSpPr>
+          <p:cNvPr id="15" name="Rectangle 212"/>
+          <p:cNvSpPr/>
+          <p:nvPr/>
+        </p:nvSpPr>
+        <p:spPr>
+          <a:xfrm>
+            <a:off x="2336951" y="2819400"/>
+            <a:ext cx="838200" cy="838200"/>
+          </a:xfrm>
+          <a:prstGeom prst="rect">
+            <a:avLst/>
+          </a:prstGeom>
+          <a:noFill/>
+          <a:ln>
+            <a:noFill/>
+          </a:ln>
+        </p:spPr>
+        <p:style>
+          <a:lnRef idx="2">
+            <a:schemeClr val="accent1">
+              <a:shade val="50000"/>
+            </a:schemeClr>
+          </a:lnRef>
+          <a:fillRef idx="1">
+            <a:schemeClr val="accent1"/>
+          </a:fillRef>
+          <a:effectRef idx="0">
+            <a:schemeClr val="accent1"/>
+          </a:effectRef>
+          <a:fontRef idx="minor">
+            <a:schemeClr val="lt1"/>
+          </a:fontRef>
+        </p:style>
+        <p:txBody>
+          <a:bodyPr rtlCol="0" anchor="ctr"/>
+          <a:lstStyle/>
+          <a:p>
+            <a:pPr algn="ctr"/>
+            <a:endParaRPr lang="en-SG"/>
+          </a:p>
+        </p:txBody>
+      </p:sp>
+      <p:sp>
+        <p:nvSpPr>
+          <p:cNvPr id="17" name="Rectangle 4"/>
+          <p:cNvSpPr/>
+          <p:nvPr/>
+        </p:nvSpPr>
+        <p:spPr>
+          <a:xfrm rot="16200000">
+            <a:off x="2405906" y="2892603"/>
+            <a:ext cx="700291" cy="690781"/>
+          </a:xfrm>
+          <a:custGeom>
+            <a:avLst/>
+            <a:gdLst/>
+            <a:ahLst/>
+            <a:cxnLst/>
+            <a:rect l="l" t="t" r="r" b="b"/>
+            <a:pathLst>
+              <a:path w="1752603" h="1752600">
+                <a:moveTo>
+                  <a:pt x="533400" y="0"/>
+                </a:moveTo>
+                <a:lnTo>
+                  <a:pt x="533403" y="0"/>
+                </a:lnTo>
+                <a:lnTo>
+                  <a:pt x="1066800" y="0"/>
+                </a:lnTo>
+                <a:lnTo>
+                  <a:pt x="1752603" y="0"/>
+                </a:lnTo>
+                <a:lnTo>
+                  <a:pt x="1752603" y="1752600"/>
+                </a:lnTo>
+                <a:lnTo>
+                  <a:pt x="1219203" y="1752600"/>
+                </a:lnTo>
+                <a:lnTo>
+                  <a:pt x="533403" y="1752600"/>
+                </a:lnTo>
+                <a:lnTo>
+                  <a:pt x="3" y="1752600"/>
+                </a:lnTo>
+                <a:lnTo>
+                  <a:pt x="3" y="533430"/>
+                </a:lnTo>
+                <a:cubicBezTo>
+                  <a:pt x="0" y="533420"/>
+                  <a:pt x="0" y="533410"/>
+                  <a:pt x="0" y="533400"/>
+                </a:cubicBezTo>
+                <a:cubicBezTo>
+                  <a:pt x="0" y="238811"/>
+                  <a:pt x="238811" y="0"/>
+                  <a:pt x="533400" y="0"/>
+                </a:cubicBezTo>
+                <a:close/>
+              </a:path>
+            </a:pathLst>
+          </a:custGeom>
+          <a:noFill/>
+          <a:ln w="76200" cmpd="sng">
+            <a:solidFill>
+              <a:srgbClr val="0070C0"/>
+            </a:solidFill>
+            <a:miter lim="800000"/>
+          </a:ln>
+        </p:spPr>
+        <p:style>
+          <a:lnRef idx="2">
+            <a:schemeClr val="accent1">
+              <a:shade val="50000"/>
+            </a:schemeClr>
+          </a:lnRef>
+          <a:fillRef idx="1">
+            <a:schemeClr val="accent1"/>
+          </a:fillRef>
+          <a:effectRef idx="0">
+            <a:schemeClr val="accent1"/>
+          </a:effectRef>
+          <a:fontRef idx="minor">
+            <a:schemeClr val="lt1"/>
+          </a:fontRef>
+        </p:style>
+        <p:txBody>
+          <a:bodyPr rtlCol="0" anchor="ctr"/>
+          <a:lstStyle/>
+          <a:p>
+            <a:pPr algn="ctr"/>
+            <a:endParaRPr lang="en-US"/>
+          </a:p>
+        </p:txBody>
+      </p:sp>
+      <p:sp>
+        <p:nvSpPr>
+          <p:cNvPr id="18" name="Freeform 70"/>
+          <p:cNvSpPr/>
+          <p:nvPr/>
+        </p:nvSpPr>
+        <p:spPr>
+          <a:xfrm>
+            <a:off x="2810529" y="2878437"/>
+            <a:ext cx="282242" cy="315901"/>
+          </a:xfrm>
+          <a:custGeom>
+            <a:avLst/>
+            <a:gdLst>
+              <a:gd name="connsiteX0" fmla="*/ 0 w 266700"/>
+              <a:gd name="connsiteY0" fmla="*/ 23813 h 302419"/>
+              <a:gd name="connsiteX1" fmla="*/ 259556 w 266700"/>
+              <a:gd name="connsiteY1" fmla="*/ 302419 h 302419"/>
+              <a:gd name="connsiteX2" fmla="*/ 266700 w 266700"/>
+              <a:gd name="connsiteY2" fmla="*/ 0 h 302419"/>
+              <a:gd name="connsiteX3" fmla="*/ 0 w 266700"/>
+              <a:gd name="connsiteY3" fmla="*/ 23813 h 302419"/>
+            </a:gdLst>
+            <a:ahLst/>
+            <a:cxnLst>
+              <a:cxn ang="0">
+                <a:pos x="connsiteX0" y="connsiteY0"/>
+              </a:cxn>
+              <a:cxn ang="0">
+                <a:pos x="connsiteX1" y="connsiteY1"/>
+              </a:cxn>
+              <a:cxn ang="0">
+                <a:pos x="connsiteX2" y="connsiteY2"/>
+              </a:cxn>
+              <a:cxn ang="0">
+                <a:pos x="connsiteX3" y="connsiteY3"/>
+              </a:cxn>
+            </a:cxnLst>
+            <a:rect l="l" t="t" r="r" b="b"/>
+            <a:pathLst>
+              <a:path w="266700" h="302419">
+                <a:moveTo>
+                  <a:pt x="0" y="23813"/>
+                </a:moveTo>
+                <a:lnTo>
+                  <a:pt x="259556" y="302419"/>
+                </a:lnTo>
+                <a:lnTo>
+                  <a:pt x="266700" y="0"/>
+                </a:lnTo>
+                <a:lnTo>
+                  <a:pt x="0" y="23813"/>
+                </a:lnTo>
+                <a:close/>
+              </a:path>
+            </a:pathLst>
+          </a:custGeom>
+          <a:solidFill>
+            <a:srgbClr val="0070C0"/>
+          </a:solidFill>
+          <a:ln>
+            <a:noFill/>
+          </a:ln>
+        </p:spPr>
+        <p:style>
+          <a:lnRef idx="2">
+            <a:schemeClr val="accent1">
+              <a:shade val="50000"/>
+            </a:schemeClr>
+          </a:lnRef>
+          <a:fillRef idx="1">
+            <a:schemeClr val="accent1"/>
+          </a:fillRef>
+          <a:effectRef idx="0">
+            <a:schemeClr val="accent1"/>
+          </a:effectRef>
+          <a:fontRef idx="minor">
+            <a:schemeClr val="lt1"/>
+          </a:fontRef>
+        </p:style>
+        <p:txBody>
+          <a:bodyPr rtlCol="0" anchor="ctr"/>
+          <a:lstStyle/>
+          <a:p>
+            <a:pPr algn="ctr"/>
+            <a:endParaRPr lang="en-SG"/>
+          </a:p>
+        </p:txBody>
+      </p:sp>
+      <p:grpSp>
+        <p:nvGrpSpPr>
+          <p:cNvPr id="19" name="Group 69"/>
+          <p:cNvGrpSpPr/>
+          <p:nvPr/>
+        </p:nvGrpSpPr>
+        <p:grpSpPr>
+          <a:xfrm rot="2832674">
+            <a:off x="2559710" y="2958969"/>
+            <a:ext cx="354223" cy="575756"/>
+            <a:chOff x="2833184" y="5597530"/>
+            <a:chExt cx="354106" cy="575566"/>
+          </a:xfrm>
+        </p:grpSpPr>
+        <p:sp>
+          <p:nvSpPr>
+            <p:cNvPr id="20" name="Rounded Rectangle 215"/>
+            <p:cNvSpPr/>
+            <p:nvPr/>
+          </p:nvSpPr>
+          <p:spPr>
+            <a:xfrm>
+              <a:off x="2833184" y="5833301"/>
+              <a:ext cx="354106" cy="339795"/>
+            </a:xfrm>
+            <a:custGeom>
+              <a:avLst/>
+              <a:gdLst>
+                <a:gd name="connsiteX0" fmla="*/ 0 w 277919"/>
+                <a:gd name="connsiteY0" fmla="*/ 0 h 246465"/>
+                <a:gd name="connsiteX1" fmla="*/ 277919 w 277919"/>
+                <a:gd name="connsiteY1" fmla="*/ 0 h 246465"/>
+                <a:gd name="connsiteX2" fmla="*/ 277919 w 277919"/>
+                <a:gd name="connsiteY2" fmla="*/ 29657 h 246465"/>
+                <a:gd name="connsiteX3" fmla="*/ 243947 w 277919"/>
+                <a:gd name="connsiteY3" fmla="*/ 63629 h 246465"/>
+                <a:gd name="connsiteX4" fmla="*/ 168190 w 277919"/>
+                <a:gd name="connsiteY4" fmla="*/ 63629 h 246465"/>
+                <a:gd name="connsiteX5" fmla="*/ 183567 w 277919"/>
+                <a:gd name="connsiteY5" fmla="*/ 246465 h 246465"/>
+                <a:gd name="connsiteX6" fmla="*/ 94350 w 277919"/>
+                <a:gd name="connsiteY6" fmla="*/ 246465 h 246465"/>
+                <a:gd name="connsiteX7" fmla="*/ 109728 w 277919"/>
+                <a:gd name="connsiteY7" fmla="*/ 63629 h 246465"/>
+                <a:gd name="connsiteX8" fmla="*/ 33972 w 277919"/>
+                <a:gd name="connsiteY8" fmla="*/ 63629 h 246465"/>
+                <a:gd name="connsiteX9" fmla="*/ 0 w 277919"/>
+                <a:gd name="connsiteY9" fmla="*/ 29657 h 246465"/>
+                <a:gd name="connsiteX10" fmla="*/ 0 w 277919"/>
+                <a:gd name="connsiteY10" fmla="*/ 0 h 246465"/>
+                <a:gd name="connsiteX0" fmla="*/ 0 w 277919"/>
+                <a:gd name="connsiteY0" fmla="*/ 0 h 246465"/>
+                <a:gd name="connsiteX1" fmla="*/ 277919 w 277919"/>
+                <a:gd name="connsiteY1" fmla="*/ 0 h 246465"/>
+                <a:gd name="connsiteX2" fmla="*/ 277919 w 277919"/>
+                <a:gd name="connsiteY2" fmla="*/ 29657 h 246465"/>
+                <a:gd name="connsiteX3" fmla="*/ 243947 w 277919"/>
+                <a:gd name="connsiteY3" fmla="*/ 63629 h 246465"/>
+                <a:gd name="connsiteX4" fmla="*/ 168190 w 277919"/>
+                <a:gd name="connsiteY4" fmla="*/ 63629 h 246465"/>
+                <a:gd name="connsiteX5" fmla="*/ 183567 w 277919"/>
+                <a:gd name="connsiteY5" fmla="*/ 246465 h 246465"/>
+                <a:gd name="connsiteX6" fmla="*/ 94350 w 277919"/>
+                <a:gd name="connsiteY6" fmla="*/ 246465 h 246465"/>
+                <a:gd name="connsiteX7" fmla="*/ 109728 w 277919"/>
+                <a:gd name="connsiteY7" fmla="*/ 63629 h 246465"/>
+                <a:gd name="connsiteX8" fmla="*/ 33972 w 277919"/>
+                <a:gd name="connsiteY8" fmla="*/ 63629 h 246465"/>
+                <a:gd name="connsiteX9" fmla="*/ 0 w 277919"/>
+                <a:gd name="connsiteY9" fmla="*/ 29657 h 246465"/>
+                <a:gd name="connsiteX10" fmla="*/ 0 w 277919"/>
+                <a:gd name="connsiteY10" fmla="*/ 0 h 246465"/>
+              </a:gdLst>
+              <a:ahLst/>
+              <a:cxnLst>
+                <a:cxn ang="0">
+                  <a:pos x="connsiteX0" y="connsiteY0"/>
+                </a:cxn>
+                <a:cxn ang="0">
+                  <a:pos x="connsiteX1" y="connsiteY1"/>
+                </a:cxn>
+                <a:cxn ang="0">
+                  <a:pos x="connsiteX2" y="connsiteY2"/>
+                </a:cxn>
+                <a:cxn ang="0">
+                  <a:pos x="connsiteX3" y="connsiteY3"/>
+                </a:cxn>
+                <a:cxn ang="0">
+                  <a:pos x="connsiteX4" y="connsiteY4"/>
+                </a:cxn>
+                <a:cxn ang="0">
+                  <a:pos x="connsiteX5" y="connsiteY5"/>
+                </a:cxn>
+                <a:cxn ang="0">
+                  <a:pos x="connsiteX6" y="connsiteY6"/>
+                </a:cxn>
+                <a:cxn ang="0">
+                  <a:pos x="connsiteX7" y="connsiteY7"/>
+                </a:cxn>
+                <a:cxn ang="0">
+                  <a:pos x="connsiteX8" y="connsiteY8"/>
+                </a:cxn>
+                <a:cxn ang="0">
+                  <a:pos x="connsiteX9" y="connsiteY9"/>
+                </a:cxn>
+                <a:cxn ang="0">
+                  <a:pos x="connsiteX10" y="connsiteY10"/>
+                </a:cxn>
+              </a:cxnLst>
+              <a:rect l="l" t="t" r="r" b="b"/>
+              <a:pathLst>
+                <a:path w="277919" h="246465">
+                  <a:moveTo>
+                    <a:pt x="0" y="0"/>
+                  </a:moveTo>
+                  <a:lnTo>
+                    <a:pt x="277919" y="0"/>
+                  </a:lnTo>
+                  <a:lnTo>
+                    <a:pt x="277919" y="29657"/>
+                  </a:lnTo>
+                  <a:cubicBezTo>
+                    <a:pt x="277919" y="48419"/>
+                    <a:pt x="262709" y="63629"/>
+                    <a:pt x="243947" y="63629"/>
+                  </a:cubicBezTo>
+                  <a:lnTo>
+                    <a:pt x="168190" y="63629"/>
+                  </a:lnTo>
+                  <a:cubicBezTo>
+                    <a:pt x="158127" y="94102"/>
+                    <a:pt x="195874" y="215992"/>
+                    <a:pt x="183567" y="246465"/>
+                  </a:cubicBezTo>
+                  <a:cubicBezTo>
+                    <a:pt x="171260" y="276938"/>
+                    <a:pt x="106657" y="276938"/>
+                    <a:pt x="94350" y="246465"/>
+                  </a:cubicBezTo>
+                  <a:cubicBezTo>
+                    <a:pt x="82043" y="215992"/>
+                    <a:pt x="119791" y="94102"/>
+                    <a:pt x="109728" y="63629"/>
+                  </a:cubicBezTo>
+                  <a:lnTo>
+                    <a:pt x="33972" y="63629"/>
+                  </a:lnTo>
+                  <a:cubicBezTo>
+                    <a:pt x="15210" y="63629"/>
+                    <a:pt x="0" y="48419"/>
+                    <a:pt x="0" y="29657"/>
+                  </a:cubicBezTo>
+                  <a:lnTo>
+                    <a:pt x="0" y="0"/>
+                  </a:lnTo>
+                  <a:close/>
+                </a:path>
+              </a:pathLst>
+            </a:custGeom>
+            <a:solidFill>
+              <a:schemeClr val="accent6"/>
+            </a:solidFill>
+            <a:ln w="19050">
+              <a:solidFill>
+                <a:schemeClr val="bg1"/>
+              </a:solidFill>
+            </a:ln>
+            <a:effectLst/>
+          </p:spPr>
+          <p:style>
+            <a:lnRef idx="2">
+              <a:schemeClr val="accent1">
+                <a:shade val="50000"/>
+              </a:schemeClr>
+            </a:lnRef>
+            <a:fillRef idx="1">
+              <a:schemeClr val="accent1"/>
+            </a:fillRef>
+            <a:effectRef idx="0">
+              <a:schemeClr val="accent1"/>
+            </a:effectRef>
+            <a:fontRef idx="minor">
+              <a:schemeClr val="lt1"/>
+            </a:fontRef>
+          </p:style>
+          <p:txBody>
+            <a:bodyPr rtlCol="0" anchor="ctr"/>
+            <a:lstStyle/>
+            <a:p>
+              <a:pPr algn="ctr"/>
+              <a:endParaRPr lang="en-SG"/>
+            </a:p>
+          </p:txBody>
+        </p:sp>
+        <p:sp>
+          <p:nvSpPr>
+            <p:cNvPr id="21" name="Rectangle 67"/>
+            <p:cNvSpPr/>
+            <p:nvPr/>
+          </p:nvSpPr>
+          <p:spPr>
+            <a:xfrm>
+              <a:off x="2833184" y="5597530"/>
+              <a:ext cx="354106" cy="230801"/>
+            </a:xfrm>
+            <a:prstGeom prst="rect">
+              <a:avLst/>
+            </a:prstGeom>
+            <a:solidFill>
+              <a:srgbClr val="0070C0"/>
+            </a:solidFill>
+            <a:ln w="19050">
+              <a:solidFill>
+                <a:schemeClr val="bg1"/>
+              </a:solidFill>
+            </a:ln>
+            <a:effectLst/>
+          </p:spPr>
+          <p:style>
+            <a:lnRef idx="2">
+              <a:schemeClr val="accent1">
+                <a:shade val="50000"/>
+              </a:schemeClr>
+            </a:lnRef>
+            <a:fillRef idx="1">
+              <a:schemeClr val="accent1"/>
+            </a:fillRef>
+            <a:effectRef idx="0">
+              <a:schemeClr val="accent1"/>
+            </a:effectRef>
+            <a:fontRef idx="minor">
+              <a:schemeClr val="lt1"/>
+            </a:fontRef>
+          </p:style>
+          <p:txBody>
+            <a:bodyPr rtlCol="0" anchor="ctr"/>
+            <a:lstStyle/>
+            <a:p>
+              <a:pPr algn="ctr"/>
+              <a:endParaRPr lang="en-SG"/>
+            </a:p>
+          </p:txBody>
+        </p:sp>
+        <p:sp>
+          <p:nvSpPr>
+            <p:cNvPr id="22" name="Flowchart: Manual Input 68"/>
+            <p:cNvSpPr/>
+            <p:nvPr/>
+          </p:nvSpPr>
+          <p:spPr>
+            <a:xfrm>
+              <a:off x="2833184" y="5657689"/>
+              <a:ext cx="354106" cy="175610"/>
+            </a:xfrm>
+            <a:custGeom>
+              <a:avLst/>
+              <a:gdLst>
+                <a:gd name="connsiteX0" fmla="*/ 0 w 10000"/>
+                <a:gd name="connsiteY0" fmla="*/ 2000 h 10000"/>
+                <a:gd name="connsiteX1" fmla="*/ 10000 w 10000"/>
+                <a:gd name="connsiteY1" fmla="*/ 0 h 10000"/>
+                <a:gd name="connsiteX2" fmla="*/ 10000 w 10000"/>
+                <a:gd name="connsiteY2" fmla="*/ 10000 h 10000"/>
+                <a:gd name="connsiteX3" fmla="*/ 0 w 10000"/>
+                <a:gd name="connsiteY3" fmla="*/ 10000 h 10000"/>
+                <a:gd name="connsiteX4" fmla="*/ 0 w 10000"/>
+                <a:gd name="connsiteY4" fmla="*/ 2000 h 10000"/>
+                <a:gd name="connsiteX0" fmla="*/ 0 w 10000"/>
+                <a:gd name="connsiteY0" fmla="*/ 2000 h 10000"/>
+                <a:gd name="connsiteX1" fmla="*/ 2906 w 10000"/>
+                <a:gd name="connsiteY1" fmla="*/ 1528 h 10000"/>
+                <a:gd name="connsiteX2" fmla="*/ 10000 w 10000"/>
+                <a:gd name="connsiteY2" fmla="*/ 0 h 10000"/>
+                <a:gd name="connsiteX3" fmla="*/ 10000 w 10000"/>
+                <a:gd name="connsiteY3" fmla="*/ 10000 h 10000"/>
+                <a:gd name="connsiteX4" fmla="*/ 0 w 10000"/>
+                <a:gd name="connsiteY4" fmla="*/ 10000 h 10000"/>
+                <a:gd name="connsiteX5" fmla="*/ 0 w 10000"/>
+                <a:gd name="connsiteY5" fmla="*/ 2000 h 10000"/>
+                <a:gd name="connsiteX0" fmla="*/ 0 w 10000"/>
+                <a:gd name="connsiteY0" fmla="*/ 2000 h 10000"/>
+                <a:gd name="connsiteX1" fmla="*/ 2906 w 10000"/>
+                <a:gd name="connsiteY1" fmla="*/ 1528 h 10000"/>
+                <a:gd name="connsiteX2" fmla="*/ 6470 w 10000"/>
+                <a:gd name="connsiteY2" fmla="*/ 652 h 10000"/>
+                <a:gd name="connsiteX3" fmla="*/ 10000 w 10000"/>
+                <a:gd name="connsiteY3" fmla="*/ 0 h 10000"/>
+                <a:gd name="connsiteX4" fmla="*/ 10000 w 10000"/>
+                <a:gd name="connsiteY4" fmla="*/ 10000 h 10000"/>
+                <a:gd name="connsiteX5" fmla="*/ 0 w 10000"/>
+                <a:gd name="connsiteY5" fmla="*/ 10000 h 10000"/>
+                <a:gd name="connsiteX6" fmla="*/ 0 w 10000"/>
+                <a:gd name="connsiteY6" fmla="*/ 2000 h 10000"/>
+                <a:gd name="connsiteX0" fmla="*/ 0 w 10000"/>
+                <a:gd name="connsiteY0" fmla="*/ 7262 h 15262"/>
+                <a:gd name="connsiteX1" fmla="*/ 2906 w 10000"/>
+                <a:gd name="connsiteY1" fmla="*/ 6790 h 15262"/>
+                <a:gd name="connsiteX2" fmla="*/ 6470 w 10000"/>
+                <a:gd name="connsiteY2" fmla="*/ 0 h 15262"/>
+                <a:gd name="connsiteX3" fmla="*/ 10000 w 10000"/>
+                <a:gd name="connsiteY3" fmla="*/ 5262 h 15262"/>
+                <a:gd name="connsiteX4" fmla="*/ 10000 w 10000"/>
+                <a:gd name="connsiteY4" fmla="*/ 15262 h 15262"/>
+                <a:gd name="connsiteX5" fmla="*/ 0 w 10000"/>
+                <a:gd name="connsiteY5" fmla="*/ 15262 h 15262"/>
+                <a:gd name="connsiteX6" fmla="*/ 0 w 10000"/>
+                <a:gd name="connsiteY6" fmla="*/ 7262 h 15262"/>
+                <a:gd name="connsiteX0" fmla="*/ 0 w 10000"/>
+                <a:gd name="connsiteY0" fmla="*/ 7262 h 15262"/>
+                <a:gd name="connsiteX1" fmla="*/ 2772 w 10000"/>
+                <a:gd name="connsiteY1" fmla="*/ 3943 h 15262"/>
+                <a:gd name="connsiteX2" fmla="*/ 6470 w 10000"/>
+                <a:gd name="connsiteY2" fmla="*/ 0 h 15262"/>
+                <a:gd name="connsiteX3" fmla="*/ 10000 w 10000"/>
+                <a:gd name="connsiteY3" fmla="*/ 5262 h 15262"/>
+                <a:gd name="connsiteX4" fmla="*/ 10000 w 10000"/>
+                <a:gd name="connsiteY4" fmla="*/ 15262 h 15262"/>
+                <a:gd name="connsiteX5" fmla="*/ 0 w 10000"/>
+                <a:gd name="connsiteY5" fmla="*/ 15262 h 15262"/>
+                <a:gd name="connsiteX6" fmla="*/ 0 w 10000"/>
+                <a:gd name="connsiteY6" fmla="*/ 7262 h 15262"/>
+                <a:gd name="connsiteX0" fmla="*/ 0 w 10000"/>
+                <a:gd name="connsiteY0" fmla="*/ 7262 h 15262"/>
+                <a:gd name="connsiteX1" fmla="*/ 2772 w 10000"/>
+                <a:gd name="connsiteY1" fmla="*/ 3943 h 15262"/>
+                <a:gd name="connsiteX2" fmla="*/ 4453 w 10000"/>
+                <a:gd name="connsiteY2" fmla="*/ 2190 h 15262"/>
+                <a:gd name="connsiteX3" fmla="*/ 6470 w 10000"/>
+                <a:gd name="connsiteY3" fmla="*/ 0 h 15262"/>
+                <a:gd name="connsiteX4" fmla="*/ 10000 w 10000"/>
+                <a:gd name="connsiteY4" fmla="*/ 5262 h 15262"/>
+                <a:gd name="connsiteX5" fmla="*/ 10000 w 10000"/>
+                <a:gd name="connsiteY5" fmla="*/ 15262 h 15262"/>
+                <a:gd name="connsiteX6" fmla="*/ 0 w 10000"/>
+                <a:gd name="connsiteY6" fmla="*/ 15262 h 15262"/>
+                <a:gd name="connsiteX7" fmla="*/ 0 w 10000"/>
+                <a:gd name="connsiteY7" fmla="*/ 7262 h 15262"/>
+                <a:gd name="connsiteX0" fmla="*/ 0 w 10000"/>
+                <a:gd name="connsiteY0" fmla="*/ 7262 h 15262"/>
+                <a:gd name="connsiteX1" fmla="*/ 2772 w 10000"/>
+                <a:gd name="connsiteY1" fmla="*/ 3943 h 15262"/>
+                <a:gd name="connsiteX2" fmla="*/ 4722 w 10000"/>
+                <a:gd name="connsiteY2" fmla="*/ 3942 h 15262"/>
+                <a:gd name="connsiteX3" fmla="*/ 6470 w 10000"/>
+                <a:gd name="connsiteY3" fmla="*/ 0 h 15262"/>
+                <a:gd name="connsiteX4" fmla="*/ 10000 w 10000"/>
+                <a:gd name="connsiteY4" fmla="*/ 5262 h 15262"/>
+                <a:gd name="connsiteX5" fmla="*/ 10000 w 10000"/>
+                <a:gd name="connsiteY5" fmla="*/ 15262 h 15262"/>
+                <a:gd name="connsiteX6" fmla="*/ 0 w 10000"/>
+                <a:gd name="connsiteY6" fmla="*/ 15262 h 15262"/>
+                <a:gd name="connsiteX7" fmla="*/ 0 w 10000"/>
+                <a:gd name="connsiteY7" fmla="*/ 7262 h 15262"/>
+                <a:gd name="connsiteX0" fmla="*/ 0 w 10000"/>
+                <a:gd name="connsiteY0" fmla="*/ 7262 h 15262"/>
+                <a:gd name="connsiteX1" fmla="*/ 2772 w 10000"/>
+                <a:gd name="connsiteY1" fmla="*/ 3943 h 15262"/>
+                <a:gd name="connsiteX2" fmla="*/ 4722 w 10000"/>
+                <a:gd name="connsiteY2" fmla="*/ 3942 h 15262"/>
+                <a:gd name="connsiteX3" fmla="*/ 6470 w 10000"/>
+                <a:gd name="connsiteY3" fmla="*/ 0 h 15262"/>
+                <a:gd name="connsiteX4" fmla="*/ 10000 w 10000"/>
+                <a:gd name="connsiteY4" fmla="*/ 5262 h 15262"/>
+                <a:gd name="connsiteX5" fmla="*/ 10000 w 10000"/>
+                <a:gd name="connsiteY5" fmla="*/ 15262 h 15262"/>
+                <a:gd name="connsiteX6" fmla="*/ 0 w 10000"/>
+                <a:gd name="connsiteY6" fmla="*/ 15262 h 15262"/>
+                <a:gd name="connsiteX7" fmla="*/ 0 w 10000"/>
+                <a:gd name="connsiteY7" fmla="*/ 7262 h 15262"/>
+                <a:gd name="connsiteX0" fmla="*/ 0 w 10000"/>
+                <a:gd name="connsiteY0" fmla="*/ 7262 h 15262"/>
+                <a:gd name="connsiteX1" fmla="*/ 2772 w 10000"/>
+                <a:gd name="connsiteY1" fmla="*/ 3943 h 15262"/>
+                <a:gd name="connsiteX2" fmla="*/ 4722 w 10000"/>
+                <a:gd name="connsiteY2" fmla="*/ 3942 h 15262"/>
+                <a:gd name="connsiteX3" fmla="*/ 6470 w 10000"/>
+                <a:gd name="connsiteY3" fmla="*/ 0 h 15262"/>
+                <a:gd name="connsiteX4" fmla="*/ 10000 w 10000"/>
+                <a:gd name="connsiteY4" fmla="*/ 5262 h 15262"/>
+                <a:gd name="connsiteX5" fmla="*/ 10000 w 10000"/>
+                <a:gd name="connsiteY5" fmla="*/ 15262 h 15262"/>
+                <a:gd name="connsiteX6" fmla="*/ 0 w 10000"/>
+                <a:gd name="connsiteY6" fmla="*/ 15262 h 15262"/>
+                <a:gd name="connsiteX7" fmla="*/ 0 w 10000"/>
+                <a:gd name="connsiteY7" fmla="*/ 7262 h 15262"/>
+                <a:gd name="connsiteX0" fmla="*/ 0 w 10000"/>
+                <a:gd name="connsiteY0" fmla="*/ 7518 h 15518"/>
+                <a:gd name="connsiteX1" fmla="*/ 2772 w 10000"/>
+                <a:gd name="connsiteY1" fmla="*/ 4199 h 15518"/>
+                <a:gd name="connsiteX2" fmla="*/ 4722 w 10000"/>
+                <a:gd name="connsiteY2" fmla="*/ 4198 h 15518"/>
+                <a:gd name="connsiteX3" fmla="*/ 6470 w 10000"/>
+                <a:gd name="connsiteY3" fmla="*/ 256 h 15518"/>
+                <a:gd name="connsiteX4" fmla="*/ 10000 w 10000"/>
+                <a:gd name="connsiteY4" fmla="*/ 5518 h 15518"/>
+                <a:gd name="connsiteX5" fmla="*/ 10000 w 10000"/>
+                <a:gd name="connsiteY5" fmla="*/ 15518 h 15518"/>
+                <a:gd name="connsiteX6" fmla="*/ 0 w 10000"/>
+                <a:gd name="connsiteY6" fmla="*/ 15518 h 15518"/>
+                <a:gd name="connsiteX7" fmla="*/ 0 w 10000"/>
+                <a:gd name="connsiteY7" fmla="*/ 7518 h 15518"/>
+                <a:gd name="connsiteX0" fmla="*/ 0 w 10000"/>
+                <a:gd name="connsiteY0" fmla="*/ 7518 h 15518"/>
+                <a:gd name="connsiteX1" fmla="*/ 2772 w 10000"/>
+                <a:gd name="connsiteY1" fmla="*/ 4199 h 15518"/>
+                <a:gd name="connsiteX2" fmla="*/ 4722 w 10000"/>
+                <a:gd name="connsiteY2" fmla="*/ 4198 h 15518"/>
+                <a:gd name="connsiteX3" fmla="*/ 6470 w 10000"/>
+                <a:gd name="connsiteY3" fmla="*/ 256 h 15518"/>
+                <a:gd name="connsiteX4" fmla="*/ 10000 w 10000"/>
+                <a:gd name="connsiteY4" fmla="*/ 5518 h 15518"/>
+                <a:gd name="connsiteX5" fmla="*/ 10000 w 10000"/>
+                <a:gd name="connsiteY5" fmla="*/ 15518 h 15518"/>
+                <a:gd name="connsiteX6" fmla="*/ 0 w 10000"/>
+                <a:gd name="connsiteY6" fmla="*/ 15518 h 15518"/>
+                <a:gd name="connsiteX7" fmla="*/ 0 w 10000"/>
+                <a:gd name="connsiteY7" fmla="*/ 7518 h 15518"/>
+                <a:gd name="connsiteX0" fmla="*/ 0 w 10000"/>
+                <a:gd name="connsiteY0" fmla="*/ 7282 h 15282"/>
+                <a:gd name="connsiteX1" fmla="*/ 2772 w 10000"/>
+                <a:gd name="connsiteY1" fmla="*/ 3963 h 15282"/>
+                <a:gd name="connsiteX2" fmla="*/ 4722 w 10000"/>
+                <a:gd name="connsiteY2" fmla="*/ 7028 h 15282"/>
+                <a:gd name="connsiteX3" fmla="*/ 6470 w 10000"/>
+                <a:gd name="connsiteY3" fmla="*/ 20 h 15282"/>
+                <a:gd name="connsiteX4" fmla="*/ 10000 w 10000"/>
+                <a:gd name="connsiteY4" fmla="*/ 5282 h 15282"/>
+                <a:gd name="connsiteX5" fmla="*/ 10000 w 10000"/>
+                <a:gd name="connsiteY5" fmla="*/ 15282 h 15282"/>
+                <a:gd name="connsiteX6" fmla="*/ 0 w 10000"/>
+                <a:gd name="connsiteY6" fmla="*/ 15282 h 15282"/>
+                <a:gd name="connsiteX7" fmla="*/ 0 w 10000"/>
+                <a:gd name="connsiteY7" fmla="*/ 7282 h 15282"/>
+                <a:gd name="connsiteX0" fmla="*/ 0 w 10000"/>
+                <a:gd name="connsiteY0" fmla="*/ 7282 h 15282"/>
+                <a:gd name="connsiteX1" fmla="*/ 2772 w 10000"/>
+                <a:gd name="connsiteY1" fmla="*/ 3963 h 15282"/>
+                <a:gd name="connsiteX2" fmla="*/ 4722 w 10000"/>
+                <a:gd name="connsiteY2" fmla="*/ 7028 h 15282"/>
+                <a:gd name="connsiteX3" fmla="*/ 6470 w 10000"/>
+                <a:gd name="connsiteY3" fmla="*/ 20 h 15282"/>
+                <a:gd name="connsiteX4" fmla="*/ 10000 w 10000"/>
+                <a:gd name="connsiteY4" fmla="*/ 5282 h 15282"/>
+                <a:gd name="connsiteX5" fmla="*/ 10000 w 10000"/>
+                <a:gd name="connsiteY5" fmla="*/ 15282 h 15282"/>
+                <a:gd name="connsiteX6" fmla="*/ 0 w 10000"/>
+                <a:gd name="connsiteY6" fmla="*/ 15282 h 15282"/>
+                <a:gd name="connsiteX7" fmla="*/ 0 w 10000"/>
+                <a:gd name="connsiteY7" fmla="*/ 7282 h 15282"/>
+                <a:gd name="connsiteX0" fmla="*/ 0 w 10000"/>
+                <a:gd name="connsiteY0" fmla="*/ 8153 h 16153"/>
+                <a:gd name="connsiteX1" fmla="*/ 2772 w 10000"/>
+                <a:gd name="connsiteY1" fmla="*/ 4834 h 16153"/>
+                <a:gd name="connsiteX2" fmla="*/ 4722 w 10000"/>
+                <a:gd name="connsiteY2" fmla="*/ 7899 h 16153"/>
+                <a:gd name="connsiteX3" fmla="*/ 6941 w 10000"/>
+                <a:gd name="connsiteY3" fmla="*/ 15 h 16153"/>
+                <a:gd name="connsiteX4" fmla="*/ 10000 w 10000"/>
+                <a:gd name="connsiteY4" fmla="*/ 6153 h 16153"/>
+                <a:gd name="connsiteX5" fmla="*/ 10000 w 10000"/>
+                <a:gd name="connsiteY5" fmla="*/ 16153 h 16153"/>
+                <a:gd name="connsiteX6" fmla="*/ 0 w 10000"/>
+                <a:gd name="connsiteY6" fmla="*/ 16153 h 16153"/>
+                <a:gd name="connsiteX7" fmla="*/ 0 w 10000"/>
+                <a:gd name="connsiteY7" fmla="*/ 8153 h 16153"/>
+                <a:gd name="connsiteX0" fmla="*/ 0 w 10000"/>
+                <a:gd name="connsiteY0" fmla="*/ 8153 h 16153"/>
+                <a:gd name="connsiteX1" fmla="*/ 2100 w 10000"/>
+                <a:gd name="connsiteY1" fmla="*/ 3958 h 16153"/>
+                <a:gd name="connsiteX2" fmla="*/ 4722 w 10000"/>
+                <a:gd name="connsiteY2" fmla="*/ 7899 h 16153"/>
+                <a:gd name="connsiteX3" fmla="*/ 6941 w 10000"/>
+                <a:gd name="connsiteY3" fmla="*/ 15 h 16153"/>
+                <a:gd name="connsiteX4" fmla="*/ 10000 w 10000"/>
+                <a:gd name="connsiteY4" fmla="*/ 6153 h 16153"/>
+                <a:gd name="connsiteX5" fmla="*/ 10000 w 10000"/>
+                <a:gd name="connsiteY5" fmla="*/ 16153 h 16153"/>
+                <a:gd name="connsiteX6" fmla="*/ 0 w 10000"/>
+                <a:gd name="connsiteY6" fmla="*/ 16153 h 16153"/>
+                <a:gd name="connsiteX7" fmla="*/ 0 w 10000"/>
+                <a:gd name="connsiteY7" fmla="*/ 8153 h 16153"/>
+              </a:gdLst>
+              <a:ahLst/>
+              <a:cxnLst>
+                <a:cxn ang="0">
+                  <a:pos x="connsiteX0" y="connsiteY0"/>
+                </a:cxn>
+                <a:cxn ang="0">
+                  <a:pos x="connsiteX1" y="connsiteY1"/>
+                </a:cxn>
+                <a:cxn ang="0">
+                  <a:pos x="connsiteX2" y="connsiteY2"/>
+                </a:cxn>
+                <a:cxn ang="0">
+                  <a:pos x="connsiteX3" y="connsiteY3"/>
+                </a:cxn>
+                <a:cxn ang="0">
+                  <a:pos x="connsiteX4" y="connsiteY4"/>
+                </a:cxn>
+                <a:cxn ang="0">
+                  <a:pos x="connsiteX5" y="connsiteY5"/>
+                </a:cxn>
+                <a:cxn ang="0">
+                  <a:pos x="connsiteX6" y="connsiteY6"/>
+                </a:cxn>
+                <a:cxn ang="0">
+                  <a:pos x="connsiteX7" y="connsiteY7"/>
+                </a:cxn>
+              </a:cxnLst>
+              <a:rect l="l" t="t" r="r" b="b"/>
+              <a:pathLst>
+                <a:path w="10000" h="16153">
+                  <a:moveTo>
+                    <a:pt x="0" y="8153"/>
+                  </a:moveTo>
+                  <a:cubicBezTo>
+                    <a:pt x="462" y="6267"/>
+                    <a:pt x="1313" y="4000"/>
+                    <a:pt x="2100" y="3958"/>
+                  </a:cubicBezTo>
+                  <a:cubicBezTo>
+                    <a:pt x="2887" y="3916"/>
+                    <a:pt x="3915" y="8556"/>
+                    <a:pt x="4722" y="7899"/>
+                  </a:cubicBezTo>
+                  <a:cubicBezTo>
+                    <a:pt x="5529" y="7242"/>
+                    <a:pt x="6061" y="306"/>
+                    <a:pt x="6941" y="15"/>
+                  </a:cubicBezTo>
+                  <a:cubicBezTo>
+                    <a:pt x="7821" y="-276"/>
+                    <a:pt x="9412" y="3609"/>
+                    <a:pt x="10000" y="6153"/>
+                  </a:cubicBezTo>
+                  <a:lnTo>
+                    <a:pt x="10000" y="16153"/>
+                  </a:lnTo>
+                  <a:lnTo>
+                    <a:pt x="0" y="16153"/>
+                  </a:lnTo>
+                  <a:lnTo>
+                    <a:pt x="0" y="8153"/>
+                  </a:lnTo>
+                  <a:close/>
+                </a:path>
+              </a:pathLst>
+            </a:custGeom>
+            <a:solidFill>
+              <a:schemeClr val="accent6"/>
+            </a:solidFill>
+            <a:ln w="19050">
+              <a:solidFill>
+                <a:schemeClr val="bg1"/>
+              </a:solidFill>
+            </a:ln>
+            <a:effectLst/>
+          </p:spPr>
+          <p:style>
+            <a:lnRef idx="2">
+              <a:schemeClr val="accent1">
+                <a:shade val="50000"/>
+              </a:schemeClr>
+            </a:lnRef>
+            <a:fillRef idx="1">
+              <a:schemeClr val="accent1"/>
+            </a:fillRef>
+            <a:effectRef idx="0">
+              <a:schemeClr val="accent1"/>
+            </a:effectRef>
+            <a:fontRef idx="minor">
+              <a:schemeClr val="lt1"/>
+            </a:fontRef>
+          </p:style>
+          <p:txBody>
+            <a:bodyPr rtlCol="0" anchor="ctr"/>
+            <a:lstStyle/>
+            <a:p>
+              <a:pPr algn="ctr"/>
+              <a:endParaRPr lang="en-SG"/>
+            </a:p>
+          </p:txBody>
+        </p:sp>
+      </p:grpSp>
+    </p:spTree>
+    <p:extLst>
+      <p:ext uri="{BB962C8B-B14F-4D97-AF65-F5344CB8AC3E}">
+        <p14:creationId xmlns:p14="http://schemas.microsoft.com/office/powerpoint/2010/main" val="3022866012"/>
+      </p:ext>
+    </p:extLst>
+  </p:cSld>
+  <p:clrMapOvr>
+    <a:masterClrMapping/>
+  </p:clrMapOvr>
+</p:sld>
+</file>
+
+<file path=ppt/slides/slide31.xml><?xml version="1.0" encoding="utf-8"?>
+<p:sld xmlns:a="http://schemas.openxmlformats.org/drawingml/2006/main" xmlns:r="http://schemas.openxmlformats.org/officeDocument/2006/relationships" xmlns:p="http://schemas.openxmlformats.org/presentationml/2006/main">
+  <p:cSld>
+    <p:spTree>
+      <p:nvGrpSpPr>
+        <p:cNvPr id="1" name=""/>
+        <p:cNvGrpSpPr/>
+        <p:nvPr/>
+      </p:nvGrpSpPr>
+      <p:grpSpPr>
+        <a:xfrm>
+          <a:off x="0" y="0"/>
+          <a:ext cx="0" cy="0"/>
+          <a:chOff x="0" y="0"/>
+          <a:chExt cx="0" cy="0"/>
+        </a:xfrm>
+      </p:grpSpPr>
+      <p:pic>
+        <p:nvPicPr>
+          <p:cNvPr id="6" name="图片 5"/>
+          <p:cNvPicPr>
+            <a:picLocks noChangeAspect="1"/>
+          </p:cNvPicPr>
+          <p:nvPr/>
+        </p:nvPicPr>
+        <p:blipFill>
+          <a:blip r:embed="rId2">
+            <a:extLst>
+              <a:ext uri="{28A0092B-C50C-407E-A947-70E740481C1C}">
+                <a14:useLocalDpi xmlns:a14="http://schemas.microsoft.com/office/drawing/2010/main" val="0"/>
+              </a:ext>
+            </a:extLst>
+          </a:blip>
+          <a:stretch>
+            <a:fillRect/>
+          </a:stretch>
+        </p:blipFill>
+        <p:spPr>
+          <a:xfrm>
+            <a:off x="5715000" y="457200"/>
+            <a:ext cx="3208953" cy="5952409"/>
+          </a:xfrm>
+          <a:prstGeom prst="rect">
+            <a:avLst/>
+          </a:prstGeom>
+        </p:spPr>
+      </p:pic>
+      <p:sp>
+        <p:nvSpPr>
+          <p:cNvPr id="7" name="[TextBox 6]"/>
+          <p:cNvSpPr txBox="1"/>
+          <p:nvPr/>
+        </p:nvSpPr>
+        <p:spPr>
+          <a:xfrm>
+            <a:off x="685800" y="1044410"/>
+            <a:ext cx="5105400" cy="1354217"/>
+          </a:xfrm>
+          <a:prstGeom prst="rect">
+            <a:avLst/>
+          </a:prstGeom>
+          <a:noFill/>
+        </p:spPr>
+        <p:txBody>
+          <a:bodyPr wrap="square" rtlCol="0">
+            <a:spAutoFit/>
+          </a:bodyPr>
+          <a:lstStyle/>
+          <a:p>
+            <a:r>
+              <a:rPr lang="en-US" sz="2800" b="1" dirty="0" smtClean="0">
+                <a:solidFill>
+                  <a:schemeClr val="accent6">
+                    <a:lumMod val="75000"/>
+                  </a:schemeClr>
+                </a:solidFill>
+              </a:rPr>
+              <a:t>1.</a:t>
+            </a:r>
+            <a:r>
+              <a:rPr lang="en-US" dirty="0" smtClean="0">
+                <a:solidFill>
+                  <a:schemeClr val="accent6">
+                    <a:lumMod val="75000"/>
+                  </a:schemeClr>
+                </a:solidFill>
+              </a:rPr>
+              <a:t> Click the               button.</a:t>
+            </a:r>
+          </a:p>
+          <a:p>
+            <a:r>
+              <a:rPr lang="en-US" dirty="0" smtClean="0">
+                <a:solidFill>
+                  <a:schemeClr val="accent6">
+                    <a:lumMod val="75000"/>
+                  </a:schemeClr>
+                </a:solidFill>
+              </a:rPr>
+              <a:t/>
+            </a:r>
+            <a:br>
+              <a:rPr lang="en-US" dirty="0" smtClean="0">
+                <a:solidFill>
+                  <a:schemeClr val="accent6">
+                    <a:lumMod val="75000"/>
+                  </a:schemeClr>
+                </a:solidFill>
+              </a:rPr>
+            </a:br>
+            <a:r>
+              <a:rPr lang="en-US" dirty="0" smtClean="0">
+                <a:solidFill>
+                  <a:schemeClr val="accent6">
+                    <a:lumMod val="75000"/>
+                  </a:schemeClr>
+                </a:solidFill>
+              </a:rPr>
+              <a:t>It will show  the </a:t>
+            </a:r>
+            <a:r>
+              <a:rPr lang="en-US" b="1" dirty="0" smtClean="0">
+                <a:solidFill>
+                  <a:schemeClr val="accent6">
+                    <a:lumMod val="75000"/>
+                  </a:schemeClr>
+                </a:solidFill>
+              </a:rPr>
+              <a:t>Colors Lab Panel</a:t>
+            </a:r>
+            <a:r>
+              <a:rPr lang="en-US" dirty="0" smtClean="0">
+                <a:solidFill>
+                  <a:schemeClr val="accent6">
+                    <a:lumMod val="75000"/>
+                  </a:schemeClr>
+                </a:solidFill>
+              </a:rPr>
+              <a:t> at the right side of </a:t>
+            </a:r>
+          </a:p>
+          <a:p>
+            <a:r>
+              <a:rPr lang="en-US" dirty="0" smtClean="0">
+                <a:solidFill>
+                  <a:schemeClr val="accent6">
+                    <a:lumMod val="75000"/>
+                  </a:schemeClr>
+                </a:solidFill>
+              </a:rPr>
+              <a:t>your screen.</a:t>
+            </a:r>
+            <a:endParaRPr lang="en-SG" dirty="0">
+              <a:solidFill>
+                <a:schemeClr val="accent6">
+                  <a:lumMod val="75000"/>
+                </a:schemeClr>
+              </a:solidFill>
+            </a:endParaRPr>
+          </a:p>
+        </p:txBody>
+      </p:sp>
+      <p:pic>
+        <p:nvPicPr>
+          <p:cNvPr id="8" name="图片 7"/>
+          <p:cNvPicPr>
+            <a:picLocks noChangeAspect="1"/>
+          </p:cNvPicPr>
+          <p:nvPr/>
+        </p:nvPicPr>
+        <p:blipFill>
+          <a:blip r:embed="rId3">
+            <a:extLst>
+              <a:ext uri="{28A0092B-C50C-407E-A947-70E740481C1C}">
+                <a14:useLocalDpi xmlns:a14="http://schemas.microsoft.com/office/drawing/2010/main" val="0"/>
+              </a:ext>
+            </a:extLst>
+          </a:blip>
+          <a:stretch>
+            <a:fillRect/>
+          </a:stretch>
+        </p:blipFill>
+        <p:spPr>
+          <a:xfrm>
+            <a:off x="1959395" y="838200"/>
+            <a:ext cx="622852" cy="914400"/>
+          </a:xfrm>
+          <a:prstGeom prst="rect">
+            <a:avLst/>
+          </a:prstGeom>
+        </p:spPr>
+      </p:pic>
+      <p:sp>
+        <p:nvSpPr>
+          <p:cNvPr id="9" name="[Picture 3]"/>
+          <p:cNvSpPr txBox="1"/>
+          <p:nvPr/>
+        </p:nvSpPr>
+        <p:spPr>
+          <a:xfrm>
+            <a:off x="685800" y="2435733"/>
+            <a:ext cx="4800600" cy="523220"/>
+          </a:xfrm>
+          <a:prstGeom prst="rect">
+            <a:avLst/>
+          </a:prstGeom>
+          <a:noFill/>
+        </p:spPr>
+        <p:txBody>
+          <a:bodyPr wrap="square" rtlCol="0">
+            <a:spAutoFit/>
+          </a:bodyPr>
+          <a:lstStyle/>
+          <a:p>
+            <a:r>
+              <a:rPr lang="en-US" sz="2800" b="1" dirty="0" smtClean="0">
+                <a:solidFill>
+                  <a:schemeClr val="accent6">
+                    <a:lumMod val="75000"/>
+                  </a:schemeClr>
+                </a:solidFill>
+              </a:rPr>
+              <a:t>2.</a:t>
+            </a:r>
+            <a:r>
+              <a:rPr lang="en-US" dirty="0" smtClean="0">
+                <a:solidFill>
+                  <a:schemeClr val="accent6">
+                    <a:lumMod val="75000"/>
+                  </a:schemeClr>
+                </a:solidFill>
+              </a:rPr>
+              <a:t> Select the following shape:</a:t>
+            </a:r>
+            <a:endParaRPr lang="en-SG" dirty="0">
+              <a:solidFill>
+                <a:schemeClr val="accent6">
+                  <a:lumMod val="75000"/>
+                </a:schemeClr>
+              </a:solidFill>
+            </a:endParaRPr>
+          </a:p>
+        </p:txBody>
+      </p:sp>
+      <p:sp>
+        <p:nvSpPr>
+          <p:cNvPr id="11" name="[Picture 3]"/>
+          <p:cNvSpPr txBox="1"/>
+          <p:nvPr/>
+        </p:nvSpPr>
+        <p:spPr>
+          <a:xfrm>
+            <a:off x="685800" y="4059294"/>
+            <a:ext cx="4953000" cy="2185214"/>
+          </a:xfrm>
+          <a:prstGeom prst="rect">
+            <a:avLst/>
+          </a:prstGeom>
+          <a:noFill/>
+        </p:spPr>
+        <p:txBody>
+          <a:bodyPr wrap="square" rtlCol="0">
+            <a:spAutoFit/>
+          </a:bodyPr>
+          <a:lstStyle/>
+          <a:p>
+            <a:r>
+              <a:rPr lang="en-US" sz="2800" b="1" dirty="0" smtClean="0">
+                <a:solidFill>
+                  <a:schemeClr val="accent6">
+                    <a:lumMod val="75000"/>
+                  </a:schemeClr>
+                </a:solidFill>
+              </a:rPr>
+              <a:t>3.</a:t>
+            </a:r>
+            <a:r>
+              <a:rPr lang="en-US" dirty="0" smtClean="0">
+                <a:solidFill>
+                  <a:schemeClr val="accent6">
+                    <a:lumMod val="75000"/>
+                  </a:schemeClr>
+                </a:solidFill>
+              </a:rPr>
+              <a:t> Then you can </a:t>
+            </a:r>
+            <a:r>
+              <a:rPr lang="en-US" b="1" dirty="0" smtClean="0">
+                <a:solidFill>
+                  <a:schemeClr val="accent6">
+                    <a:lumMod val="75000"/>
+                  </a:schemeClr>
+                </a:solidFill>
+              </a:rPr>
+              <a:t>drag</a:t>
+            </a:r>
+            <a:r>
+              <a:rPr lang="en-US" dirty="0" smtClean="0">
+                <a:solidFill>
+                  <a:schemeClr val="accent6">
+                    <a:lumMod val="75000"/>
+                  </a:schemeClr>
+                </a:solidFill>
+              </a:rPr>
+              <a:t> or </a:t>
+            </a:r>
+            <a:r>
+              <a:rPr lang="en-US" b="1" dirty="0" smtClean="0">
+                <a:solidFill>
+                  <a:schemeClr val="accent6">
+                    <a:lumMod val="75000"/>
+                  </a:schemeClr>
+                </a:solidFill>
+              </a:rPr>
+              <a:t>click</a:t>
+            </a:r>
+            <a:r>
+              <a:rPr lang="en-US" dirty="0" smtClean="0">
+                <a:solidFill>
+                  <a:schemeClr val="accent6">
+                    <a:lumMod val="75000"/>
+                  </a:schemeClr>
+                </a:solidFill>
+              </a:rPr>
+              <a:t> this            button in </a:t>
+            </a:r>
+          </a:p>
+          <a:p>
+            <a:endParaRPr lang="en-US" dirty="0">
+              <a:solidFill>
+                <a:schemeClr val="accent6">
+                  <a:lumMod val="75000"/>
+                </a:schemeClr>
+              </a:solidFill>
+            </a:endParaRPr>
+          </a:p>
+          <a:p>
+            <a:r>
+              <a:rPr lang="en-US" dirty="0" smtClean="0">
+                <a:solidFill>
+                  <a:schemeClr val="accent6">
+                    <a:lumMod val="75000"/>
+                  </a:schemeClr>
+                </a:solidFill>
+              </a:rPr>
+              <a:t>the panel to change the selected shape’s </a:t>
+            </a:r>
+            <a:r>
+              <a:rPr lang="en-US" b="1" dirty="0" smtClean="0">
+                <a:solidFill>
+                  <a:schemeClr val="accent6">
+                    <a:lumMod val="75000"/>
+                  </a:schemeClr>
+                </a:solidFill>
+              </a:rPr>
+              <a:t>FONT</a:t>
+            </a:r>
+            <a:r>
+              <a:rPr lang="en-US" dirty="0">
+                <a:solidFill>
+                  <a:schemeClr val="accent6">
+                    <a:lumMod val="75000"/>
+                  </a:schemeClr>
+                </a:solidFill>
+              </a:rPr>
+              <a:t> </a:t>
+            </a:r>
+            <a:endParaRPr lang="en-US" dirty="0" smtClean="0">
+              <a:solidFill>
+                <a:schemeClr val="accent6">
+                  <a:lumMod val="75000"/>
+                </a:schemeClr>
+              </a:solidFill>
+            </a:endParaRPr>
+          </a:p>
+          <a:p>
+            <a:endParaRPr lang="en-US" dirty="0">
+              <a:solidFill>
+                <a:schemeClr val="accent6">
+                  <a:lumMod val="75000"/>
+                </a:schemeClr>
+              </a:solidFill>
+            </a:endParaRPr>
+          </a:p>
+          <a:p>
+            <a:r>
+              <a:rPr lang="en-US" dirty="0" smtClean="0">
+                <a:solidFill>
+                  <a:schemeClr val="accent6">
+                    <a:lumMod val="75000"/>
+                  </a:schemeClr>
+                </a:solidFill>
+              </a:rPr>
+              <a:t>color, or this</a:t>
+            </a:r>
+            <a:r>
+              <a:rPr lang="en-SG" dirty="0" smtClean="0">
+                <a:solidFill>
+                  <a:schemeClr val="accent6">
+                    <a:lumMod val="75000"/>
+                  </a:schemeClr>
+                </a:solidFill>
+              </a:rPr>
+              <a:t>             button to change its </a:t>
+            </a:r>
+            <a:r>
+              <a:rPr lang="en-SG" b="1" dirty="0" smtClean="0">
+                <a:solidFill>
+                  <a:schemeClr val="accent6">
+                    <a:lumMod val="75000"/>
+                  </a:schemeClr>
+                </a:solidFill>
+              </a:rPr>
+              <a:t>LINE</a:t>
+            </a:r>
+            <a:r>
+              <a:rPr lang="en-SG" dirty="0">
+                <a:solidFill>
+                  <a:schemeClr val="accent6">
+                    <a:lumMod val="75000"/>
+                  </a:schemeClr>
+                </a:solidFill>
+              </a:rPr>
+              <a:t> </a:t>
+            </a:r>
+            <a:r>
+              <a:rPr lang="en-SG" dirty="0" err="1" smtClean="0">
+                <a:solidFill>
+                  <a:schemeClr val="accent6">
+                    <a:lumMod val="75000"/>
+                  </a:schemeClr>
+                </a:solidFill>
+              </a:rPr>
+              <a:t>color</a:t>
+            </a:r>
+            <a:r>
+              <a:rPr lang="en-SG" dirty="0" smtClean="0">
+                <a:solidFill>
+                  <a:schemeClr val="accent6">
+                    <a:lumMod val="75000"/>
+                  </a:schemeClr>
+                </a:solidFill>
+              </a:rPr>
+              <a:t>, </a:t>
+            </a:r>
+          </a:p>
+          <a:p>
+            <a:endParaRPr lang="en-SG" dirty="0">
+              <a:solidFill>
+                <a:schemeClr val="accent6">
+                  <a:lumMod val="75000"/>
+                </a:schemeClr>
+              </a:solidFill>
+            </a:endParaRPr>
+          </a:p>
+          <a:p>
+            <a:r>
+              <a:rPr lang="en-SG" dirty="0" smtClean="0">
+                <a:solidFill>
+                  <a:schemeClr val="accent6">
+                    <a:lumMod val="75000"/>
+                  </a:schemeClr>
+                </a:solidFill>
+              </a:rPr>
+              <a:t>or this            button to change its </a:t>
+            </a:r>
+            <a:r>
+              <a:rPr lang="en-SG" b="1" dirty="0" smtClean="0">
+                <a:solidFill>
+                  <a:schemeClr val="accent6">
+                    <a:lumMod val="75000"/>
+                  </a:schemeClr>
+                </a:solidFill>
+              </a:rPr>
+              <a:t>FILL</a:t>
+            </a:r>
+            <a:r>
+              <a:rPr lang="en-SG" dirty="0" smtClean="0">
+                <a:solidFill>
+                  <a:schemeClr val="accent6">
+                    <a:lumMod val="75000"/>
+                  </a:schemeClr>
+                </a:solidFill>
+              </a:rPr>
+              <a:t> </a:t>
+            </a:r>
+            <a:r>
+              <a:rPr lang="en-SG" dirty="0" err="1" smtClean="0">
+                <a:solidFill>
+                  <a:schemeClr val="accent6">
+                    <a:lumMod val="75000"/>
+                  </a:schemeClr>
+                </a:solidFill>
+              </a:rPr>
+              <a:t>color</a:t>
+            </a:r>
+            <a:r>
+              <a:rPr lang="en-SG" dirty="0" smtClean="0">
+                <a:solidFill>
+                  <a:schemeClr val="accent6">
+                    <a:lumMod val="75000"/>
+                  </a:schemeClr>
+                </a:solidFill>
+              </a:rPr>
+              <a:t>.</a:t>
+            </a:r>
+            <a:endParaRPr lang="en-SG" dirty="0">
+              <a:solidFill>
+                <a:schemeClr val="accent6">
+                  <a:lumMod val="75000"/>
+                </a:schemeClr>
+              </a:solidFill>
+            </a:endParaRPr>
+          </a:p>
+        </p:txBody>
+      </p:sp>
+      <p:sp>
+        <p:nvSpPr>
+          <p:cNvPr id="12" name="圆角矩形 11"/>
+          <p:cNvSpPr/>
+          <p:nvPr/>
+        </p:nvSpPr>
+        <p:spPr>
+          <a:xfrm>
+            <a:off x="1314450" y="3053602"/>
+            <a:ext cx="3516134" cy="803374"/>
+          </a:xfrm>
+          <a:prstGeom prst="roundRect">
+            <a:avLst/>
+          </a:prstGeom>
+          <a:solidFill>
+            <a:srgbClr val="4D74B9"/>
+          </a:solidFill>
+          <a:ln>
+            <a:solidFill>
+              <a:srgbClr val="4D74B9"/>
+            </a:solidFill>
+          </a:ln>
+        </p:spPr>
+        <p:style>
+          <a:lnRef idx="2">
+            <a:schemeClr val="accent1">
+              <a:shade val="50000"/>
+            </a:schemeClr>
+          </a:lnRef>
+          <a:fillRef idx="1">
+            <a:schemeClr val="accent1"/>
+          </a:fillRef>
+          <a:effectRef idx="0">
+            <a:schemeClr val="accent1"/>
+          </a:effectRef>
+          <a:fontRef idx="minor">
+            <a:schemeClr val="lt1"/>
+          </a:fontRef>
+        </p:style>
+        <p:txBody>
+          <a:bodyPr rtlCol="0" anchor="ctr"/>
+          <a:lstStyle/>
+          <a:p>
+            <a:pPr algn="ctr"/>
+            <a:r>
+              <a:rPr lang="en-US" altLang="zh-CN" sz="4000" dirty="0" smtClean="0">
+                <a:solidFill>
+                  <a:srgbClr val="FFFFFF"/>
+                </a:solidFill>
+              </a:rPr>
+              <a:t>Select me!</a:t>
+            </a:r>
+            <a:endParaRPr lang="zh-CN" altLang="en-US" sz="4000" dirty="0">
+              <a:solidFill>
+                <a:srgbClr val="FFFFFF"/>
+              </a:solidFill>
+            </a:endParaRPr>
+          </a:p>
+        </p:txBody>
+      </p:sp>
+      <p:pic>
+        <p:nvPicPr>
+          <p:cNvPr id="2" name="图片 1"/>
+          <p:cNvPicPr>
+            <a:picLocks noChangeAspect="1"/>
+          </p:cNvPicPr>
+          <p:nvPr/>
+        </p:nvPicPr>
+        <p:blipFill>
+          <a:blip r:embed="rId4">
+            <a:extLst>
+              <a:ext uri="{28A0092B-C50C-407E-A947-70E740481C1C}">
+                <a14:useLocalDpi xmlns:a14="http://schemas.microsoft.com/office/drawing/2010/main" val="0"/>
+              </a:ext>
+            </a:extLst>
+          </a:blip>
+          <a:stretch>
+            <a:fillRect/>
+          </a:stretch>
+        </p:blipFill>
+        <p:spPr>
+          <a:xfrm>
+            <a:off x="4000552" y="4153943"/>
+            <a:ext cx="419048" cy="428571"/>
+          </a:xfrm>
+          <a:prstGeom prst="rect">
+            <a:avLst/>
+          </a:prstGeom>
+        </p:spPr>
+      </p:pic>
+      <p:pic>
+        <p:nvPicPr>
+          <p:cNvPr id="3" name="图片 2"/>
+          <p:cNvPicPr>
+            <a:picLocks noChangeAspect="1"/>
+          </p:cNvPicPr>
+          <p:nvPr/>
+        </p:nvPicPr>
+        <p:blipFill>
+          <a:blip r:embed="rId5">
+            <a:extLst>
+              <a:ext uri="{28A0092B-C50C-407E-A947-70E740481C1C}">
+                <a14:useLocalDpi xmlns:a14="http://schemas.microsoft.com/office/drawing/2010/main" val="0"/>
+              </a:ext>
+            </a:extLst>
+          </a:blip>
+          <a:stretch>
+            <a:fillRect/>
+          </a:stretch>
+        </p:blipFill>
+        <p:spPr>
+          <a:xfrm>
+            <a:off x="2040077" y="5272315"/>
+            <a:ext cx="419048" cy="428571"/>
+          </a:xfrm>
+          <a:prstGeom prst="rect">
+            <a:avLst/>
+          </a:prstGeom>
+        </p:spPr>
+      </p:pic>
+      <p:pic>
+        <p:nvPicPr>
+          <p:cNvPr id="4" name="图片 3"/>
+          <p:cNvPicPr>
+            <a:picLocks noChangeAspect="1"/>
+          </p:cNvPicPr>
+          <p:nvPr/>
+        </p:nvPicPr>
+        <p:blipFill>
+          <a:blip r:embed="rId6">
+            <a:extLst>
+              <a:ext uri="{28A0092B-C50C-407E-A947-70E740481C1C}">
+                <a14:useLocalDpi xmlns:a14="http://schemas.microsoft.com/office/drawing/2010/main" val="0"/>
+              </a:ext>
+            </a:extLst>
+          </a:blip>
+          <a:stretch>
+            <a:fillRect/>
+          </a:stretch>
+        </p:blipFill>
+        <p:spPr>
+          <a:xfrm>
+            <a:off x="1447800" y="5815937"/>
+            <a:ext cx="419048" cy="428571"/>
+          </a:xfrm>
+          <a:prstGeom prst="rect">
+            <a:avLst/>
+          </a:prstGeom>
+        </p:spPr>
+      </p:pic>
+    </p:spTree>
+    <p:extLst>
+      <p:ext uri="{BB962C8B-B14F-4D97-AF65-F5344CB8AC3E}">
+        <p14:creationId xmlns:p14="http://schemas.microsoft.com/office/powerpoint/2010/main" val="731680432"/>
+      </p:ext>
+    </p:extLst>
+  </p:cSld>
+  <p:clrMapOvr>
+    <a:masterClrMapping/>
+  </p:clrMapOvr>
+  <p:timing>
+    <p:tnLst>
+      <p:par>
+        <p:cTn id="1" dur="indefinite" restart="never" nodeType="tmRoot">
+          <p:childTnLst>
+            <p:seq concurrent="1" nextAc="seek">
+              <p:cTn id="2" dur="indefinite" nodeType="mainSeq">
+                <p:childTnLst>
+                  <p:par>
+                    <p:cTn id="3" fill="hold">
+                      <p:stCondLst>
+                        <p:cond delay="indefinite"/>
+                        <p:cond evt="onBegin" delay="0">
+                          <p:tn val="2"/>
+                        </p:cond>
+                      </p:stCondLst>
+                      <p:childTnLst>
+                        <p:par>
+                          <p:cTn id="4" fill="hold">
+                            <p:stCondLst>
+                              <p:cond delay="0"/>
+                            </p:stCondLst>
+                            <p:childTnLst>
+                              <p:par>
+                                <p:cTn id="5" presetID="10" presetClass="entr" presetSubtype="0" fill="hold" grpId="0" nodeType="withEffect">
+                                  <p:stCondLst>
+                                    <p:cond delay="0"/>
+                                  </p:stCondLst>
+                                  <p:childTnLst>
+                                    <p:set>
+                                      <p:cBhvr>
+                                        <p:cTn id="6" dur="1" fill="hold">
+                                          <p:stCondLst>
+                                            <p:cond delay="0"/>
+                                          </p:stCondLst>
+                                        </p:cTn>
+                                        <p:tgtEl>
+                                          <p:spTgt spid="7"/>
+                                        </p:tgtEl>
+                                        <p:attrNameLst>
+                                          <p:attrName>style.visibility</p:attrName>
+                                        </p:attrNameLst>
+                                      </p:cBhvr>
+                                      <p:to>
+                                        <p:strVal val="visible"/>
+                                      </p:to>
+                                    </p:set>
+                                    <p:animEffect transition="in" filter="fade">
+                                      <p:cBhvr>
+                                        <p:cTn id="7" dur="500"/>
+                                        <p:tgtEl>
+                                          <p:spTgt spid="7"/>
+                                        </p:tgtEl>
+                                      </p:cBhvr>
+                                    </p:animEffect>
+                                  </p:childTnLst>
+                                </p:cTn>
+                              </p:par>
+                            </p:childTnLst>
+                          </p:cTn>
+                        </p:par>
+                      </p:childTnLst>
+                    </p:cTn>
+                  </p:par>
+                  <p:par>
+                    <p:cTn id="8" fill="hold">
+                      <p:stCondLst>
+                        <p:cond delay="indefinite"/>
+                      </p:stCondLst>
+                      <p:childTnLst>
+                        <p:par>
+                          <p:cTn id="9" fill="hold">
+                            <p:stCondLst>
+                              <p:cond delay="0"/>
+                            </p:stCondLst>
+                            <p:childTnLst>
+                              <p:par>
+                                <p:cTn id="10" presetID="10" presetClass="entr" presetSubtype="0" fill="hold" grpId="0" nodeType="clickEffect">
+                                  <p:stCondLst>
+                                    <p:cond delay="0"/>
+                                  </p:stCondLst>
+                                  <p:childTnLst>
+                                    <p:set>
+                                      <p:cBhvr>
+                                        <p:cTn id="11" dur="1" fill="hold">
+                                          <p:stCondLst>
+                                            <p:cond delay="0"/>
+                                          </p:stCondLst>
+                                        </p:cTn>
+                                        <p:tgtEl>
+                                          <p:spTgt spid="9"/>
+                                        </p:tgtEl>
+                                        <p:attrNameLst>
+                                          <p:attrName>style.visibility</p:attrName>
+                                        </p:attrNameLst>
+                                      </p:cBhvr>
+                                      <p:to>
+                                        <p:strVal val="visible"/>
+                                      </p:to>
+                                    </p:set>
+                                    <p:animEffect transition="in" filter="fade">
+                                      <p:cBhvr>
+                                        <p:cTn id="12" dur="500"/>
+                                        <p:tgtEl>
+                                          <p:spTgt spid="9"/>
+                                        </p:tgtEl>
+                                      </p:cBhvr>
+                                    </p:animEffect>
+                                  </p:childTnLst>
+                                </p:cTn>
+                              </p:par>
+                            </p:childTnLst>
+                          </p:cTn>
+                        </p:par>
+                      </p:childTnLst>
+                    </p:cTn>
+                  </p:par>
+                  <p:par>
+                    <p:cTn id="13" fill="hold">
+                      <p:stCondLst>
+                        <p:cond delay="indefinite"/>
+                      </p:stCondLst>
+                      <p:childTnLst>
+                        <p:par>
+                          <p:cTn id="14" fill="hold">
+                            <p:stCondLst>
+                              <p:cond delay="0"/>
+                            </p:stCondLst>
+                            <p:childTnLst>
+                              <p:par>
+                                <p:cTn id="15" presetID="10" presetClass="entr" presetSubtype="0" fill="hold" grpId="0" nodeType="clickEffect">
+                                  <p:stCondLst>
+                                    <p:cond delay="0"/>
+                                  </p:stCondLst>
+                                  <p:childTnLst>
+                                    <p:set>
+                                      <p:cBhvr>
+                                        <p:cTn id="16" dur="1" fill="hold">
+                                          <p:stCondLst>
+                                            <p:cond delay="0"/>
+                                          </p:stCondLst>
+                                        </p:cTn>
+                                        <p:tgtEl>
+                                          <p:spTgt spid="11"/>
+                                        </p:tgtEl>
+                                        <p:attrNameLst>
+                                          <p:attrName>style.visibility</p:attrName>
+                                        </p:attrNameLst>
+                                      </p:cBhvr>
+                                      <p:to>
+                                        <p:strVal val="visible"/>
+                                      </p:to>
+                                    </p:set>
+                                    <p:animEffect transition="in" filter="fade">
+                                      <p:cBhvr>
+                                        <p:cTn id="17" dur="500"/>
+                                        <p:tgtEl>
+                                          <p:spTgt spid="11"/>
+                                        </p:tgtEl>
+                                      </p:cBhvr>
+                                    </p:animEffect>
+                                  </p:childTnLst>
+                                </p:cTn>
+                              </p:par>
+                            </p:childTnLst>
+                          </p:cTn>
+                        </p:par>
+                      </p:childTnLst>
+                    </p:cTn>
+                  </p:par>
+                </p:childTnLst>
+              </p:cTn>
+              <p:prevCondLst>
+                <p:cond evt="onPrev" delay="0">
+                  <p:tgtEl>
+                    <p:sldTgt/>
+                  </p:tgtEl>
+                </p:cond>
+              </p:prevCondLst>
+              <p:nextCondLst>
+                <p:cond evt="onNext" delay="0">
+                  <p:tgtEl>
+                    <p:sldTgt/>
+                  </p:tgtEl>
+                </p:cond>
+              </p:nextCondLst>
+            </p:seq>
+          </p:childTnLst>
+        </p:cTn>
+      </p:par>
+    </p:tnLst>
+    <p:bldLst>
+      <p:bldP spid="7" grpId="0"/>
+      <p:bldP spid="9" grpId="0"/>
+      <p:bldP spid="11" grpId="0"/>
+    </p:bldLst>
+  </p:timing>
+</p:sld>
+</file>
+
+<file path=ppt/slides/slide32.xml><?xml version="1.0" encoding="utf-8"?>
+<p:sld xmlns:a="http://schemas.openxmlformats.org/drawingml/2006/main" xmlns:r="http://schemas.openxmlformats.org/officeDocument/2006/relationships" xmlns:p="http://schemas.openxmlformats.org/presentationml/2006/main">
+  <p:cSld>
+    <p:spTree>
+      <p:nvGrpSpPr>
+        <p:cNvPr id="1" name=""/>
+        <p:cNvGrpSpPr/>
+        <p:nvPr/>
+      </p:nvGrpSpPr>
+      <p:grpSpPr>
+        <a:xfrm>
+          <a:off x="0" y="0"/>
+          <a:ext cx="0" cy="0"/>
+          <a:chOff x="0" y="0"/>
+          <a:chExt cx="0" cy="0"/>
+        </a:xfrm>
+      </p:grpSpPr>
+      <p:sp>
+        <p:nvSpPr>
           <p:cNvPr id="16" name="TextBox 15"/>
           <p:cNvSpPr txBox="1"/>
           <p:nvPr/>
@@ -17334,7 +19120,7 @@
 </p:sld>
 </file>
 
-<file path=ppt/slides/slide31.xml><?xml version="1.0" encoding="utf-8"?>
+<file path=ppt/slides/slide33.xml><?xml version="1.0" encoding="utf-8"?>
 <p:sld xmlns:a="http://schemas.openxmlformats.org/drawingml/2006/main" xmlns:r="http://schemas.openxmlformats.org/officeDocument/2006/relationships" xmlns:p="http://schemas.openxmlformats.org/presentationml/2006/main" show="0">
   <p:cSld name="PPAck201401021130490549">
     <p:spTree>

--- a/PowerPointLabs/PowerPointLabs/PowerPointLabs Quick Tutorial.pptx
+++ b/PowerPointLabs/PowerPointLabs/PowerPointLabs Quick Tutorial.pptx
@@ -17115,7 +17115,7 @@
                   </a:schemeClr>
                 </a:solidFill>
               </a:rPr>
-              <a:t>features</a:t>
+              <a:t>feature</a:t>
             </a:r>
             <a:endParaRPr lang="en-SG" dirty="0">
               <a:solidFill>
